--- a/education.pptx
+++ b/education.pptx
@@ -2,10 +2,10 @@
 <file path=ppt/presentation.xml><?xml version="1.0" encoding="utf-8"?>
 <p:presentation xmlns:a="http://schemas.openxmlformats.org/drawingml/2006/main" xmlns:r="http://schemas.openxmlformats.org/officeDocument/2006/relationships" xmlns:p="http://schemas.openxmlformats.org/presentationml/2006/main" saveSubsetFonts="1" autoCompressPictures="0">
   <p:sldMasterIdLst>
-    <p:sldMasterId id="2147483648" r:id="rId1"/>
+    <p:sldMasterId id="2147483660" r:id="rId1"/>
   </p:sldMasterIdLst>
   <p:sldIdLst>
-    <p:sldId id="256" r:id="rId7"/>
+    <p:sldId id="256" r:id="rId2"/>
   </p:sldIdLst>
   <p:sldSz cx="9144000" cy="6858000" type="screen4x3"/>
   <p:notesSz cx="6858000" cy="9144000"/>
@@ -104,12 +104,28 @@
       </a:defRPr>
     </a:lvl9pPr>
   </p:defaultTextStyle>
+  <p:extLst>
+    <p:ext uri="{EFAFB233-063F-42B5-8137-9DF3F51BA10A}">
+      <p15:sldGuideLst xmlns:p15="http://schemas.microsoft.com/office/powerpoint/2012/main">
+        <p15:guide id="1" orient="horz" pos="2160">
+          <p15:clr>
+            <a:srgbClr val="A4A3A4"/>
+          </p15:clr>
+        </p15:guide>
+        <p15:guide id="2" pos="2880">
+          <p15:clr>
+            <a:srgbClr val="A4A3A4"/>
+          </p15:clr>
+        </p15:guide>
+      </p15:sldGuideLst>
+    </p:ext>
+  </p:extLst>
 </p:presentation>
 </file>
 
 <file path=ppt/slideLayouts/slideLayout1.xml><?xml version="1.0" encoding="utf-8"?>
-<p:sldLayout xmlns:a="http://schemas.openxmlformats.org/drawingml/2006/main" xmlns:r="http://schemas.openxmlformats.org/officeDocument/2006/relationships" xmlns:p="http://schemas.openxmlformats.org/presentationml/2006/main" type="title" preserve="1">
-  <p:cSld name="Title Slide">
+<p:sldLayout xmlns:a="http://schemas.openxmlformats.org/drawingml/2006/main" xmlns:r="http://schemas.openxmlformats.org/officeDocument/2006/relationships" xmlns:p="http://schemas.openxmlformats.org/presentationml/2006/main" showMasterSp="0" type="title" preserve="1">
+  <p:cSld name="Титульный слайд">
     <p:spTree>
       <p:nvGrpSpPr>
         <p:cNvPr id="1" name=""/>
@@ -124,6 +140,608 @@
           <a:chExt cx="0" cy="0"/>
         </a:xfrm>
       </p:grpSpPr>
+      <p:grpSp>
+        <p:nvGrpSpPr>
+          <p:cNvPr id="7" name="Group 6"/>
+          <p:cNvGrpSpPr/>
+          <p:nvPr/>
+        </p:nvGrpSpPr>
+        <p:grpSpPr>
+          <a:xfrm>
+            <a:off x="-8466" y="-8468"/>
+            <a:ext cx="9169804" cy="6874935"/>
+            <a:chOff x="-8466" y="-8468"/>
+            <a:chExt cx="9169804" cy="6874935"/>
+          </a:xfrm>
+        </p:grpSpPr>
+        <p:cxnSp>
+          <p:nvCxnSpPr>
+            <p:cNvPr id="17" name="Straight Connector 16"/>
+            <p:cNvCxnSpPr/>
+            <p:nvPr/>
+          </p:nvCxnSpPr>
+          <p:spPr>
+            <a:xfrm flipV="1">
+              <a:off x="5130830" y="4175605"/>
+              <a:ext cx="4022475" cy="2682396"/>
+            </a:xfrm>
+            <a:prstGeom prst="line">
+              <a:avLst/>
+            </a:prstGeom>
+            <a:ln w="9525">
+              <a:solidFill>
+                <a:schemeClr val="bg1">
+                  <a:lumMod val="85000"/>
+                </a:schemeClr>
+              </a:solidFill>
+            </a:ln>
+          </p:spPr>
+          <p:style>
+            <a:lnRef idx="2">
+              <a:schemeClr val="accent1"/>
+            </a:lnRef>
+            <a:fillRef idx="0">
+              <a:schemeClr val="accent1"/>
+            </a:fillRef>
+            <a:effectRef idx="1">
+              <a:schemeClr val="accent1"/>
+            </a:effectRef>
+            <a:fontRef idx="minor">
+              <a:schemeClr val="tx1"/>
+            </a:fontRef>
+          </p:style>
+        </p:cxnSp>
+        <p:cxnSp>
+          <p:nvCxnSpPr>
+            <p:cNvPr id="18" name="Straight Connector 17"/>
+            <p:cNvCxnSpPr/>
+            <p:nvPr/>
+          </p:nvCxnSpPr>
+          <p:spPr>
+            <a:xfrm>
+              <a:off x="7042707" y="0"/>
+              <a:ext cx="1219200" cy="6858000"/>
+            </a:xfrm>
+            <a:prstGeom prst="line">
+              <a:avLst/>
+            </a:prstGeom>
+            <a:ln w="9525">
+              <a:solidFill>
+                <a:schemeClr val="bg1">
+                  <a:lumMod val="75000"/>
+                </a:schemeClr>
+              </a:solidFill>
+            </a:ln>
+          </p:spPr>
+          <p:style>
+            <a:lnRef idx="2">
+              <a:schemeClr val="accent1"/>
+            </a:lnRef>
+            <a:fillRef idx="0">
+              <a:schemeClr val="accent1"/>
+            </a:fillRef>
+            <a:effectRef idx="1">
+              <a:schemeClr val="accent1"/>
+            </a:effectRef>
+            <a:fontRef idx="minor">
+              <a:schemeClr val="tx1"/>
+            </a:fontRef>
+          </p:style>
+        </p:cxnSp>
+        <p:sp>
+          <p:nvSpPr>
+            <p:cNvPr id="19" name="Freeform 18"/>
+            <p:cNvSpPr/>
+            <p:nvPr/>
+          </p:nvSpPr>
+          <p:spPr>
+            <a:xfrm>
+              <a:off x="6891896" y="1"/>
+              <a:ext cx="2269442" cy="6866466"/>
+            </a:xfrm>
+            <a:custGeom>
+              <a:avLst/>
+              <a:gdLst/>
+              <a:ahLst/>
+              <a:cxnLst/>
+              <a:rect l="l" t="t" r="r" b="b"/>
+              <a:pathLst>
+                <a:path w="2269442" h="6866466">
+                  <a:moveTo>
+                    <a:pt x="2023534" y="0"/>
+                  </a:moveTo>
+                  <a:lnTo>
+                    <a:pt x="0" y="6858000"/>
+                  </a:lnTo>
+                  <a:lnTo>
+                    <a:pt x="2269067" y="6866466"/>
+                  </a:lnTo>
+                  <a:cubicBezTo>
+                    <a:pt x="2271889" y="4580466"/>
+                    <a:pt x="2257778" y="2294466"/>
+                    <a:pt x="2260600" y="8466"/>
+                  </a:cubicBezTo>
+                  <a:lnTo>
+                    <a:pt x="2023534" y="0"/>
+                  </a:lnTo>
+                  <a:close/>
+                </a:path>
+              </a:pathLst>
+            </a:custGeom>
+            <a:solidFill>
+              <a:schemeClr val="accent1">
+                <a:alpha val="30000"/>
+              </a:schemeClr>
+            </a:solidFill>
+            <a:ln>
+              <a:noFill/>
+            </a:ln>
+            <a:effectLst/>
+          </p:spPr>
+          <p:style>
+            <a:lnRef idx="1">
+              <a:schemeClr val="accent1"/>
+            </a:lnRef>
+            <a:fillRef idx="3">
+              <a:schemeClr val="accent1"/>
+            </a:fillRef>
+            <a:effectRef idx="2">
+              <a:schemeClr val="accent1"/>
+            </a:effectRef>
+            <a:fontRef idx="minor">
+              <a:schemeClr val="lt1"/>
+            </a:fontRef>
+          </p:style>
+        </p:sp>
+        <p:sp>
+          <p:nvSpPr>
+            <p:cNvPr id="20" name="Freeform 19"/>
+            <p:cNvSpPr/>
+            <p:nvPr/>
+          </p:nvSpPr>
+          <p:spPr>
+            <a:xfrm>
+              <a:off x="7205158" y="-8467"/>
+              <a:ext cx="1948147" cy="6866467"/>
+            </a:xfrm>
+            <a:custGeom>
+              <a:avLst/>
+              <a:gdLst/>
+              <a:ahLst/>
+              <a:cxnLst/>
+              <a:rect l="l" t="t" r="r" b="b"/>
+              <a:pathLst>
+                <a:path w="1948147" h="6866467">
+                  <a:moveTo>
+                    <a:pt x="0" y="0"/>
+                  </a:moveTo>
+                  <a:lnTo>
+                    <a:pt x="1202267" y="6866467"/>
+                  </a:lnTo>
+                  <a:lnTo>
+                    <a:pt x="1947333" y="6866467"/>
+                  </a:lnTo>
+                  <a:cubicBezTo>
+                    <a:pt x="1944511" y="4577645"/>
+                    <a:pt x="1950155" y="2288822"/>
+                    <a:pt x="1947333" y="0"/>
+                  </a:cubicBezTo>
+                  <a:lnTo>
+                    <a:pt x="0" y="0"/>
+                  </a:lnTo>
+                  <a:close/>
+                </a:path>
+              </a:pathLst>
+            </a:custGeom>
+            <a:solidFill>
+              <a:schemeClr val="accent1">
+                <a:alpha val="20000"/>
+              </a:schemeClr>
+            </a:solidFill>
+            <a:ln>
+              <a:noFill/>
+            </a:ln>
+            <a:effectLst/>
+          </p:spPr>
+          <p:style>
+            <a:lnRef idx="1">
+              <a:schemeClr val="accent1"/>
+            </a:lnRef>
+            <a:fillRef idx="3">
+              <a:schemeClr val="accent1"/>
+            </a:fillRef>
+            <a:effectRef idx="2">
+              <a:schemeClr val="accent1"/>
+            </a:effectRef>
+            <a:fontRef idx="minor">
+              <a:schemeClr val="lt1"/>
+            </a:fontRef>
+          </p:style>
+        </p:sp>
+        <p:sp>
+          <p:nvSpPr>
+            <p:cNvPr id="21" name="Freeform 20"/>
+            <p:cNvSpPr/>
+            <p:nvPr/>
+          </p:nvSpPr>
+          <p:spPr>
+            <a:xfrm>
+              <a:off x="6637896" y="3920066"/>
+              <a:ext cx="2513565" cy="2937933"/>
+            </a:xfrm>
+            <a:custGeom>
+              <a:avLst/>
+              <a:gdLst/>
+              <a:ahLst/>
+              <a:cxnLst/>
+              <a:rect l="l" t="t" r="r" b="b"/>
+              <a:pathLst>
+                <a:path w="3259667" h="3810000">
+                  <a:moveTo>
+                    <a:pt x="0" y="3810000"/>
+                  </a:moveTo>
+                  <a:lnTo>
+                    <a:pt x="3251200" y="0"/>
+                  </a:lnTo>
+                  <a:cubicBezTo>
+                    <a:pt x="3254022" y="1270000"/>
+                    <a:pt x="3256845" y="2540000"/>
+                    <a:pt x="3259667" y="3810000"/>
+                  </a:cubicBezTo>
+                  <a:lnTo>
+                    <a:pt x="0" y="3810000"/>
+                  </a:lnTo>
+                  <a:close/>
+                </a:path>
+              </a:pathLst>
+            </a:custGeom>
+            <a:solidFill>
+              <a:schemeClr val="accent2">
+                <a:alpha val="72000"/>
+              </a:schemeClr>
+            </a:solidFill>
+            <a:ln>
+              <a:noFill/>
+            </a:ln>
+            <a:effectLst/>
+          </p:spPr>
+          <p:style>
+            <a:lnRef idx="1">
+              <a:schemeClr val="accent1"/>
+            </a:lnRef>
+            <a:fillRef idx="3">
+              <a:schemeClr val="accent1"/>
+            </a:fillRef>
+            <a:effectRef idx="2">
+              <a:schemeClr val="accent1"/>
+            </a:effectRef>
+            <a:fontRef idx="minor">
+              <a:schemeClr val="lt1"/>
+            </a:fontRef>
+          </p:style>
+        </p:sp>
+        <p:sp>
+          <p:nvSpPr>
+            <p:cNvPr id="22" name="Freeform 21"/>
+            <p:cNvSpPr/>
+            <p:nvPr/>
+          </p:nvSpPr>
+          <p:spPr>
+            <a:xfrm>
+              <a:off x="7010429" y="-8467"/>
+              <a:ext cx="2142876" cy="6866467"/>
+            </a:xfrm>
+            <a:custGeom>
+              <a:avLst/>
+              <a:gdLst/>
+              <a:ahLst/>
+              <a:cxnLst/>
+              <a:rect l="l" t="t" r="r" b="b"/>
+              <a:pathLst>
+                <a:path w="2853267" h="6866467">
+                  <a:moveTo>
+                    <a:pt x="0" y="0"/>
+                  </a:moveTo>
+                  <a:lnTo>
+                    <a:pt x="2472267" y="6866467"/>
+                  </a:lnTo>
+                  <a:lnTo>
+                    <a:pt x="2853267" y="6858000"/>
+                  </a:lnTo>
+                  <a:lnTo>
+                    <a:pt x="2853267" y="0"/>
+                  </a:lnTo>
+                  <a:lnTo>
+                    <a:pt x="0" y="0"/>
+                  </a:lnTo>
+                  <a:close/>
+                </a:path>
+              </a:pathLst>
+            </a:custGeom>
+            <a:solidFill>
+              <a:schemeClr val="accent2">
+                <a:lumMod val="75000"/>
+                <a:alpha val="70000"/>
+              </a:schemeClr>
+            </a:solidFill>
+            <a:ln>
+              <a:noFill/>
+            </a:ln>
+            <a:effectLst/>
+          </p:spPr>
+          <p:style>
+            <a:lnRef idx="1">
+              <a:schemeClr val="accent1"/>
+            </a:lnRef>
+            <a:fillRef idx="3">
+              <a:schemeClr val="accent1"/>
+            </a:fillRef>
+            <a:effectRef idx="2">
+              <a:schemeClr val="accent1"/>
+            </a:effectRef>
+            <a:fontRef idx="minor">
+              <a:schemeClr val="lt1"/>
+            </a:fontRef>
+          </p:style>
+        </p:sp>
+        <p:sp>
+          <p:nvSpPr>
+            <p:cNvPr id="23" name="Freeform 22"/>
+            <p:cNvSpPr/>
+            <p:nvPr/>
+          </p:nvSpPr>
+          <p:spPr>
+            <a:xfrm>
+              <a:off x="8295776" y="-8467"/>
+              <a:ext cx="857530" cy="6866467"/>
+            </a:xfrm>
+            <a:custGeom>
+              <a:avLst/>
+              <a:gdLst/>
+              <a:ahLst/>
+              <a:cxnLst/>
+              <a:rect l="l" t="t" r="r" b="b"/>
+              <a:pathLst>
+                <a:path w="1286933" h="6866467">
+                  <a:moveTo>
+                    <a:pt x="1016000" y="0"/>
+                  </a:moveTo>
+                  <a:lnTo>
+                    <a:pt x="0" y="6866467"/>
+                  </a:lnTo>
+                  <a:lnTo>
+                    <a:pt x="1286933" y="6866467"/>
+                  </a:lnTo>
+                  <a:cubicBezTo>
+                    <a:pt x="1284111" y="4577645"/>
+                    <a:pt x="1281288" y="2288822"/>
+                    <a:pt x="1278466" y="0"/>
+                  </a:cubicBezTo>
+                  <a:lnTo>
+                    <a:pt x="1016000" y="0"/>
+                  </a:lnTo>
+                  <a:close/>
+                </a:path>
+              </a:pathLst>
+            </a:custGeom>
+            <a:solidFill>
+              <a:schemeClr val="accent1">
+                <a:lumMod val="60000"/>
+                <a:lumOff val="40000"/>
+                <a:alpha val="70000"/>
+              </a:schemeClr>
+            </a:solidFill>
+            <a:ln>
+              <a:noFill/>
+            </a:ln>
+            <a:effectLst/>
+          </p:spPr>
+          <p:style>
+            <a:lnRef idx="1">
+              <a:schemeClr val="accent1"/>
+            </a:lnRef>
+            <a:fillRef idx="3">
+              <a:schemeClr val="accent1"/>
+            </a:fillRef>
+            <a:effectRef idx="2">
+              <a:schemeClr val="accent1"/>
+            </a:effectRef>
+            <a:fontRef idx="minor">
+              <a:schemeClr val="lt1"/>
+            </a:fontRef>
+          </p:style>
+        </p:sp>
+        <p:sp>
+          <p:nvSpPr>
+            <p:cNvPr id="24" name="Freeform 23"/>
+            <p:cNvSpPr/>
+            <p:nvPr/>
+          </p:nvSpPr>
+          <p:spPr>
+            <a:xfrm>
+              <a:off x="8077231" y="-8468"/>
+              <a:ext cx="1066770" cy="6866467"/>
+            </a:xfrm>
+            <a:custGeom>
+              <a:avLst/>
+              <a:gdLst/>
+              <a:ahLst/>
+              <a:cxnLst/>
+              <a:rect l="l" t="t" r="r" b="b"/>
+              <a:pathLst>
+                <a:path w="1270244" h="6866467">
+                  <a:moveTo>
+                    <a:pt x="0" y="0"/>
+                  </a:moveTo>
+                  <a:lnTo>
+                    <a:pt x="1117600" y="6866467"/>
+                  </a:lnTo>
+                  <a:lnTo>
+                    <a:pt x="1270000" y="6866467"/>
+                  </a:lnTo>
+                  <a:cubicBezTo>
+                    <a:pt x="1272822" y="4574822"/>
+                    <a:pt x="1250245" y="2291645"/>
+                    <a:pt x="1253067" y="0"/>
+                  </a:cubicBezTo>
+                  <a:lnTo>
+                    <a:pt x="0" y="0"/>
+                  </a:lnTo>
+                  <a:close/>
+                </a:path>
+              </a:pathLst>
+            </a:custGeom>
+            <a:solidFill>
+              <a:schemeClr val="accent1">
+                <a:alpha val="65000"/>
+              </a:schemeClr>
+            </a:solidFill>
+            <a:ln>
+              <a:noFill/>
+            </a:ln>
+            <a:effectLst/>
+          </p:spPr>
+          <p:style>
+            <a:lnRef idx="1">
+              <a:schemeClr val="accent1"/>
+            </a:lnRef>
+            <a:fillRef idx="3">
+              <a:schemeClr val="accent1"/>
+            </a:fillRef>
+            <a:effectRef idx="2">
+              <a:schemeClr val="accent1"/>
+            </a:effectRef>
+            <a:fontRef idx="minor">
+              <a:schemeClr val="lt1"/>
+            </a:fontRef>
+          </p:style>
+        </p:sp>
+        <p:sp>
+          <p:nvSpPr>
+            <p:cNvPr id="25" name="Freeform 24"/>
+            <p:cNvSpPr/>
+            <p:nvPr/>
+          </p:nvSpPr>
+          <p:spPr>
+            <a:xfrm>
+              <a:off x="8060297" y="4893733"/>
+              <a:ext cx="1094086" cy="1964267"/>
+            </a:xfrm>
+            <a:custGeom>
+              <a:avLst/>
+              <a:gdLst/>
+              <a:ahLst/>
+              <a:cxnLst/>
+              <a:rect l="l" t="t" r="r" b="b"/>
+              <a:pathLst>
+                <a:path w="1820333" h="3268133">
+                  <a:moveTo>
+                    <a:pt x="0" y="3268133"/>
+                  </a:moveTo>
+                  <a:lnTo>
+                    <a:pt x="1811866" y="0"/>
+                  </a:lnTo>
+                  <a:cubicBezTo>
+                    <a:pt x="1814688" y="1086555"/>
+                    <a:pt x="1817511" y="2173111"/>
+                    <a:pt x="1820333" y="3259666"/>
+                  </a:cubicBezTo>
+                  <a:lnTo>
+                    <a:pt x="0" y="3268133"/>
+                  </a:lnTo>
+                  <a:close/>
+                </a:path>
+              </a:pathLst>
+            </a:custGeom>
+            <a:solidFill>
+              <a:schemeClr val="accent1">
+                <a:alpha val="80000"/>
+              </a:schemeClr>
+            </a:solidFill>
+            <a:ln>
+              <a:noFill/>
+            </a:ln>
+            <a:effectLst/>
+          </p:spPr>
+          <p:style>
+            <a:lnRef idx="1">
+              <a:schemeClr val="accent1"/>
+            </a:lnRef>
+            <a:fillRef idx="3">
+              <a:schemeClr val="accent1"/>
+            </a:fillRef>
+            <a:effectRef idx="2">
+              <a:schemeClr val="accent1"/>
+            </a:effectRef>
+            <a:fontRef idx="minor">
+              <a:schemeClr val="lt1"/>
+            </a:fontRef>
+          </p:style>
+        </p:sp>
+        <p:sp>
+          <p:nvSpPr>
+            <p:cNvPr id="28" name="Freeform 27"/>
+            <p:cNvSpPr/>
+            <p:nvPr/>
+          </p:nvSpPr>
+          <p:spPr>
+            <a:xfrm>
+              <a:off x="-8466" y="-8468"/>
+              <a:ext cx="863600" cy="5698067"/>
+            </a:xfrm>
+            <a:custGeom>
+              <a:avLst/>
+              <a:gdLst/>
+              <a:ahLst/>
+              <a:cxnLst/>
+              <a:rect l="l" t="t" r="r" b="b"/>
+              <a:pathLst>
+                <a:path w="863600" h="5698067">
+                  <a:moveTo>
+                    <a:pt x="0" y="8467"/>
+                  </a:moveTo>
+                  <a:lnTo>
+                    <a:pt x="863600" y="0"/>
+                  </a:lnTo>
+                  <a:lnTo>
+                    <a:pt x="863600" y="16934"/>
+                  </a:lnTo>
+                  <a:lnTo>
+                    <a:pt x="0" y="5698067"/>
+                  </a:lnTo>
+                  <a:lnTo>
+                    <a:pt x="0" y="8467"/>
+                  </a:lnTo>
+                  <a:close/>
+                </a:path>
+              </a:pathLst>
+            </a:custGeom>
+            <a:solidFill>
+              <a:schemeClr val="accent1">
+                <a:alpha val="85000"/>
+              </a:schemeClr>
+            </a:solidFill>
+            <a:ln>
+              <a:noFill/>
+            </a:ln>
+            <a:effectLst/>
+          </p:spPr>
+          <p:style>
+            <a:lnRef idx="1">
+              <a:schemeClr val="accent1"/>
+            </a:lnRef>
+            <a:fillRef idx="3">
+              <a:schemeClr val="accent1"/>
+            </a:fillRef>
+            <a:effectRef idx="2">
+              <a:schemeClr val="accent1"/>
+            </a:effectRef>
+            <a:fontRef idx="minor">
+              <a:schemeClr val="lt1"/>
+            </a:fontRef>
+          </p:style>
+        </p:sp>
+      </p:grpSp>
       <p:sp>
         <p:nvSpPr>
           <p:cNvPr id="2" name="Title 1"/>
@@ -136,19 +754,29 @@
         </p:nvSpPr>
         <p:spPr>
           <a:xfrm>
-            <a:off x="685800" y="2130425"/>
-            <a:ext cx="7772400" cy="1470025"/>
+            <a:off x="1130595" y="2404534"/>
+            <a:ext cx="5826719" cy="1646302"/>
           </a:xfrm>
         </p:spPr>
         <p:txBody>
-          <a:bodyPr/>
-          <a:lstStyle/>
-          <a:p>
-            <a:r>
-              <a:rPr lang="en-US" smtClean="0"/>
-              <a:t>Click to edit Master title style</a:t>
-            </a:r>
-            <a:endParaRPr lang="en-US"/>
+          <a:bodyPr anchor="b">
+            <a:noAutofit/>
+          </a:bodyPr>
+          <a:lstStyle>
+            <a:lvl1pPr algn="r">
+              <a:defRPr sz="5400">
+                <a:solidFill>
+                  <a:schemeClr val="accent1"/>
+                </a:solidFill>
+              </a:defRPr>
+            </a:lvl1pPr>
+          </a:lstStyle>
+          <a:p>
+            <a:r>
+              <a:rPr lang="ru-RU"/>
+              <a:t>Образец заголовка</a:t>
+            </a:r>
+            <a:endParaRPr lang="en-US" dirty="0"/>
           </a:p>
         </p:txBody>
       </p:sp>
@@ -164,19 +792,20 @@
         </p:nvSpPr>
         <p:spPr>
           <a:xfrm>
-            <a:off x="1371600" y="3886200"/>
-            <a:ext cx="6400800" cy="1752600"/>
+            <a:off x="1130595" y="4050834"/>
+            <a:ext cx="5826719" cy="1096899"/>
           </a:xfrm>
         </p:spPr>
         <p:txBody>
-          <a:bodyPr/>
+          <a:bodyPr anchor="t"/>
           <a:lstStyle>
-            <a:lvl1pPr marL="0" indent="0" algn="ctr">
+            <a:lvl1pPr marL="0" indent="0" algn="r">
               <a:buNone/>
               <a:defRPr>
                 <a:solidFill>
                   <a:schemeClr val="tx1">
-                    <a:tint val="75000"/>
+                    <a:lumMod val="50000"/>
+                    <a:lumOff val="50000"/>
                   </a:schemeClr>
                 </a:solidFill>
               </a:defRPr>
@@ -264,10 +893,10 @@
           </a:lstStyle>
           <a:p>
             <a:r>
-              <a:rPr lang="en-US" smtClean="0"/>
-              <a:t>Click to edit Master subtitle style</a:t>
-            </a:r>
-            <a:endParaRPr lang="en-US"/>
+              <a:rPr lang="ru-RU"/>
+              <a:t>Образец подзаголовка</a:t>
+            </a:r>
+            <a:endParaRPr lang="en-US" dirty="0"/>
           </a:p>
         </p:txBody>
       </p:sp>
@@ -288,7 +917,7 @@
           <a:p>
             <a:fld id="{5BCAD085-E8A6-8845-BD4E-CB4CCA059FC4}" type="datetimeFigureOut">
               <a:rPr lang="en-US" smtClean="0"/>
-              <a:t>1/27/13</a:t>
+              <a:t>1/7/2024</a:t>
             </a:fld>
             <a:endParaRPr lang="en-US"/>
           </a:p>
@@ -339,7 +968,7 @@
     </p:spTree>
     <p:extLst>
       <p:ext uri="{BB962C8B-B14F-4D97-AF65-F5344CB8AC3E}">
-        <p14:creationId xmlns:p14="http://schemas.microsoft.com/office/powerpoint/2010/main" val="3168075583"/>
+        <p14:creationId xmlns:p14="http://schemas.microsoft.com/office/powerpoint/2010/main" val="3098837978"/>
       </p:ext>
     </p:extLst>
   </p:cSld>
@@ -350,8 +979,8 @@
 </file>
 
 <file path=ppt/slideLayouts/slideLayout10.xml><?xml version="1.0" encoding="utf-8"?>
-<p:sldLayout xmlns:a="http://schemas.openxmlformats.org/drawingml/2006/main" xmlns:r="http://schemas.openxmlformats.org/officeDocument/2006/relationships" xmlns:p="http://schemas.openxmlformats.org/presentationml/2006/main" type="vertTx" preserve="1">
-  <p:cSld name="Title and Vertical Text">
+<p:sldLayout xmlns:a="http://schemas.openxmlformats.org/drawingml/2006/main" xmlns:r="http://schemas.openxmlformats.org/officeDocument/2006/relationships" xmlns:p="http://schemas.openxmlformats.org/presentationml/2006/main" preserve="1">
+  <p:cSld name="Заголовок и подпись">
     <p:spTree>
       <p:nvGrpSpPr>
         <p:cNvPr id="1" name=""/>
@@ -376,68 +1005,149 @@
             <p:ph type="title"/>
           </p:nvPr>
         </p:nvSpPr>
-        <p:spPr/>
-        <p:txBody>
-          <a:bodyPr/>
-          <a:lstStyle/>
-          <a:p>
-            <a:r>
-              <a:rPr lang="en-US" smtClean="0"/>
-              <a:t>Click to edit Master title style</a:t>
-            </a:r>
-            <a:endParaRPr lang="en-US"/>
-          </a:p>
-        </p:txBody>
-      </p:sp>
-      <p:sp>
-        <p:nvSpPr>
-          <p:cNvPr id="3" name="Vertical Text Placeholder 2"/>
-          <p:cNvSpPr>
-            <a:spLocks noGrp="1"/>
-          </p:cNvSpPr>
-          <p:nvPr>
-            <p:ph type="body" orient="vert" idx="1"/>
-          </p:nvPr>
-        </p:nvSpPr>
-        <p:spPr/>
-        <p:txBody>
-          <a:bodyPr vert="eaVert"/>
-          <a:lstStyle/>
+        <p:spPr>
+          <a:xfrm>
+            <a:off x="609600" y="609600"/>
+            <a:ext cx="6347714" cy="3403600"/>
+          </a:xfrm>
+        </p:spPr>
+        <p:txBody>
+          <a:bodyPr anchor="ctr">
+            <a:normAutofit/>
+          </a:bodyPr>
+          <a:lstStyle>
+            <a:lvl1pPr algn="l">
+              <a:defRPr sz="4400" b="0" cap="none"/>
+            </a:lvl1pPr>
+          </a:lstStyle>
+          <a:p>
+            <a:r>
+              <a:rPr lang="ru-RU"/>
+              <a:t>Образец заголовка</a:t>
+            </a:r>
+            <a:endParaRPr lang="en-US" dirty="0"/>
+          </a:p>
+        </p:txBody>
+      </p:sp>
+      <p:sp>
+        <p:nvSpPr>
+          <p:cNvPr id="3" name="Text Placeholder 2"/>
+          <p:cNvSpPr>
+            <a:spLocks noGrp="1"/>
+          </p:cNvSpPr>
+          <p:nvPr>
+            <p:ph type="body" idx="1"/>
+          </p:nvPr>
+        </p:nvSpPr>
+        <p:spPr>
+          <a:xfrm>
+            <a:off x="609600" y="4470400"/>
+            <a:ext cx="6347714" cy="1570962"/>
+          </a:xfrm>
+        </p:spPr>
+        <p:txBody>
+          <a:bodyPr anchor="ctr">
+            <a:normAutofit/>
+          </a:bodyPr>
+          <a:lstStyle>
+            <a:lvl1pPr marL="0" indent="0" algn="l">
+              <a:buNone/>
+              <a:defRPr sz="1800">
+                <a:solidFill>
+                  <a:schemeClr val="tx1">
+                    <a:lumMod val="75000"/>
+                    <a:lumOff val="25000"/>
+                  </a:schemeClr>
+                </a:solidFill>
+              </a:defRPr>
+            </a:lvl1pPr>
+            <a:lvl2pPr marL="457200" indent="0">
+              <a:buNone/>
+              <a:defRPr sz="1800">
+                <a:solidFill>
+                  <a:schemeClr val="tx1">
+                    <a:tint val="75000"/>
+                  </a:schemeClr>
+                </a:solidFill>
+              </a:defRPr>
+            </a:lvl2pPr>
+            <a:lvl3pPr marL="914400" indent="0">
+              <a:buNone/>
+              <a:defRPr sz="1600">
+                <a:solidFill>
+                  <a:schemeClr val="tx1">
+                    <a:tint val="75000"/>
+                  </a:schemeClr>
+                </a:solidFill>
+              </a:defRPr>
+            </a:lvl3pPr>
+            <a:lvl4pPr marL="1371600" indent="0">
+              <a:buNone/>
+              <a:defRPr sz="1400">
+                <a:solidFill>
+                  <a:schemeClr val="tx1">
+                    <a:tint val="75000"/>
+                  </a:schemeClr>
+                </a:solidFill>
+              </a:defRPr>
+            </a:lvl4pPr>
+            <a:lvl5pPr marL="1828800" indent="0">
+              <a:buNone/>
+              <a:defRPr sz="1400">
+                <a:solidFill>
+                  <a:schemeClr val="tx1">
+                    <a:tint val="75000"/>
+                  </a:schemeClr>
+                </a:solidFill>
+              </a:defRPr>
+            </a:lvl5pPr>
+            <a:lvl6pPr marL="2286000" indent="0">
+              <a:buNone/>
+              <a:defRPr sz="1400">
+                <a:solidFill>
+                  <a:schemeClr val="tx1">
+                    <a:tint val="75000"/>
+                  </a:schemeClr>
+                </a:solidFill>
+              </a:defRPr>
+            </a:lvl6pPr>
+            <a:lvl7pPr marL="2743200" indent="0">
+              <a:buNone/>
+              <a:defRPr sz="1400">
+                <a:solidFill>
+                  <a:schemeClr val="tx1">
+                    <a:tint val="75000"/>
+                  </a:schemeClr>
+                </a:solidFill>
+              </a:defRPr>
+            </a:lvl7pPr>
+            <a:lvl8pPr marL="3200400" indent="0">
+              <a:buNone/>
+              <a:defRPr sz="1400">
+                <a:solidFill>
+                  <a:schemeClr val="tx1">
+                    <a:tint val="75000"/>
+                  </a:schemeClr>
+                </a:solidFill>
+              </a:defRPr>
+            </a:lvl8pPr>
+            <a:lvl9pPr marL="3657600" indent="0">
+              <a:buNone/>
+              <a:defRPr sz="1400">
+                <a:solidFill>
+                  <a:schemeClr val="tx1">
+                    <a:tint val="75000"/>
+                  </a:schemeClr>
+                </a:solidFill>
+              </a:defRPr>
+            </a:lvl9pPr>
+          </a:lstStyle>
           <a:p>
             <a:pPr lvl="0"/>
             <a:r>
-              <a:rPr lang="en-US" smtClean="0"/>
-              <a:t>Click to edit Master text styles</a:t>
-            </a:r>
-          </a:p>
-          <a:p>
-            <a:pPr lvl="1"/>
-            <a:r>
-              <a:rPr lang="en-US" smtClean="0"/>
-              <a:t>Second level</a:t>
-            </a:r>
-          </a:p>
-          <a:p>
-            <a:pPr lvl="2"/>
-            <a:r>
-              <a:rPr lang="en-US" smtClean="0"/>
-              <a:t>Third level</a:t>
-            </a:r>
-          </a:p>
-          <a:p>
-            <a:pPr lvl="3"/>
-            <a:r>
-              <a:rPr lang="en-US" smtClean="0"/>
-              <a:t>Fourth level</a:t>
-            </a:r>
-          </a:p>
-          <a:p>
-            <a:pPr lvl="4"/>
-            <a:r>
-              <a:rPr lang="en-US" smtClean="0"/>
-              <a:t>Fifth level</a:t>
-            </a:r>
-            <a:endParaRPr lang="en-US"/>
+              <a:rPr lang="ru-RU"/>
+              <a:t>Образец текста</a:t>
+            </a:r>
           </a:p>
         </p:txBody>
       </p:sp>
@@ -458,7 +1168,7 @@
           <a:p>
             <a:fld id="{5BCAD085-E8A6-8845-BD4E-CB4CCA059FC4}" type="datetimeFigureOut">
               <a:rPr lang="en-US" smtClean="0"/>
-              <a:t>1/27/13</a:t>
+              <a:t>1/7/2024</a:t>
             </a:fld>
             <a:endParaRPr lang="en-US"/>
           </a:p>
@@ -509,7 +1219,7 @@
     </p:spTree>
     <p:extLst>
       <p:ext uri="{BB962C8B-B14F-4D97-AF65-F5344CB8AC3E}">
-        <p14:creationId xmlns:p14="http://schemas.microsoft.com/office/powerpoint/2010/main" val="2910927964"/>
+        <p14:creationId xmlns:p14="http://schemas.microsoft.com/office/powerpoint/2010/main" val="1178479779"/>
       </p:ext>
     </p:extLst>
   </p:cSld>
@@ -520,8 +1230,8 @@
 </file>
 
 <file path=ppt/slideLayouts/slideLayout11.xml><?xml version="1.0" encoding="utf-8"?>
-<p:sldLayout xmlns:a="http://schemas.openxmlformats.org/drawingml/2006/main" xmlns:r="http://schemas.openxmlformats.org/officeDocument/2006/relationships" xmlns:p="http://schemas.openxmlformats.org/presentationml/2006/main" type="vertTitleAndTx" preserve="1">
-  <p:cSld name="Vertical Title and Text">
+<p:sldLayout xmlns:a="http://schemas.openxmlformats.org/drawingml/2006/main" xmlns:r="http://schemas.openxmlformats.org/officeDocument/2006/relationships" xmlns:p="http://schemas.openxmlformats.org/presentationml/2006/main" preserve="1">
+  <p:cSld name="Цитата с подписью">
     <p:spTree>
       <p:nvGrpSpPr>
         <p:cNvPr id="1" name=""/>
@@ -538,86 +1248,220 @@
       </p:grpSpPr>
       <p:sp>
         <p:nvSpPr>
-          <p:cNvPr id="2" name="Vertical Title 1"/>
-          <p:cNvSpPr>
-            <a:spLocks noGrp="1"/>
-          </p:cNvSpPr>
-          <p:nvPr>
-            <p:ph type="title" orient="vert"/>
+          <p:cNvPr id="2" name="Title 1"/>
+          <p:cNvSpPr>
+            <a:spLocks noGrp="1"/>
+          </p:cNvSpPr>
+          <p:nvPr>
+            <p:ph type="title"/>
           </p:nvPr>
         </p:nvSpPr>
         <p:spPr>
           <a:xfrm>
-            <a:off x="6629400" y="274638"/>
-            <a:ext cx="2057400" cy="5851525"/>
+            <a:off x="774885" y="609600"/>
+            <a:ext cx="6072182" cy="3022600"/>
           </a:xfrm>
         </p:spPr>
         <p:txBody>
-          <a:bodyPr vert="eaVert"/>
-          <a:lstStyle/>
-          <a:p>
-            <a:r>
-              <a:rPr lang="en-US" smtClean="0"/>
-              <a:t>Click to edit Master title style</a:t>
-            </a:r>
-            <a:endParaRPr lang="en-US"/>
-          </a:p>
-        </p:txBody>
-      </p:sp>
-      <p:sp>
-        <p:nvSpPr>
-          <p:cNvPr id="3" name="Vertical Text Placeholder 2"/>
-          <p:cNvSpPr>
-            <a:spLocks noGrp="1"/>
-          </p:cNvSpPr>
-          <p:nvPr>
-            <p:ph type="body" orient="vert" idx="1"/>
+          <a:bodyPr anchor="ctr">
+            <a:normAutofit/>
+          </a:bodyPr>
+          <a:lstStyle>
+            <a:lvl1pPr algn="l">
+              <a:defRPr sz="4400" b="0" cap="none"/>
+            </a:lvl1pPr>
+          </a:lstStyle>
+          <a:p>
+            <a:r>
+              <a:rPr lang="ru-RU"/>
+              <a:t>Образец заголовка</a:t>
+            </a:r>
+            <a:endParaRPr lang="en-US" dirty="0"/>
+          </a:p>
+        </p:txBody>
+      </p:sp>
+      <p:sp>
+        <p:nvSpPr>
+          <p:cNvPr id="23" name="Text Placeholder 9"/>
+          <p:cNvSpPr>
+            <a:spLocks noGrp="1"/>
+          </p:cNvSpPr>
+          <p:nvPr>
+            <p:ph type="body" sz="quarter" idx="13"/>
           </p:nvPr>
         </p:nvSpPr>
         <p:spPr>
           <a:xfrm>
-            <a:off x="457200" y="274638"/>
-            <a:ext cx="6019800" cy="5851525"/>
+            <a:off x="1101074" y="3632200"/>
+            <a:ext cx="5419804" cy="381000"/>
           </a:xfrm>
         </p:spPr>
         <p:txBody>
-          <a:bodyPr vert="eaVert"/>
-          <a:lstStyle/>
+          <a:bodyPr anchor="ctr">
+            <a:noAutofit/>
+          </a:bodyPr>
+          <a:lstStyle>
+            <a:lvl1pPr marL="0" indent="0">
+              <a:buFontTx/>
+              <a:buNone/>
+              <a:defRPr sz="1600">
+                <a:solidFill>
+                  <a:schemeClr val="tx1">
+                    <a:lumMod val="50000"/>
+                    <a:lumOff val="50000"/>
+                  </a:schemeClr>
+                </a:solidFill>
+              </a:defRPr>
+            </a:lvl1pPr>
+            <a:lvl2pPr marL="457200" indent="0">
+              <a:buFontTx/>
+              <a:buNone/>
+              <a:defRPr/>
+            </a:lvl2pPr>
+            <a:lvl3pPr marL="914400" indent="0">
+              <a:buFontTx/>
+              <a:buNone/>
+              <a:defRPr/>
+            </a:lvl3pPr>
+            <a:lvl4pPr marL="1371600" indent="0">
+              <a:buFontTx/>
+              <a:buNone/>
+              <a:defRPr/>
+            </a:lvl4pPr>
+            <a:lvl5pPr marL="1828800" indent="0">
+              <a:buFontTx/>
+              <a:buNone/>
+              <a:defRPr/>
+            </a:lvl5pPr>
+          </a:lstStyle>
           <a:p>
             <a:pPr lvl="0"/>
             <a:r>
-              <a:rPr lang="en-US" smtClean="0"/>
-              <a:t>Click to edit Master text styles</a:t>
-            </a:r>
-          </a:p>
-          <a:p>
-            <a:pPr lvl="1"/>
-            <a:r>
-              <a:rPr lang="en-US" smtClean="0"/>
-              <a:t>Second level</a:t>
-            </a:r>
-          </a:p>
-          <a:p>
-            <a:pPr lvl="2"/>
-            <a:r>
-              <a:rPr lang="en-US" smtClean="0"/>
-              <a:t>Third level</a:t>
-            </a:r>
-          </a:p>
-          <a:p>
-            <a:pPr lvl="3"/>
-            <a:r>
-              <a:rPr lang="en-US" smtClean="0"/>
-              <a:t>Fourth level</a:t>
-            </a:r>
-          </a:p>
-          <a:p>
-            <a:pPr lvl="4"/>
-            <a:r>
-              <a:rPr lang="en-US" smtClean="0"/>
-              <a:t>Fifth level</a:t>
-            </a:r>
-            <a:endParaRPr lang="en-US"/>
+              <a:rPr lang="ru-RU"/>
+              <a:t>Образец текста</a:t>
+            </a:r>
+          </a:p>
+        </p:txBody>
+      </p:sp>
+      <p:sp>
+        <p:nvSpPr>
+          <p:cNvPr id="3" name="Text Placeholder 2"/>
+          <p:cNvSpPr>
+            <a:spLocks noGrp="1"/>
+          </p:cNvSpPr>
+          <p:nvPr>
+            <p:ph type="body" idx="1"/>
+          </p:nvPr>
+        </p:nvSpPr>
+        <p:spPr>
+          <a:xfrm>
+            <a:off x="609598" y="4470400"/>
+            <a:ext cx="6347715" cy="1570962"/>
+          </a:xfrm>
+        </p:spPr>
+        <p:txBody>
+          <a:bodyPr anchor="ctr">
+            <a:normAutofit/>
+          </a:bodyPr>
+          <a:lstStyle>
+            <a:lvl1pPr marL="0" indent="0" algn="l">
+              <a:buNone/>
+              <a:defRPr sz="1800">
+                <a:solidFill>
+                  <a:schemeClr val="tx1">
+                    <a:lumMod val="75000"/>
+                    <a:lumOff val="25000"/>
+                  </a:schemeClr>
+                </a:solidFill>
+              </a:defRPr>
+            </a:lvl1pPr>
+            <a:lvl2pPr marL="457200" indent="0">
+              <a:buNone/>
+              <a:defRPr sz="1800">
+                <a:solidFill>
+                  <a:schemeClr val="tx1">
+                    <a:tint val="75000"/>
+                  </a:schemeClr>
+                </a:solidFill>
+              </a:defRPr>
+            </a:lvl2pPr>
+            <a:lvl3pPr marL="914400" indent="0">
+              <a:buNone/>
+              <a:defRPr sz="1600">
+                <a:solidFill>
+                  <a:schemeClr val="tx1">
+                    <a:tint val="75000"/>
+                  </a:schemeClr>
+                </a:solidFill>
+              </a:defRPr>
+            </a:lvl3pPr>
+            <a:lvl4pPr marL="1371600" indent="0">
+              <a:buNone/>
+              <a:defRPr sz="1400">
+                <a:solidFill>
+                  <a:schemeClr val="tx1">
+                    <a:tint val="75000"/>
+                  </a:schemeClr>
+                </a:solidFill>
+              </a:defRPr>
+            </a:lvl4pPr>
+            <a:lvl5pPr marL="1828800" indent="0">
+              <a:buNone/>
+              <a:defRPr sz="1400">
+                <a:solidFill>
+                  <a:schemeClr val="tx1">
+                    <a:tint val="75000"/>
+                  </a:schemeClr>
+                </a:solidFill>
+              </a:defRPr>
+            </a:lvl5pPr>
+            <a:lvl6pPr marL="2286000" indent="0">
+              <a:buNone/>
+              <a:defRPr sz="1400">
+                <a:solidFill>
+                  <a:schemeClr val="tx1">
+                    <a:tint val="75000"/>
+                  </a:schemeClr>
+                </a:solidFill>
+              </a:defRPr>
+            </a:lvl6pPr>
+            <a:lvl7pPr marL="2743200" indent="0">
+              <a:buNone/>
+              <a:defRPr sz="1400">
+                <a:solidFill>
+                  <a:schemeClr val="tx1">
+                    <a:tint val="75000"/>
+                  </a:schemeClr>
+                </a:solidFill>
+              </a:defRPr>
+            </a:lvl7pPr>
+            <a:lvl8pPr marL="3200400" indent="0">
+              <a:buNone/>
+              <a:defRPr sz="1400">
+                <a:solidFill>
+                  <a:schemeClr val="tx1">
+                    <a:tint val="75000"/>
+                  </a:schemeClr>
+                </a:solidFill>
+              </a:defRPr>
+            </a:lvl8pPr>
+            <a:lvl9pPr marL="3657600" indent="0">
+              <a:buNone/>
+              <a:defRPr sz="1400">
+                <a:solidFill>
+                  <a:schemeClr val="tx1">
+                    <a:tint val="75000"/>
+                  </a:schemeClr>
+                </a:solidFill>
+              </a:defRPr>
+            </a:lvl9pPr>
+          </a:lstStyle>
+          <a:p>
+            <a:pPr lvl="0"/>
+            <a:r>
+              <a:rPr lang="ru-RU"/>
+              <a:t>Образец текста</a:t>
+            </a:r>
           </a:p>
         </p:txBody>
       </p:sp>
@@ -638,7 +1482,7 @@
           <a:p>
             <a:fld id="{5BCAD085-E8A6-8845-BD4E-CB4CCA059FC4}" type="datetimeFigureOut">
               <a:rPr lang="en-US" smtClean="0"/>
-              <a:t>1/27/13</a:t>
+              <a:t>1/7/2024</a:t>
             </a:fld>
             <a:endParaRPr lang="en-US"/>
           </a:p>
@@ -686,10 +1530,92 @@
           </a:p>
         </p:txBody>
       </p:sp>
+      <p:sp>
+        <p:nvSpPr>
+          <p:cNvPr id="24" name="TextBox 23"/>
+          <p:cNvSpPr txBox="1"/>
+          <p:nvPr/>
+        </p:nvSpPr>
+        <p:spPr>
+          <a:xfrm>
+            <a:off x="482711" y="790378"/>
+            <a:ext cx="457319" cy="584776"/>
+          </a:xfrm>
+          <a:prstGeom prst="rect">
+            <a:avLst/>
+          </a:prstGeom>
+        </p:spPr>
+        <p:txBody>
+          <a:bodyPr vert="horz" lIns="91440" tIns="45720" rIns="91440" bIns="45720" rtlCol="0" anchor="ctr">
+            <a:noAutofit/>
+          </a:bodyPr>
+          <a:lstStyle/>
+          <a:p>
+            <a:pPr lvl="0"/>
+            <a:r>
+              <a:rPr lang="en-US" sz="8000" baseline="0" dirty="0">
+                <a:ln w="3175" cmpd="sng">
+                  <a:noFill/>
+                </a:ln>
+                <a:solidFill>
+                  <a:schemeClr val="accent1">
+                    <a:lumMod val="60000"/>
+                    <a:lumOff val="40000"/>
+                  </a:schemeClr>
+                </a:solidFill>
+                <a:effectLst/>
+                <a:latin typeface="Arial"/>
+              </a:rPr>
+              <a:t>“</a:t>
+            </a:r>
+          </a:p>
+        </p:txBody>
+      </p:sp>
+      <p:sp>
+        <p:nvSpPr>
+          <p:cNvPr id="25" name="TextBox 24"/>
+          <p:cNvSpPr txBox="1"/>
+          <p:nvPr/>
+        </p:nvSpPr>
+        <p:spPr>
+          <a:xfrm>
+            <a:off x="6747699" y="2886556"/>
+            <a:ext cx="457319" cy="584776"/>
+          </a:xfrm>
+          <a:prstGeom prst="rect">
+            <a:avLst/>
+          </a:prstGeom>
+        </p:spPr>
+        <p:txBody>
+          <a:bodyPr vert="horz" lIns="91440" tIns="45720" rIns="91440" bIns="45720" rtlCol="0" anchor="ctr">
+            <a:noAutofit/>
+          </a:bodyPr>
+          <a:lstStyle/>
+          <a:p>
+            <a:pPr lvl="0"/>
+            <a:r>
+              <a:rPr lang="en-US" sz="8000" baseline="0" dirty="0">
+                <a:ln w="3175" cmpd="sng">
+                  <a:noFill/>
+                </a:ln>
+                <a:solidFill>
+                  <a:schemeClr val="accent1">
+                    <a:lumMod val="60000"/>
+                    <a:lumOff val="40000"/>
+                  </a:schemeClr>
+                </a:solidFill>
+                <a:effectLst/>
+                <a:latin typeface="Arial"/>
+              </a:rPr>
+              <a:t>”</a:t>
+            </a:r>
+          </a:p>
+        </p:txBody>
+      </p:sp>
     </p:spTree>
     <p:extLst>
       <p:ext uri="{BB962C8B-B14F-4D97-AF65-F5344CB8AC3E}">
-        <p14:creationId xmlns:p14="http://schemas.microsoft.com/office/powerpoint/2010/main" val="3612223792"/>
+        <p14:creationId xmlns:p14="http://schemas.microsoft.com/office/powerpoint/2010/main" val="567501178"/>
       </p:ext>
     </p:extLst>
   </p:cSld>
@@ -699,9 +1625,9 @@
 </p:sldLayout>
 </file>
 
-<file path=ppt/slideLayouts/slideLayout2.xml><?xml version="1.0" encoding="utf-8"?>
-<p:sldLayout xmlns:a="http://schemas.openxmlformats.org/drawingml/2006/main" xmlns:r="http://schemas.openxmlformats.org/officeDocument/2006/relationships" xmlns:p="http://schemas.openxmlformats.org/presentationml/2006/main" type="obj" preserve="1">
-  <p:cSld name="Title and Content">
+<file path=ppt/slideLayouts/slideLayout12.xml><?xml version="1.0" encoding="utf-8"?>
+<p:sldLayout xmlns:a="http://schemas.openxmlformats.org/drawingml/2006/main" xmlns:r="http://schemas.openxmlformats.org/officeDocument/2006/relationships" xmlns:p="http://schemas.openxmlformats.org/presentationml/2006/main" preserve="1">
+  <p:cSld name="Карточка имени">
     <p:spTree>
       <p:nvGrpSpPr>
         <p:cNvPr id="1" name=""/>
@@ -726,68 +1652,149 @@
             <p:ph type="title"/>
           </p:nvPr>
         </p:nvSpPr>
-        <p:spPr/>
-        <p:txBody>
-          <a:bodyPr/>
-          <a:lstStyle/>
-          <a:p>
-            <a:r>
-              <a:rPr lang="en-US" smtClean="0"/>
-              <a:t>Click to edit Master title style</a:t>
-            </a:r>
-            <a:endParaRPr lang="en-US"/>
-          </a:p>
-        </p:txBody>
-      </p:sp>
-      <p:sp>
-        <p:nvSpPr>
-          <p:cNvPr id="3" name="Content Placeholder 2"/>
-          <p:cNvSpPr>
-            <a:spLocks noGrp="1"/>
-          </p:cNvSpPr>
-          <p:nvPr>
-            <p:ph idx="1"/>
-          </p:nvPr>
-        </p:nvSpPr>
-        <p:spPr/>
-        <p:txBody>
-          <a:bodyPr/>
-          <a:lstStyle/>
+        <p:spPr>
+          <a:xfrm>
+            <a:off x="609598" y="1931988"/>
+            <a:ext cx="6347715" cy="2595460"/>
+          </a:xfrm>
+        </p:spPr>
+        <p:txBody>
+          <a:bodyPr anchor="b">
+            <a:normAutofit/>
+          </a:bodyPr>
+          <a:lstStyle>
+            <a:lvl1pPr algn="l">
+              <a:defRPr sz="4400" b="0" cap="none"/>
+            </a:lvl1pPr>
+          </a:lstStyle>
+          <a:p>
+            <a:r>
+              <a:rPr lang="ru-RU"/>
+              <a:t>Образец заголовка</a:t>
+            </a:r>
+            <a:endParaRPr lang="en-US" dirty="0"/>
+          </a:p>
+        </p:txBody>
+      </p:sp>
+      <p:sp>
+        <p:nvSpPr>
+          <p:cNvPr id="3" name="Text Placeholder 2"/>
+          <p:cNvSpPr>
+            <a:spLocks noGrp="1"/>
+          </p:cNvSpPr>
+          <p:nvPr>
+            <p:ph type="body" idx="1"/>
+          </p:nvPr>
+        </p:nvSpPr>
+        <p:spPr>
+          <a:xfrm>
+            <a:off x="609598" y="4527448"/>
+            <a:ext cx="6347715" cy="1513914"/>
+          </a:xfrm>
+        </p:spPr>
+        <p:txBody>
+          <a:bodyPr anchor="t">
+            <a:normAutofit/>
+          </a:bodyPr>
+          <a:lstStyle>
+            <a:lvl1pPr marL="0" indent="0" algn="l">
+              <a:buNone/>
+              <a:defRPr sz="1800">
+                <a:solidFill>
+                  <a:schemeClr val="tx1">
+                    <a:lumMod val="75000"/>
+                    <a:lumOff val="25000"/>
+                  </a:schemeClr>
+                </a:solidFill>
+              </a:defRPr>
+            </a:lvl1pPr>
+            <a:lvl2pPr marL="457200" indent="0">
+              <a:buNone/>
+              <a:defRPr sz="1800">
+                <a:solidFill>
+                  <a:schemeClr val="tx1">
+                    <a:tint val="75000"/>
+                  </a:schemeClr>
+                </a:solidFill>
+              </a:defRPr>
+            </a:lvl2pPr>
+            <a:lvl3pPr marL="914400" indent="0">
+              <a:buNone/>
+              <a:defRPr sz="1600">
+                <a:solidFill>
+                  <a:schemeClr val="tx1">
+                    <a:tint val="75000"/>
+                  </a:schemeClr>
+                </a:solidFill>
+              </a:defRPr>
+            </a:lvl3pPr>
+            <a:lvl4pPr marL="1371600" indent="0">
+              <a:buNone/>
+              <a:defRPr sz="1400">
+                <a:solidFill>
+                  <a:schemeClr val="tx1">
+                    <a:tint val="75000"/>
+                  </a:schemeClr>
+                </a:solidFill>
+              </a:defRPr>
+            </a:lvl4pPr>
+            <a:lvl5pPr marL="1828800" indent="0">
+              <a:buNone/>
+              <a:defRPr sz="1400">
+                <a:solidFill>
+                  <a:schemeClr val="tx1">
+                    <a:tint val="75000"/>
+                  </a:schemeClr>
+                </a:solidFill>
+              </a:defRPr>
+            </a:lvl5pPr>
+            <a:lvl6pPr marL="2286000" indent="0">
+              <a:buNone/>
+              <a:defRPr sz="1400">
+                <a:solidFill>
+                  <a:schemeClr val="tx1">
+                    <a:tint val="75000"/>
+                  </a:schemeClr>
+                </a:solidFill>
+              </a:defRPr>
+            </a:lvl6pPr>
+            <a:lvl7pPr marL="2743200" indent="0">
+              <a:buNone/>
+              <a:defRPr sz="1400">
+                <a:solidFill>
+                  <a:schemeClr val="tx1">
+                    <a:tint val="75000"/>
+                  </a:schemeClr>
+                </a:solidFill>
+              </a:defRPr>
+            </a:lvl7pPr>
+            <a:lvl8pPr marL="3200400" indent="0">
+              <a:buNone/>
+              <a:defRPr sz="1400">
+                <a:solidFill>
+                  <a:schemeClr val="tx1">
+                    <a:tint val="75000"/>
+                  </a:schemeClr>
+                </a:solidFill>
+              </a:defRPr>
+            </a:lvl8pPr>
+            <a:lvl9pPr marL="3657600" indent="0">
+              <a:buNone/>
+              <a:defRPr sz="1400">
+                <a:solidFill>
+                  <a:schemeClr val="tx1">
+                    <a:tint val="75000"/>
+                  </a:schemeClr>
+                </a:solidFill>
+              </a:defRPr>
+            </a:lvl9pPr>
+          </a:lstStyle>
           <a:p>
             <a:pPr lvl="0"/>
             <a:r>
-              <a:rPr lang="en-US" smtClean="0"/>
-              <a:t>Click to edit Master text styles</a:t>
-            </a:r>
-          </a:p>
-          <a:p>
-            <a:pPr lvl="1"/>
-            <a:r>
-              <a:rPr lang="en-US" smtClean="0"/>
-              <a:t>Second level</a:t>
-            </a:r>
-          </a:p>
-          <a:p>
-            <a:pPr lvl="2"/>
-            <a:r>
-              <a:rPr lang="en-US" smtClean="0"/>
-              <a:t>Third level</a:t>
-            </a:r>
-          </a:p>
-          <a:p>
-            <a:pPr lvl="3"/>
-            <a:r>
-              <a:rPr lang="en-US" smtClean="0"/>
-              <a:t>Fourth level</a:t>
-            </a:r>
-          </a:p>
-          <a:p>
-            <a:pPr lvl="4"/>
-            <a:r>
-              <a:rPr lang="en-US" smtClean="0"/>
-              <a:t>Fifth level</a:t>
-            </a:r>
-            <a:endParaRPr lang="en-US"/>
+              <a:rPr lang="ru-RU"/>
+              <a:t>Образец текста</a:t>
+            </a:r>
           </a:p>
         </p:txBody>
       </p:sp>
@@ -808,7 +1815,7 @@
           <a:p>
             <a:fld id="{5BCAD085-E8A6-8845-BD4E-CB4CCA059FC4}" type="datetimeFigureOut">
               <a:rPr lang="en-US" smtClean="0"/>
-              <a:t>1/27/13</a:t>
+              <a:t>1/7/2024</a:t>
             </a:fld>
             <a:endParaRPr lang="en-US"/>
           </a:p>
@@ -859,7 +1866,7 @@
     </p:spTree>
     <p:extLst>
       <p:ext uri="{BB962C8B-B14F-4D97-AF65-F5344CB8AC3E}">
-        <p14:creationId xmlns:p14="http://schemas.microsoft.com/office/powerpoint/2010/main" val="2614314258"/>
+        <p14:creationId xmlns:p14="http://schemas.microsoft.com/office/powerpoint/2010/main" val="2153673842"/>
       </p:ext>
     </p:extLst>
   </p:cSld>
@@ -869,9 +1876,9 @@
 </p:sldLayout>
 </file>
 
-<file path=ppt/slideLayouts/slideLayout3.xml><?xml version="1.0" encoding="utf-8"?>
-<p:sldLayout xmlns:a="http://schemas.openxmlformats.org/drawingml/2006/main" xmlns:r="http://schemas.openxmlformats.org/officeDocument/2006/relationships" xmlns:p="http://schemas.openxmlformats.org/presentationml/2006/main" type="secHead" preserve="1">
-  <p:cSld name="Section Header">
+<file path=ppt/slideLayouts/slideLayout13.xml><?xml version="1.0" encoding="utf-8"?>
+<p:sldLayout xmlns:a="http://schemas.openxmlformats.org/drawingml/2006/main" xmlns:r="http://schemas.openxmlformats.org/officeDocument/2006/relationships" xmlns:p="http://schemas.openxmlformats.org/presentationml/2006/main" preserve="1">
+  <p:cSld name="Цитата карточки имени">
     <p:spTree>
       <p:nvGrpSpPr>
         <p:cNvPr id="1" name=""/>
@@ -898,86 +1905,154 @@
         </p:nvSpPr>
         <p:spPr>
           <a:xfrm>
-            <a:off x="722313" y="4406900"/>
-            <a:ext cx="7772400" cy="1362075"/>
+            <a:off x="774885" y="609600"/>
+            <a:ext cx="6072182" cy="3022600"/>
           </a:xfrm>
         </p:spPr>
         <p:txBody>
-          <a:bodyPr anchor="t"/>
+          <a:bodyPr anchor="ctr">
+            <a:normAutofit/>
+          </a:bodyPr>
           <a:lstStyle>
             <a:lvl1pPr algn="l">
-              <a:defRPr sz="4000" b="1" cap="all"/>
+              <a:defRPr sz="4400" b="0" cap="none"/>
             </a:lvl1pPr>
           </a:lstStyle>
           <a:p>
             <a:r>
-              <a:rPr lang="en-US" smtClean="0"/>
-              <a:t>Click to edit Master title style</a:t>
-            </a:r>
-            <a:endParaRPr lang="en-US"/>
-          </a:p>
-        </p:txBody>
-      </p:sp>
-      <p:sp>
-        <p:nvSpPr>
-          <p:cNvPr id="3" name="Text Placeholder 2"/>
-          <p:cNvSpPr>
-            <a:spLocks noGrp="1"/>
-          </p:cNvSpPr>
-          <p:nvPr>
-            <p:ph type="body" idx="1"/>
+              <a:rPr lang="ru-RU"/>
+              <a:t>Образец заголовка</a:t>
+            </a:r>
+            <a:endParaRPr lang="en-US" dirty="0"/>
+          </a:p>
+        </p:txBody>
+      </p:sp>
+      <p:sp>
+        <p:nvSpPr>
+          <p:cNvPr id="23" name="Text Placeholder 9"/>
+          <p:cNvSpPr>
+            <a:spLocks noGrp="1"/>
+          </p:cNvSpPr>
+          <p:nvPr>
+            <p:ph type="body" sz="quarter" idx="13"/>
           </p:nvPr>
         </p:nvSpPr>
         <p:spPr>
           <a:xfrm>
-            <a:off x="722313" y="2906713"/>
-            <a:ext cx="7772400" cy="1500187"/>
+            <a:off x="609597" y="4013200"/>
+            <a:ext cx="6347716" cy="514248"/>
           </a:xfrm>
         </p:spPr>
         <p:txBody>
-          <a:bodyPr anchor="b"/>
+          <a:bodyPr anchor="b">
+            <a:noAutofit/>
+          </a:bodyPr>
           <a:lstStyle>
             <a:lvl1pPr marL="0" indent="0">
-              <a:buNone/>
-              <a:defRPr sz="2000">
-                <a:solidFill>
-                  <a:schemeClr val="tx1">
-                    <a:tint val="75000"/>
+              <a:buFontTx/>
+              <a:buNone/>
+              <a:defRPr sz="2400">
+                <a:solidFill>
+                  <a:schemeClr val="tx1">
+                    <a:lumMod val="75000"/>
+                    <a:lumOff val="25000"/>
                   </a:schemeClr>
                 </a:solidFill>
               </a:defRPr>
             </a:lvl1pPr>
             <a:lvl2pPr marL="457200" indent="0">
-              <a:buNone/>
-              <a:defRPr sz="1800">
-                <a:solidFill>
-                  <a:schemeClr val="tx1">
-                    <a:tint val="75000"/>
-                  </a:schemeClr>
-                </a:solidFill>
-              </a:defRPr>
+              <a:buFontTx/>
+              <a:buNone/>
+              <a:defRPr/>
             </a:lvl2pPr>
             <a:lvl3pPr marL="914400" indent="0">
-              <a:buNone/>
-              <a:defRPr sz="1600">
-                <a:solidFill>
-                  <a:schemeClr val="tx1">
-                    <a:tint val="75000"/>
-                  </a:schemeClr>
-                </a:solidFill>
-              </a:defRPr>
+              <a:buFontTx/>
+              <a:buNone/>
+              <a:defRPr/>
             </a:lvl3pPr>
             <a:lvl4pPr marL="1371600" indent="0">
-              <a:buNone/>
-              <a:defRPr sz="1400">
-                <a:solidFill>
-                  <a:schemeClr val="tx1">
-                    <a:tint val="75000"/>
-                  </a:schemeClr>
-                </a:solidFill>
-              </a:defRPr>
+              <a:buFontTx/>
+              <a:buNone/>
+              <a:defRPr/>
             </a:lvl4pPr>
             <a:lvl5pPr marL="1828800" indent="0">
+              <a:buFontTx/>
+              <a:buNone/>
+              <a:defRPr/>
+            </a:lvl5pPr>
+          </a:lstStyle>
+          <a:p>
+            <a:pPr lvl="0"/>
+            <a:r>
+              <a:rPr lang="ru-RU"/>
+              <a:t>Образец текста</a:t>
+            </a:r>
+          </a:p>
+        </p:txBody>
+      </p:sp>
+      <p:sp>
+        <p:nvSpPr>
+          <p:cNvPr id="3" name="Text Placeholder 2"/>
+          <p:cNvSpPr>
+            <a:spLocks noGrp="1"/>
+          </p:cNvSpPr>
+          <p:nvPr>
+            <p:ph type="body" idx="1"/>
+          </p:nvPr>
+        </p:nvSpPr>
+        <p:spPr>
+          <a:xfrm>
+            <a:off x="609598" y="4527448"/>
+            <a:ext cx="6347715" cy="1513914"/>
+          </a:xfrm>
+        </p:spPr>
+        <p:txBody>
+          <a:bodyPr anchor="t">
+            <a:normAutofit/>
+          </a:bodyPr>
+          <a:lstStyle>
+            <a:lvl1pPr marL="0" indent="0" algn="l">
+              <a:buNone/>
+              <a:defRPr sz="1800">
+                <a:solidFill>
+                  <a:schemeClr val="tx1">
+                    <a:lumMod val="50000"/>
+                    <a:lumOff val="50000"/>
+                  </a:schemeClr>
+                </a:solidFill>
+              </a:defRPr>
+            </a:lvl1pPr>
+            <a:lvl2pPr marL="457200" indent="0">
+              <a:buNone/>
+              <a:defRPr sz="1800">
+                <a:solidFill>
+                  <a:schemeClr val="tx1">
+                    <a:tint val="75000"/>
+                  </a:schemeClr>
+                </a:solidFill>
+              </a:defRPr>
+            </a:lvl2pPr>
+            <a:lvl3pPr marL="914400" indent="0">
+              <a:buNone/>
+              <a:defRPr sz="1600">
+                <a:solidFill>
+                  <a:schemeClr val="tx1">
+                    <a:tint val="75000"/>
+                  </a:schemeClr>
+                </a:solidFill>
+              </a:defRPr>
+            </a:lvl3pPr>
+            <a:lvl4pPr marL="1371600" indent="0">
+              <a:buNone/>
+              <a:defRPr sz="1400">
+                <a:solidFill>
+                  <a:schemeClr val="tx1">
+                    <a:tint val="75000"/>
+                  </a:schemeClr>
+                </a:solidFill>
+              </a:defRPr>
+            </a:lvl4pPr>
+            <a:lvl5pPr marL="1828800" indent="0">
               <a:buNone/>
               <a:defRPr sz="1400">
                 <a:solidFill>
@@ -1031,8 +2106,8 @@
           <a:p>
             <a:pPr lvl="0"/>
             <a:r>
-              <a:rPr lang="en-US" smtClean="0"/>
-              <a:t>Click to edit Master text styles</a:t>
+              <a:rPr lang="ru-RU"/>
+              <a:t>Образец текста</a:t>
             </a:r>
           </a:p>
         </p:txBody>
@@ -1054,7 +2129,7 @@
           <a:p>
             <a:fld id="{5BCAD085-E8A6-8845-BD4E-CB4CCA059FC4}" type="datetimeFigureOut">
               <a:rPr lang="en-US" smtClean="0"/>
-              <a:t>1/27/13</a:t>
+              <a:t>1/7/2024</a:t>
             </a:fld>
             <a:endParaRPr lang="en-US"/>
           </a:p>
@@ -1102,10 +2177,92 @@
           </a:p>
         </p:txBody>
       </p:sp>
+      <p:sp>
+        <p:nvSpPr>
+          <p:cNvPr id="24" name="TextBox 23"/>
+          <p:cNvSpPr txBox="1"/>
+          <p:nvPr/>
+        </p:nvSpPr>
+        <p:spPr>
+          <a:xfrm>
+            <a:off x="482711" y="790378"/>
+            <a:ext cx="457319" cy="584776"/>
+          </a:xfrm>
+          <a:prstGeom prst="rect">
+            <a:avLst/>
+          </a:prstGeom>
+        </p:spPr>
+        <p:txBody>
+          <a:bodyPr vert="horz" lIns="91440" tIns="45720" rIns="91440" bIns="45720" rtlCol="0" anchor="ctr">
+            <a:noAutofit/>
+          </a:bodyPr>
+          <a:lstStyle/>
+          <a:p>
+            <a:pPr lvl="0"/>
+            <a:r>
+              <a:rPr lang="en-US" sz="8000" baseline="0" dirty="0">
+                <a:ln w="3175" cmpd="sng">
+                  <a:noFill/>
+                </a:ln>
+                <a:solidFill>
+                  <a:schemeClr val="accent1">
+                    <a:lumMod val="60000"/>
+                    <a:lumOff val="40000"/>
+                  </a:schemeClr>
+                </a:solidFill>
+                <a:effectLst/>
+                <a:latin typeface="Arial"/>
+              </a:rPr>
+              <a:t>“</a:t>
+            </a:r>
+          </a:p>
+        </p:txBody>
+      </p:sp>
+      <p:sp>
+        <p:nvSpPr>
+          <p:cNvPr id="25" name="TextBox 24"/>
+          <p:cNvSpPr txBox="1"/>
+          <p:nvPr/>
+        </p:nvSpPr>
+        <p:spPr>
+          <a:xfrm>
+            <a:off x="6747699" y="2886556"/>
+            <a:ext cx="457319" cy="584776"/>
+          </a:xfrm>
+          <a:prstGeom prst="rect">
+            <a:avLst/>
+          </a:prstGeom>
+        </p:spPr>
+        <p:txBody>
+          <a:bodyPr vert="horz" lIns="91440" tIns="45720" rIns="91440" bIns="45720" rtlCol="0" anchor="ctr">
+            <a:noAutofit/>
+          </a:bodyPr>
+          <a:lstStyle/>
+          <a:p>
+            <a:pPr lvl="0"/>
+            <a:r>
+              <a:rPr lang="en-US" sz="8000" baseline="0" dirty="0">
+                <a:ln w="3175" cmpd="sng">
+                  <a:noFill/>
+                </a:ln>
+                <a:solidFill>
+                  <a:schemeClr val="accent1">
+                    <a:lumMod val="60000"/>
+                    <a:lumOff val="40000"/>
+                  </a:schemeClr>
+                </a:solidFill>
+                <a:effectLst/>
+                <a:latin typeface="Arial"/>
+              </a:rPr>
+              <a:t>”</a:t>
+            </a:r>
+          </a:p>
+        </p:txBody>
+      </p:sp>
     </p:spTree>
     <p:extLst>
       <p:ext uri="{BB962C8B-B14F-4D97-AF65-F5344CB8AC3E}">
-        <p14:creationId xmlns:p14="http://schemas.microsoft.com/office/powerpoint/2010/main" val="960648375"/>
+        <p14:creationId xmlns:p14="http://schemas.microsoft.com/office/powerpoint/2010/main" val="1526541077"/>
       </p:ext>
     </p:extLst>
   </p:cSld>
@@ -1115,9 +2272,9 @@
 </p:sldLayout>
 </file>
 
-<file path=ppt/slideLayouts/slideLayout4.xml><?xml version="1.0" encoding="utf-8"?>
-<p:sldLayout xmlns:a="http://schemas.openxmlformats.org/drawingml/2006/main" xmlns:r="http://schemas.openxmlformats.org/officeDocument/2006/relationships" xmlns:p="http://schemas.openxmlformats.org/presentationml/2006/main" type="twoObj" preserve="1">
-  <p:cSld name="Two Content">
+<file path=ppt/slideLayouts/slideLayout14.xml><?xml version="1.0" encoding="utf-8"?>
+<p:sldLayout xmlns:a="http://schemas.openxmlformats.org/drawingml/2006/main" xmlns:r="http://schemas.openxmlformats.org/officeDocument/2006/relationships" xmlns:p="http://schemas.openxmlformats.org/presentationml/2006/main" preserve="1">
+  <p:cSld name="Истина или ложь">
     <p:spTree>
       <p:nvGrpSpPr>
         <p:cNvPr id="1" name=""/>
@@ -1142,192 +2299,215 @@
             <p:ph type="title"/>
           </p:nvPr>
         </p:nvSpPr>
-        <p:spPr/>
-        <p:txBody>
-          <a:bodyPr/>
-          <a:lstStyle/>
-          <a:p>
-            <a:r>
-              <a:rPr lang="en-US" smtClean="0"/>
-              <a:t>Click to edit Master title style</a:t>
-            </a:r>
-            <a:endParaRPr lang="en-US"/>
-          </a:p>
-        </p:txBody>
-      </p:sp>
-      <p:sp>
-        <p:nvSpPr>
-          <p:cNvPr id="3" name="Content Placeholder 2"/>
-          <p:cNvSpPr>
-            <a:spLocks noGrp="1"/>
-          </p:cNvSpPr>
-          <p:nvPr>
-            <p:ph sz="half" idx="1"/>
-          </p:nvPr>
-        </p:nvSpPr>
         <p:spPr>
           <a:xfrm>
-            <a:off x="457200" y="1600200"/>
-            <a:ext cx="4038600" cy="4525963"/>
+            <a:off x="615848" y="609600"/>
+            <a:ext cx="6341465" cy="3022600"/>
           </a:xfrm>
         </p:spPr>
         <p:txBody>
-          <a:bodyPr/>
+          <a:bodyPr anchor="ctr">
+            <a:normAutofit/>
+          </a:bodyPr>
           <a:lstStyle>
-            <a:lvl1pPr>
-              <a:defRPr sz="2800"/>
+            <a:lvl1pPr algn="l">
+              <a:defRPr sz="4400" b="0" cap="none"/>
             </a:lvl1pPr>
-            <a:lvl2pPr>
-              <a:defRPr sz="2400"/>
+          </a:lstStyle>
+          <a:p>
+            <a:r>
+              <a:rPr lang="ru-RU"/>
+              <a:t>Образец заголовка</a:t>
+            </a:r>
+            <a:endParaRPr lang="en-US" dirty="0"/>
+          </a:p>
+        </p:txBody>
+      </p:sp>
+      <p:sp>
+        <p:nvSpPr>
+          <p:cNvPr id="23" name="Text Placeholder 9"/>
+          <p:cNvSpPr>
+            <a:spLocks noGrp="1"/>
+          </p:cNvSpPr>
+          <p:nvPr>
+            <p:ph type="body" sz="quarter" idx="13"/>
+          </p:nvPr>
+        </p:nvSpPr>
+        <p:spPr>
+          <a:xfrm>
+            <a:off x="609597" y="4013200"/>
+            <a:ext cx="6347716" cy="514248"/>
+          </a:xfrm>
+        </p:spPr>
+        <p:txBody>
+          <a:bodyPr anchor="b">
+            <a:noAutofit/>
+          </a:bodyPr>
+          <a:lstStyle>
+            <a:lvl1pPr marL="0" indent="0">
+              <a:buFontTx/>
+              <a:buNone/>
+              <a:defRPr sz="2400">
+                <a:solidFill>
+                  <a:schemeClr val="accent1"/>
+                </a:solidFill>
+              </a:defRPr>
+            </a:lvl1pPr>
+            <a:lvl2pPr marL="457200" indent="0">
+              <a:buFontTx/>
+              <a:buNone/>
+              <a:defRPr/>
             </a:lvl2pPr>
-            <a:lvl3pPr>
-              <a:defRPr sz="2000"/>
+            <a:lvl3pPr marL="914400" indent="0">
+              <a:buFontTx/>
+              <a:buNone/>
+              <a:defRPr/>
             </a:lvl3pPr>
-            <a:lvl4pPr>
-              <a:defRPr sz="1800"/>
+            <a:lvl4pPr marL="1371600" indent="0">
+              <a:buFontTx/>
+              <a:buNone/>
+              <a:defRPr/>
             </a:lvl4pPr>
-            <a:lvl5pPr>
-              <a:defRPr sz="1800"/>
+            <a:lvl5pPr marL="1828800" indent="0">
+              <a:buFontTx/>
+              <a:buNone/>
+              <a:defRPr/>
             </a:lvl5pPr>
-            <a:lvl6pPr>
-              <a:defRPr sz="1800"/>
+          </a:lstStyle>
+          <a:p>
+            <a:pPr lvl="0"/>
+            <a:r>
+              <a:rPr lang="ru-RU"/>
+              <a:t>Образец текста</a:t>
+            </a:r>
+          </a:p>
+        </p:txBody>
+      </p:sp>
+      <p:sp>
+        <p:nvSpPr>
+          <p:cNvPr id="3" name="Text Placeholder 2"/>
+          <p:cNvSpPr>
+            <a:spLocks noGrp="1"/>
+          </p:cNvSpPr>
+          <p:nvPr>
+            <p:ph type="body" idx="1"/>
+          </p:nvPr>
+        </p:nvSpPr>
+        <p:spPr>
+          <a:xfrm>
+            <a:off x="609598" y="4527448"/>
+            <a:ext cx="6347715" cy="1513914"/>
+          </a:xfrm>
+        </p:spPr>
+        <p:txBody>
+          <a:bodyPr anchor="t">
+            <a:normAutofit/>
+          </a:bodyPr>
+          <a:lstStyle>
+            <a:lvl1pPr marL="0" indent="0" algn="l">
+              <a:buNone/>
+              <a:defRPr sz="1800">
+                <a:solidFill>
+                  <a:schemeClr val="tx1">
+                    <a:lumMod val="50000"/>
+                    <a:lumOff val="50000"/>
+                  </a:schemeClr>
+                </a:solidFill>
+              </a:defRPr>
+            </a:lvl1pPr>
+            <a:lvl2pPr marL="457200" indent="0">
+              <a:buNone/>
+              <a:defRPr sz="1800">
+                <a:solidFill>
+                  <a:schemeClr val="tx1">
+                    <a:tint val="75000"/>
+                  </a:schemeClr>
+                </a:solidFill>
+              </a:defRPr>
+            </a:lvl2pPr>
+            <a:lvl3pPr marL="914400" indent="0">
+              <a:buNone/>
+              <a:defRPr sz="1600">
+                <a:solidFill>
+                  <a:schemeClr val="tx1">
+                    <a:tint val="75000"/>
+                  </a:schemeClr>
+                </a:solidFill>
+              </a:defRPr>
+            </a:lvl3pPr>
+            <a:lvl4pPr marL="1371600" indent="0">
+              <a:buNone/>
+              <a:defRPr sz="1400">
+                <a:solidFill>
+                  <a:schemeClr val="tx1">
+                    <a:tint val="75000"/>
+                  </a:schemeClr>
+                </a:solidFill>
+              </a:defRPr>
+            </a:lvl4pPr>
+            <a:lvl5pPr marL="1828800" indent="0">
+              <a:buNone/>
+              <a:defRPr sz="1400">
+                <a:solidFill>
+                  <a:schemeClr val="tx1">
+                    <a:tint val="75000"/>
+                  </a:schemeClr>
+                </a:solidFill>
+              </a:defRPr>
+            </a:lvl5pPr>
+            <a:lvl6pPr marL="2286000" indent="0">
+              <a:buNone/>
+              <a:defRPr sz="1400">
+                <a:solidFill>
+                  <a:schemeClr val="tx1">
+                    <a:tint val="75000"/>
+                  </a:schemeClr>
+                </a:solidFill>
+              </a:defRPr>
             </a:lvl6pPr>
-            <a:lvl7pPr>
-              <a:defRPr sz="1800"/>
+            <a:lvl7pPr marL="2743200" indent="0">
+              <a:buNone/>
+              <a:defRPr sz="1400">
+                <a:solidFill>
+                  <a:schemeClr val="tx1">
+                    <a:tint val="75000"/>
+                  </a:schemeClr>
+                </a:solidFill>
+              </a:defRPr>
             </a:lvl7pPr>
-            <a:lvl8pPr>
-              <a:defRPr sz="1800"/>
+            <a:lvl8pPr marL="3200400" indent="0">
+              <a:buNone/>
+              <a:defRPr sz="1400">
+                <a:solidFill>
+                  <a:schemeClr val="tx1">
+                    <a:tint val="75000"/>
+                  </a:schemeClr>
+                </a:solidFill>
+              </a:defRPr>
             </a:lvl8pPr>
-            <a:lvl9pPr>
-              <a:defRPr sz="1800"/>
+            <a:lvl9pPr marL="3657600" indent="0">
+              <a:buNone/>
+              <a:defRPr sz="1400">
+                <a:solidFill>
+                  <a:schemeClr val="tx1">
+                    <a:tint val="75000"/>
+                  </a:schemeClr>
+                </a:solidFill>
+              </a:defRPr>
             </a:lvl9pPr>
           </a:lstStyle>
           <a:p>
             <a:pPr lvl="0"/>
             <a:r>
-              <a:rPr lang="en-US" smtClean="0"/>
-              <a:t>Click to edit Master text styles</a:t>
-            </a:r>
-          </a:p>
-          <a:p>
-            <a:pPr lvl="1"/>
-            <a:r>
-              <a:rPr lang="en-US" smtClean="0"/>
-              <a:t>Second level</a:t>
-            </a:r>
-          </a:p>
-          <a:p>
-            <a:pPr lvl="2"/>
-            <a:r>
-              <a:rPr lang="en-US" smtClean="0"/>
-              <a:t>Third level</a:t>
-            </a:r>
-          </a:p>
-          <a:p>
-            <a:pPr lvl="3"/>
-            <a:r>
-              <a:rPr lang="en-US" smtClean="0"/>
-              <a:t>Fourth level</a:t>
-            </a:r>
-          </a:p>
-          <a:p>
-            <a:pPr lvl="4"/>
-            <a:r>
-              <a:rPr lang="en-US" smtClean="0"/>
-              <a:t>Fifth level</a:t>
-            </a:r>
-            <a:endParaRPr lang="en-US"/>
-          </a:p>
-        </p:txBody>
-      </p:sp>
-      <p:sp>
-        <p:nvSpPr>
-          <p:cNvPr id="4" name="Content Placeholder 3"/>
-          <p:cNvSpPr>
-            <a:spLocks noGrp="1"/>
-          </p:cNvSpPr>
-          <p:nvPr>
-            <p:ph sz="half" idx="2"/>
-          </p:nvPr>
-        </p:nvSpPr>
-        <p:spPr>
-          <a:xfrm>
-            <a:off x="4648200" y="1600200"/>
-            <a:ext cx="4038600" cy="4525963"/>
-          </a:xfrm>
-        </p:spPr>
-        <p:txBody>
-          <a:bodyPr/>
-          <a:lstStyle>
-            <a:lvl1pPr>
-              <a:defRPr sz="2800"/>
-            </a:lvl1pPr>
-            <a:lvl2pPr>
-              <a:defRPr sz="2400"/>
-            </a:lvl2pPr>
-            <a:lvl3pPr>
-              <a:defRPr sz="2000"/>
-            </a:lvl3pPr>
-            <a:lvl4pPr>
-              <a:defRPr sz="1800"/>
-            </a:lvl4pPr>
-            <a:lvl5pPr>
-              <a:defRPr sz="1800"/>
-            </a:lvl5pPr>
-            <a:lvl6pPr>
-              <a:defRPr sz="1800"/>
-            </a:lvl6pPr>
-            <a:lvl7pPr>
-              <a:defRPr sz="1800"/>
-            </a:lvl7pPr>
-            <a:lvl8pPr>
-              <a:defRPr sz="1800"/>
-            </a:lvl8pPr>
-            <a:lvl9pPr>
-              <a:defRPr sz="1800"/>
-            </a:lvl9pPr>
-          </a:lstStyle>
-          <a:p>
-            <a:pPr lvl="0"/>
-            <a:r>
-              <a:rPr lang="en-US" smtClean="0"/>
-              <a:t>Click to edit Master text styles</a:t>
-            </a:r>
-          </a:p>
-          <a:p>
-            <a:pPr lvl="1"/>
-            <a:r>
-              <a:rPr lang="en-US" smtClean="0"/>
-              <a:t>Second level</a:t>
-            </a:r>
-          </a:p>
-          <a:p>
-            <a:pPr lvl="2"/>
-            <a:r>
-              <a:rPr lang="en-US" smtClean="0"/>
-              <a:t>Third level</a:t>
-            </a:r>
-          </a:p>
-          <a:p>
-            <a:pPr lvl="3"/>
-            <a:r>
-              <a:rPr lang="en-US" smtClean="0"/>
-              <a:t>Fourth level</a:t>
-            </a:r>
-          </a:p>
-          <a:p>
-            <a:pPr lvl="4"/>
-            <a:r>
-              <a:rPr lang="en-US" smtClean="0"/>
-              <a:t>Fifth level</a:t>
-            </a:r>
-            <a:endParaRPr lang="en-US"/>
-          </a:p>
-        </p:txBody>
-      </p:sp>
-      <p:sp>
-        <p:nvSpPr>
-          <p:cNvPr id="5" name="Date Placeholder 4"/>
+              <a:rPr lang="ru-RU"/>
+              <a:t>Образец текста</a:t>
+            </a:r>
+          </a:p>
+        </p:txBody>
+      </p:sp>
+      <p:sp>
+        <p:nvSpPr>
+          <p:cNvPr id="4" name="Date Placeholder 3"/>
           <p:cNvSpPr>
             <a:spLocks noGrp="1"/>
           </p:cNvSpPr>
@@ -1342,7 +2522,7 @@
           <a:p>
             <a:fld id="{5BCAD085-E8A6-8845-BD4E-CB4CCA059FC4}" type="datetimeFigureOut">
               <a:rPr lang="en-US" smtClean="0"/>
-              <a:t>1/27/13</a:t>
+              <a:t>1/7/2024</a:t>
             </a:fld>
             <a:endParaRPr lang="en-US"/>
           </a:p>
@@ -1350,7 +2530,7 @@
       </p:sp>
       <p:sp>
         <p:nvSpPr>
-          <p:cNvPr id="6" name="Footer Placeholder 5"/>
+          <p:cNvPr id="5" name="Footer Placeholder 4"/>
           <p:cNvSpPr>
             <a:spLocks noGrp="1"/>
           </p:cNvSpPr>
@@ -1369,7 +2549,7 @@
       </p:sp>
       <p:sp>
         <p:nvSpPr>
-          <p:cNvPr id="7" name="Slide Number Placeholder 6"/>
+          <p:cNvPr id="6" name="Slide Number Placeholder 5"/>
           <p:cNvSpPr>
             <a:spLocks noGrp="1"/>
           </p:cNvSpPr>
@@ -1393,7 +2573,7 @@
     </p:spTree>
     <p:extLst>
       <p:ext uri="{BB962C8B-B14F-4D97-AF65-F5344CB8AC3E}">
-        <p14:creationId xmlns:p14="http://schemas.microsoft.com/office/powerpoint/2010/main" val="2782244947"/>
+        <p14:creationId xmlns:p14="http://schemas.microsoft.com/office/powerpoint/2010/main" val="763649234"/>
       </p:ext>
     </p:extLst>
   </p:cSld>
@@ -1403,9 +2583,9 @@
 </p:sldLayout>
 </file>
 
-<file path=ppt/slideLayouts/slideLayout5.xml><?xml version="1.0" encoding="utf-8"?>
-<p:sldLayout xmlns:a="http://schemas.openxmlformats.org/drawingml/2006/main" xmlns:r="http://schemas.openxmlformats.org/officeDocument/2006/relationships" xmlns:p="http://schemas.openxmlformats.org/presentationml/2006/main" type="twoTxTwoObj" preserve="1">
-  <p:cSld name="Comparison">
+<file path=ppt/slideLayouts/slideLayout15.xml><?xml version="1.0" encoding="utf-8"?>
+<p:sldLayout xmlns:a="http://schemas.openxmlformats.org/drawingml/2006/main" xmlns:r="http://schemas.openxmlformats.org/officeDocument/2006/relationships" xmlns:p="http://schemas.openxmlformats.org/presentationml/2006/main" type="vertTx" preserve="1">
+  <p:cSld name="Заголовок и вертикальный текст">
     <p:spTree>
       <p:nvGrpSpPr>
         <p:cNvPr id="1" name=""/>
@@ -1433,323 +2613,71 @@
         <p:spPr/>
         <p:txBody>
           <a:bodyPr/>
-          <a:lstStyle>
-            <a:lvl1pPr>
-              <a:defRPr/>
-            </a:lvl1pPr>
-          </a:lstStyle>
-          <a:p>
-            <a:r>
-              <a:rPr lang="en-US" smtClean="0"/>
-              <a:t>Click to edit Master title style</a:t>
-            </a:r>
-            <a:endParaRPr lang="en-US"/>
-          </a:p>
-        </p:txBody>
-      </p:sp>
-      <p:sp>
-        <p:nvSpPr>
-          <p:cNvPr id="3" name="Text Placeholder 2"/>
-          <p:cNvSpPr>
-            <a:spLocks noGrp="1"/>
-          </p:cNvSpPr>
-          <p:nvPr>
-            <p:ph type="body" idx="1"/>
-          </p:nvPr>
-        </p:nvSpPr>
-        <p:spPr>
-          <a:xfrm>
-            <a:off x="457200" y="1535113"/>
-            <a:ext cx="4040188" cy="639762"/>
-          </a:xfrm>
-        </p:spPr>
-        <p:txBody>
-          <a:bodyPr anchor="b"/>
-          <a:lstStyle>
-            <a:lvl1pPr marL="0" indent="0">
-              <a:buNone/>
-              <a:defRPr sz="2400" b="1"/>
-            </a:lvl1pPr>
-            <a:lvl2pPr marL="457200" indent="0">
-              <a:buNone/>
-              <a:defRPr sz="2000" b="1"/>
-            </a:lvl2pPr>
-            <a:lvl3pPr marL="914400" indent="0">
-              <a:buNone/>
-              <a:defRPr sz="1800" b="1"/>
-            </a:lvl3pPr>
-            <a:lvl4pPr marL="1371600" indent="0">
-              <a:buNone/>
-              <a:defRPr sz="1600" b="1"/>
-            </a:lvl4pPr>
-            <a:lvl5pPr marL="1828800" indent="0">
-              <a:buNone/>
-              <a:defRPr sz="1600" b="1"/>
-            </a:lvl5pPr>
-            <a:lvl6pPr marL="2286000" indent="0">
-              <a:buNone/>
-              <a:defRPr sz="1600" b="1"/>
-            </a:lvl6pPr>
-            <a:lvl7pPr marL="2743200" indent="0">
-              <a:buNone/>
-              <a:defRPr sz="1600" b="1"/>
-            </a:lvl7pPr>
-            <a:lvl8pPr marL="3200400" indent="0">
-              <a:buNone/>
-              <a:defRPr sz="1600" b="1"/>
-            </a:lvl8pPr>
-            <a:lvl9pPr marL="3657600" indent="0">
-              <a:buNone/>
-              <a:defRPr sz="1600" b="1"/>
-            </a:lvl9pPr>
-          </a:lstStyle>
+          <a:lstStyle/>
+          <a:p>
+            <a:r>
+              <a:rPr lang="ru-RU"/>
+              <a:t>Образец заголовка</a:t>
+            </a:r>
+            <a:endParaRPr lang="en-US" dirty="0"/>
+          </a:p>
+        </p:txBody>
+      </p:sp>
+      <p:sp>
+        <p:nvSpPr>
+          <p:cNvPr id="3" name="Vertical Text Placeholder 2"/>
+          <p:cNvSpPr>
+            <a:spLocks noGrp="1"/>
+          </p:cNvSpPr>
+          <p:nvPr>
+            <p:ph type="body" orient="vert" idx="1"/>
+          </p:nvPr>
+        </p:nvSpPr>
+        <p:spPr/>
+        <p:txBody>
+          <a:bodyPr vert="eaVert"/>
+          <a:lstStyle/>
           <a:p>
             <a:pPr lvl="0"/>
             <a:r>
-              <a:rPr lang="en-US" smtClean="0"/>
-              <a:t>Click to edit Master text styles</a:t>
-            </a:r>
-          </a:p>
-        </p:txBody>
-      </p:sp>
-      <p:sp>
-        <p:nvSpPr>
-          <p:cNvPr id="4" name="Content Placeholder 3"/>
-          <p:cNvSpPr>
-            <a:spLocks noGrp="1"/>
-          </p:cNvSpPr>
-          <p:nvPr>
-            <p:ph sz="half" idx="2"/>
-          </p:nvPr>
-        </p:nvSpPr>
-        <p:spPr>
-          <a:xfrm>
-            <a:off x="457200" y="2174875"/>
-            <a:ext cx="4040188" cy="3951288"/>
-          </a:xfrm>
-        </p:spPr>
-        <p:txBody>
-          <a:bodyPr/>
-          <a:lstStyle>
-            <a:lvl1pPr>
-              <a:defRPr sz="2400"/>
-            </a:lvl1pPr>
-            <a:lvl2pPr>
-              <a:defRPr sz="2000"/>
-            </a:lvl2pPr>
-            <a:lvl3pPr>
-              <a:defRPr sz="1800"/>
-            </a:lvl3pPr>
-            <a:lvl4pPr>
-              <a:defRPr sz="1600"/>
-            </a:lvl4pPr>
-            <a:lvl5pPr>
-              <a:defRPr sz="1600"/>
-            </a:lvl5pPr>
-            <a:lvl6pPr>
-              <a:defRPr sz="1600"/>
-            </a:lvl6pPr>
-            <a:lvl7pPr>
-              <a:defRPr sz="1600"/>
-            </a:lvl7pPr>
-            <a:lvl8pPr>
-              <a:defRPr sz="1600"/>
-            </a:lvl8pPr>
-            <a:lvl9pPr>
-              <a:defRPr sz="1600"/>
-            </a:lvl9pPr>
-          </a:lstStyle>
-          <a:p>
-            <a:pPr lvl="0"/>
-            <a:r>
-              <a:rPr lang="en-US" smtClean="0"/>
-              <a:t>Click to edit Master text styles</a:t>
+              <a:rPr lang="ru-RU"/>
+              <a:t>Образец текста</a:t>
             </a:r>
           </a:p>
           <a:p>
             <a:pPr lvl="1"/>
             <a:r>
-              <a:rPr lang="en-US" smtClean="0"/>
-              <a:t>Second level</a:t>
+              <a:rPr lang="ru-RU"/>
+              <a:t>Второй уровень</a:t>
             </a:r>
           </a:p>
           <a:p>
             <a:pPr lvl="2"/>
             <a:r>
-              <a:rPr lang="en-US" smtClean="0"/>
-              <a:t>Third level</a:t>
+              <a:rPr lang="ru-RU"/>
+              <a:t>Третий уровень</a:t>
             </a:r>
           </a:p>
           <a:p>
             <a:pPr lvl="3"/>
             <a:r>
-              <a:rPr lang="en-US" smtClean="0"/>
-              <a:t>Fourth level</a:t>
+              <a:rPr lang="ru-RU"/>
+              <a:t>Четвертый уровень</a:t>
             </a:r>
           </a:p>
           <a:p>
             <a:pPr lvl="4"/>
             <a:r>
-              <a:rPr lang="en-US" smtClean="0"/>
-              <a:t>Fifth level</a:t>
-            </a:r>
-            <a:endParaRPr lang="en-US"/>
-          </a:p>
-        </p:txBody>
-      </p:sp>
-      <p:sp>
-        <p:nvSpPr>
-          <p:cNvPr id="5" name="Text Placeholder 4"/>
-          <p:cNvSpPr>
-            <a:spLocks noGrp="1"/>
-          </p:cNvSpPr>
-          <p:nvPr>
-            <p:ph type="body" sz="quarter" idx="3"/>
-          </p:nvPr>
-        </p:nvSpPr>
-        <p:spPr>
-          <a:xfrm>
-            <a:off x="4645025" y="1535113"/>
-            <a:ext cx="4041775" cy="639762"/>
-          </a:xfrm>
-        </p:spPr>
-        <p:txBody>
-          <a:bodyPr anchor="b"/>
-          <a:lstStyle>
-            <a:lvl1pPr marL="0" indent="0">
-              <a:buNone/>
-              <a:defRPr sz="2400" b="1"/>
-            </a:lvl1pPr>
-            <a:lvl2pPr marL="457200" indent="0">
-              <a:buNone/>
-              <a:defRPr sz="2000" b="1"/>
-            </a:lvl2pPr>
-            <a:lvl3pPr marL="914400" indent="0">
-              <a:buNone/>
-              <a:defRPr sz="1800" b="1"/>
-            </a:lvl3pPr>
-            <a:lvl4pPr marL="1371600" indent="0">
-              <a:buNone/>
-              <a:defRPr sz="1600" b="1"/>
-            </a:lvl4pPr>
-            <a:lvl5pPr marL="1828800" indent="0">
-              <a:buNone/>
-              <a:defRPr sz="1600" b="1"/>
-            </a:lvl5pPr>
-            <a:lvl6pPr marL="2286000" indent="0">
-              <a:buNone/>
-              <a:defRPr sz="1600" b="1"/>
-            </a:lvl6pPr>
-            <a:lvl7pPr marL="2743200" indent="0">
-              <a:buNone/>
-              <a:defRPr sz="1600" b="1"/>
-            </a:lvl7pPr>
-            <a:lvl8pPr marL="3200400" indent="0">
-              <a:buNone/>
-              <a:defRPr sz="1600" b="1"/>
-            </a:lvl8pPr>
-            <a:lvl9pPr marL="3657600" indent="0">
-              <a:buNone/>
-              <a:defRPr sz="1600" b="1"/>
-            </a:lvl9pPr>
-          </a:lstStyle>
-          <a:p>
-            <a:pPr lvl="0"/>
-            <a:r>
-              <a:rPr lang="en-US" smtClean="0"/>
-              <a:t>Click to edit Master text styles</a:t>
-            </a:r>
-          </a:p>
-        </p:txBody>
-      </p:sp>
-      <p:sp>
-        <p:nvSpPr>
-          <p:cNvPr id="6" name="Content Placeholder 5"/>
-          <p:cNvSpPr>
-            <a:spLocks noGrp="1"/>
-          </p:cNvSpPr>
-          <p:nvPr>
-            <p:ph sz="quarter" idx="4"/>
-          </p:nvPr>
-        </p:nvSpPr>
-        <p:spPr>
-          <a:xfrm>
-            <a:off x="4645025" y="2174875"/>
-            <a:ext cx="4041775" cy="3951288"/>
-          </a:xfrm>
-        </p:spPr>
-        <p:txBody>
-          <a:bodyPr/>
-          <a:lstStyle>
-            <a:lvl1pPr>
-              <a:defRPr sz="2400"/>
-            </a:lvl1pPr>
-            <a:lvl2pPr>
-              <a:defRPr sz="2000"/>
-            </a:lvl2pPr>
-            <a:lvl3pPr>
-              <a:defRPr sz="1800"/>
-            </a:lvl3pPr>
-            <a:lvl4pPr>
-              <a:defRPr sz="1600"/>
-            </a:lvl4pPr>
-            <a:lvl5pPr>
-              <a:defRPr sz="1600"/>
-            </a:lvl5pPr>
-            <a:lvl6pPr>
-              <a:defRPr sz="1600"/>
-            </a:lvl6pPr>
-            <a:lvl7pPr>
-              <a:defRPr sz="1600"/>
-            </a:lvl7pPr>
-            <a:lvl8pPr>
-              <a:defRPr sz="1600"/>
-            </a:lvl8pPr>
-            <a:lvl9pPr>
-              <a:defRPr sz="1600"/>
-            </a:lvl9pPr>
-          </a:lstStyle>
-          <a:p>
-            <a:pPr lvl="0"/>
-            <a:r>
-              <a:rPr lang="en-US" smtClean="0"/>
-              <a:t>Click to edit Master text styles</a:t>
-            </a:r>
-          </a:p>
-          <a:p>
-            <a:pPr lvl="1"/>
-            <a:r>
-              <a:rPr lang="en-US" smtClean="0"/>
-              <a:t>Second level</a:t>
-            </a:r>
-          </a:p>
-          <a:p>
-            <a:pPr lvl="2"/>
-            <a:r>
-              <a:rPr lang="en-US" smtClean="0"/>
-              <a:t>Third level</a:t>
-            </a:r>
-          </a:p>
-          <a:p>
-            <a:pPr lvl="3"/>
-            <a:r>
-              <a:rPr lang="en-US" smtClean="0"/>
-              <a:t>Fourth level</a:t>
-            </a:r>
-          </a:p>
-          <a:p>
-            <a:pPr lvl="4"/>
-            <a:r>
-              <a:rPr lang="en-US" smtClean="0"/>
-              <a:t>Fifth level</a:t>
-            </a:r>
-            <a:endParaRPr lang="en-US"/>
-          </a:p>
-        </p:txBody>
-      </p:sp>
-      <p:sp>
-        <p:nvSpPr>
-          <p:cNvPr id="7" name="Date Placeholder 6"/>
+              <a:rPr lang="ru-RU"/>
+              <a:t>Пятый уровень</a:t>
+            </a:r>
+            <a:endParaRPr lang="en-US" dirty="0"/>
+          </a:p>
+        </p:txBody>
+      </p:sp>
+      <p:sp>
+        <p:nvSpPr>
+          <p:cNvPr id="4" name="Date Placeholder 3"/>
           <p:cNvSpPr>
             <a:spLocks noGrp="1"/>
           </p:cNvSpPr>
@@ -1764,7 +2692,7 @@
           <a:p>
             <a:fld id="{5BCAD085-E8A6-8845-BD4E-CB4CCA059FC4}" type="datetimeFigureOut">
               <a:rPr lang="en-US" smtClean="0"/>
-              <a:t>1/27/13</a:t>
+              <a:t>1/7/2024</a:t>
             </a:fld>
             <a:endParaRPr lang="en-US"/>
           </a:p>
@@ -1772,7 +2700,7 @@
       </p:sp>
       <p:sp>
         <p:nvSpPr>
-          <p:cNvPr id="8" name="Footer Placeholder 7"/>
+          <p:cNvPr id="5" name="Footer Placeholder 4"/>
           <p:cNvSpPr>
             <a:spLocks noGrp="1"/>
           </p:cNvSpPr>
@@ -1791,7 +2719,7 @@
       </p:sp>
       <p:sp>
         <p:nvSpPr>
-          <p:cNvPr id="9" name="Slide Number Placeholder 8"/>
+          <p:cNvPr id="6" name="Slide Number Placeholder 5"/>
           <p:cNvSpPr>
             <a:spLocks noGrp="1"/>
           </p:cNvSpPr>
@@ -1815,7 +2743,7 @@
     </p:spTree>
     <p:extLst>
       <p:ext uri="{BB962C8B-B14F-4D97-AF65-F5344CB8AC3E}">
-        <p14:creationId xmlns:p14="http://schemas.microsoft.com/office/powerpoint/2010/main" val="990158736"/>
+        <p14:creationId xmlns:p14="http://schemas.microsoft.com/office/powerpoint/2010/main" val="3001727879"/>
       </p:ext>
     </p:extLst>
   </p:cSld>
@@ -1825,9 +2753,9 @@
 </p:sldLayout>
 </file>
 
-<file path=ppt/slideLayouts/slideLayout6.xml><?xml version="1.0" encoding="utf-8"?>
-<p:sldLayout xmlns:a="http://schemas.openxmlformats.org/drawingml/2006/main" xmlns:r="http://schemas.openxmlformats.org/officeDocument/2006/relationships" xmlns:p="http://schemas.openxmlformats.org/presentationml/2006/main" type="titleOnly" preserve="1">
-  <p:cSld name="Title Only">
+<file path=ppt/slideLayouts/slideLayout16.xml><?xml version="1.0" encoding="utf-8"?>
+<p:sldLayout xmlns:a="http://schemas.openxmlformats.org/drawingml/2006/main" xmlns:r="http://schemas.openxmlformats.org/officeDocument/2006/relationships" xmlns:p="http://schemas.openxmlformats.org/presentationml/2006/main" type="vertTitleAndTx" preserve="1">
+  <p:cSld name="Вертикальный заголовок и текст">
     <p:spTree>
       <p:nvGrpSpPr>
         <p:cNvPr id="1" name=""/>
@@ -1844,30 +2772,92 @@
       </p:grpSpPr>
       <p:sp>
         <p:nvSpPr>
-          <p:cNvPr id="2" name="Title 1"/>
-          <p:cNvSpPr>
-            <a:spLocks noGrp="1"/>
-          </p:cNvSpPr>
-          <p:nvPr>
-            <p:ph type="title"/>
-          </p:nvPr>
-        </p:nvSpPr>
-        <p:spPr/>
-        <p:txBody>
-          <a:bodyPr/>
-          <a:lstStyle/>
-          <a:p>
-            <a:r>
-              <a:rPr lang="en-US" smtClean="0"/>
-              <a:t>Click to edit Master title style</a:t>
-            </a:r>
-            <a:endParaRPr lang="en-US"/>
-          </a:p>
-        </p:txBody>
-      </p:sp>
-      <p:sp>
-        <p:nvSpPr>
-          <p:cNvPr id="3" name="Date Placeholder 2"/>
+          <p:cNvPr id="2" name="Vertical Title 1"/>
+          <p:cNvSpPr>
+            <a:spLocks noGrp="1"/>
+          </p:cNvSpPr>
+          <p:nvPr>
+            <p:ph type="title" orient="vert"/>
+          </p:nvPr>
+        </p:nvSpPr>
+        <p:spPr>
+          <a:xfrm>
+            <a:off x="5977312" y="609600"/>
+            <a:ext cx="978812" cy="5251451"/>
+          </a:xfrm>
+        </p:spPr>
+        <p:txBody>
+          <a:bodyPr vert="eaVert" anchor="ctr"/>
+          <a:lstStyle/>
+          <a:p>
+            <a:r>
+              <a:rPr lang="ru-RU"/>
+              <a:t>Образец заголовка</a:t>
+            </a:r>
+            <a:endParaRPr lang="en-US" dirty="0"/>
+          </a:p>
+        </p:txBody>
+      </p:sp>
+      <p:sp>
+        <p:nvSpPr>
+          <p:cNvPr id="3" name="Vertical Text Placeholder 2"/>
+          <p:cNvSpPr>
+            <a:spLocks noGrp="1"/>
+          </p:cNvSpPr>
+          <p:nvPr>
+            <p:ph type="body" orient="vert" idx="1"/>
+          </p:nvPr>
+        </p:nvSpPr>
+        <p:spPr>
+          <a:xfrm>
+            <a:off x="609599" y="609600"/>
+            <a:ext cx="5195026" cy="5251451"/>
+          </a:xfrm>
+        </p:spPr>
+        <p:txBody>
+          <a:bodyPr vert="eaVert"/>
+          <a:lstStyle/>
+          <a:p>
+            <a:pPr lvl="0"/>
+            <a:r>
+              <a:rPr lang="ru-RU"/>
+              <a:t>Образец текста</a:t>
+            </a:r>
+          </a:p>
+          <a:p>
+            <a:pPr lvl="1"/>
+            <a:r>
+              <a:rPr lang="ru-RU"/>
+              <a:t>Второй уровень</a:t>
+            </a:r>
+          </a:p>
+          <a:p>
+            <a:pPr lvl="2"/>
+            <a:r>
+              <a:rPr lang="ru-RU"/>
+              <a:t>Третий уровень</a:t>
+            </a:r>
+          </a:p>
+          <a:p>
+            <a:pPr lvl="3"/>
+            <a:r>
+              <a:rPr lang="ru-RU"/>
+              <a:t>Четвертый уровень</a:t>
+            </a:r>
+          </a:p>
+          <a:p>
+            <a:pPr lvl="4"/>
+            <a:r>
+              <a:rPr lang="ru-RU"/>
+              <a:t>Пятый уровень</a:t>
+            </a:r>
+            <a:endParaRPr lang="en-US" dirty="0"/>
+          </a:p>
+        </p:txBody>
+      </p:sp>
+      <p:sp>
+        <p:nvSpPr>
+          <p:cNvPr id="4" name="Date Placeholder 3"/>
           <p:cNvSpPr>
             <a:spLocks noGrp="1"/>
           </p:cNvSpPr>
@@ -1882,7 +2872,7 @@
           <a:p>
             <a:fld id="{5BCAD085-E8A6-8845-BD4E-CB4CCA059FC4}" type="datetimeFigureOut">
               <a:rPr lang="en-US" smtClean="0"/>
-              <a:t>1/27/13</a:t>
+              <a:t>1/7/2024</a:t>
             </a:fld>
             <a:endParaRPr lang="en-US"/>
           </a:p>
@@ -1890,7 +2880,7 @@
       </p:sp>
       <p:sp>
         <p:nvSpPr>
-          <p:cNvPr id="4" name="Footer Placeholder 3"/>
+          <p:cNvPr id="5" name="Footer Placeholder 4"/>
           <p:cNvSpPr>
             <a:spLocks noGrp="1"/>
           </p:cNvSpPr>
@@ -1909,7 +2899,7 @@
       </p:sp>
       <p:sp>
         <p:nvSpPr>
-          <p:cNvPr id="5" name="Slide Number Placeholder 4"/>
+          <p:cNvPr id="6" name="Slide Number Placeholder 5"/>
           <p:cNvSpPr>
             <a:spLocks noGrp="1"/>
           </p:cNvSpPr>
@@ -1933,7 +2923,7 @@
     </p:spTree>
     <p:extLst>
       <p:ext uri="{BB962C8B-B14F-4D97-AF65-F5344CB8AC3E}">
-        <p14:creationId xmlns:p14="http://schemas.microsoft.com/office/powerpoint/2010/main" val="727027711"/>
+        <p14:creationId xmlns:p14="http://schemas.microsoft.com/office/powerpoint/2010/main" val="4016254229"/>
       </p:ext>
     </p:extLst>
   </p:cSld>
@@ -1943,9 +2933,9 @@
 </p:sldLayout>
 </file>
 
-<file path=ppt/slideLayouts/slideLayout7.xml><?xml version="1.0" encoding="utf-8"?>
-<p:sldLayout xmlns:a="http://schemas.openxmlformats.org/drawingml/2006/main" xmlns:r="http://schemas.openxmlformats.org/officeDocument/2006/relationships" xmlns:p="http://schemas.openxmlformats.org/presentationml/2006/main" type="blank" preserve="1">
-  <p:cSld name="Blank">
+<file path=ppt/slideLayouts/slideLayout2.xml><?xml version="1.0" encoding="utf-8"?>
+<p:sldLayout xmlns:a="http://schemas.openxmlformats.org/drawingml/2006/main" xmlns:r="http://schemas.openxmlformats.org/officeDocument/2006/relationships" xmlns:p="http://schemas.openxmlformats.org/presentationml/2006/main" type="obj" preserve="1">
+  <p:cSld name="Заголовок и объект">
     <p:spTree>
       <p:nvGrpSpPr>
         <p:cNvPr id="1" name=""/>
@@ -1962,7 +2952,82 @@
       </p:grpSpPr>
       <p:sp>
         <p:nvSpPr>
-          <p:cNvPr id="2" name="Date Placeholder 1"/>
+          <p:cNvPr id="2" name="Title 1"/>
+          <p:cNvSpPr>
+            <a:spLocks noGrp="1"/>
+          </p:cNvSpPr>
+          <p:nvPr>
+            <p:ph type="title"/>
+          </p:nvPr>
+        </p:nvSpPr>
+        <p:spPr/>
+        <p:txBody>
+          <a:bodyPr/>
+          <a:lstStyle/>
+          <a:p>
+            <a:r>
+              <a:rPr lang="ru-RU"/>
+              <a:t>Образец заголовка</a:t>
+            </a:r>
+            <a:endParaRPr lang="en-US" dirty="0"/>
+          </a:p>
+        </p:txBody>
+      </p:sp>
+      <p:sp>
+        <p:nvSpPr>
+          <p:cNvPr id="3" name="Content Placeholder 2"/>
+          <p:cNvSpPr>
+            <a:spLocks noGrp="1"/>
+          </p:cNvSpPr>
+          <p:nvPr>
+            <p:ph idx="1"/>
+          </p:nvPr>
+        </p:nvSpPr>
+        <p:spPr/>
+        <p:txBody>
+          <a:bodyPr/>
+          <a:lstStyle/>
+          <a:p>
+            <a:pPr lvl="0"/>
+            <a:r>
+              <a:rPr lang="ru-RU"/>
+              <a:t>Образец текста</a:t>
+            </a:r>
+          </a:p>
+          <a:p>
+            <a:pPr lvl="1"/>
+            <a:r>
+              <a:rPr lang="ru-RU"/>
+              <a:t>Второй уровень</a:t>
+            </a:r>
+          </a:p>
+          <a:p>
+            <a:pPr lvl="2"/>
+            <a:r>
+              <a:rPr lang="ru-RU"/>
+              <a:t>Третий уровень</a:t>
+            </a:r>
+          </a:p>
+          <a:p>
+            <a:pPr lvl="3"/>
+            <a:r>
+              <a:rPr lang="ru-RU"/>
+              <a:t>Четвертый уровень</a:t>
+            </a:r>
+          </a:p>
+          <a:p>
+            <a:pPr lvl="4"/>
+            <a:r>
+              <a:rPr lang="ru-RU"/>
+              <a:t>Пятый уровень</a:t>
+            </a:r>
+            <a:endParaRPr lang="en-US" dirty="0"/>
+          </a:p>
+        </p:txBody>
+      </p:sp>
+      <p:sp>
+        <p:nvSpPr>
+          <p:cNvPr id="4" name="Date Placeholder 3"/>
           <p:cNvSpPr>
             <a:spLocks noGrp="1"/>
           </p:cNvSpPr>
@@ -1977,7 +3042,7 @@
           <a:p>
             <a:fld id="{5BCAD085-E8A6-8845-BD4E-CB4CCA059FC4}" type="datetimeFigureOut">
               <a:rPr lang="en-US" smtClean="0"/>
-              <a:t>1/27/13</a:t>
+              <a:t>1/7/2024</a:t>
             </a:fld>
             <a:endParaRPr lang="en-US"/>
           </a:p>
@@ -1985,7 +3050,7 @@
       </p:sp>
       <p:sp>
         <p:nvSpPr>
-          <p:cNvPr id="3" name="Footer Placeholder 2"/>
+          <p:cNvPr id="5" name="Footer Placeholder 4"/>
           <p:cNvSpPr>
             <a:spLocks noGrp="1"/>
           </p:cNvSpPr>
@@ -2004,7 +3069,7 @@
       </p:sp>
       <p:sp>
         <p:nvSpPr>
-          <p:cNvPr id="4" name="Slide Number Placeholder 3"/>
+          <p:cNvPr id="6" name="Slide Number Placeholder 5"/>
           <p:cNvSpPr>
             <a:spLocks noGrp="1"/>
           </p:cNvSpPr>
@@ -2028,7 +3093,7 @@
     </p:spTree>
     <p:extLst>
       <p:ext uri="{BB962C8B-B14F-4D97-AF65-F5344CB8AC3E}">
-        <p14:creationId xmlns:p14="http://schemas.microsoft.com/office/powerpoint/2010/main" val="1212999818"/>
+        <p14:creationId xmlns:p14="http://schemas.microsoft.com/office/powerpoint/2010/main" val="3926447794"/>
       </p:ext>
     </p:extLst>
   </p:cSld>
@@ -2038,9 +3103,9 @@
 </p:sldLayout>
 </file>
 
-<file path=ppt/slideLayouts/slideLayout8.xml><?xml version="1.0" encoding="utf-8"?>
-<p:sldLayout xmlns:a="http://schemas.openxmlformats.org/drawingml/2006/main" xmlns:r="http://schemas.openxmlformats.org/officeDocument/2006/relationships" xmlns:p="http://schemas.openxmlformats.org/presentationml/2006/main" type="objTx" preserve="1">
-  <p:cSld name="Content with Caption">
+<file path=ppt/slideLayouts/slideLayout3.xml><?xml version="1.0" encoding="utf-8"?>
+<p:sldLayout xmlns:a="http://schemas.openxmlformats.org/drawingml/2006/main" xmlns:r="http://schemas.openxmlformats.org/officeDocument/2006/relationships" xmlns:p="http://schemas.openxmlformats.org/presentationml/2006/main" type="secHead" preserve="1">
+  <p:cSld name="Заголовок раздела">
     <p:spTree>
       <p:nvGrpSpPr>
         <p:cNvPr id="1" name=""/>
@@ -2067,179 +3132,149 @@
         </p:nvSpPr>
         <p:spPr>
           <a:xfrm>
-            <a:off x="457200" y="273050"/>
-            <a:ext cx="3008313" cy="1162050"/>
+            <a:off x="609598" y="2700868"/>
+            <a:ext cx="6347715" cy="1826581"/>
           </a:xfrm>
         </p:spPr>
         <p:txBody>
           <a:bodyPr anchor="b"/>
           <a:lstStyle>
             <a:lvl1pPr algn="l">
-              <a:defRPr sz="2000" b="1"/>
+              <a:defRPr sz="4000" b="0" cap="none"/>
             </a:lvl1pPr>
           </a:lstStyle>
           <a:p>
             <a:r>
-              <a:rPr lang="en-US" smtClean="0"/>
-              <a:t>Click to edit Master title style</a:t>
-            </a:r>
-            <a:endParaRPr lang="en-US"/>
-          </a:p>
-        </p:txBody>
-      </p:sp>
-      <p:sp>
-        <p:nvSpPr>
-          <p:cNvPr id="3" name="Content Placeholder 2"/>
-          <p:cNvSpPr>
-            <a:spLocks noGrp="1"/>
-          </p:cNvSpPr>
-          <p:nvPr>
-            <p:ph idx="1"/>
+              <a:rPr lang="ru-RU"/>
+              <a:t>Образец заголовка</a:t>
+            </a:r>
+            <a:endParaRPr lang="en-US" dirty="0"/>
+          </a:p>
+        </p:txBody>
+      </p:sp>
+      <p:sp>
+        <p:nvSpPr>
+          <p:cNvPr id="3" name="Text Placeholder 2"/>
+          <p:cNvSpPr>
+            <a:spLocks noGrp="1"/>
+          </p:cNvSpPr>
+          <p:nvPr>
+            <p:ph type="body" idx="1"/>
           </p:nvPr>
         </p:nvSpPr>
         <p:spPr>
           <a:xfrm>
-            <a:off x="3575050" y="273050"/>
-            <a:ext cx="5111750" cy="5853113"/>
+            <a:off x="609598" y="4527448"/>
+            <a:ext cx="6347715" cy="860400"/>
           </a:xfrm>
         </p:spPr>
         <p:txBody>
-          <a:bodyPr/>
+          <a:bodyPr anchor="t"/>
           <a:lstStyle>
-            <a:lvl1pPr>
-              <a:defRPr sz="3200"/>
+            <a:lvl1pPr marL="0" indent="0" algn="l">
+              <a:buNone/>
+              <a:defRPr sz="2000">
+                <a:solidFill>
+                  <a:schemeClr val="tx1">
+                    <a:lumMod val="50000"/>
+                    <a:lumOff val="50000"/>
+                  </a:schemeClr>
+                </a:solidFill>
+              </a:defRPr>
             </a:lvl1pPr>
-            <a:lvl2pPr>
-              <a:defRPr sz="2800"/>
+            <a:lvl2pPr marL="457200" indent="0">
+              <a:buNone/>
+              <a:defRPr sz="1800">
+                <a:solidFill>
+                  <a:schemeClr val="tx1">
+                    <a:tint val="75000"/>
+                  </a:schemeClr>
+                </a:solidFill>
+              </a:defRPr>
             </a:lvl2pPr>
-            <a:lvl3pPr>
-              <a:defRPr sz="2400"/>
+            <a:lvl3pPr marL="914400" indent="0">
+              <a:buNone/>
+              <a:defRPr sz="1600">
+                <a:solidFill>
+                  <a:schemeClr val="tx1">
+                    <a:tint val="75000"/>
+                  </a:schemeClr>
+                </a:solidFill>
+              </a:defRPr>
             </a:lvl3pPr>
-            <a:lvl4pPr>
-              <a:defRPr sz="2000"/>
+            <a:lvl4pPr marL="1371600" indent="0">
+              <a:buNone/>
+              <a:defRPr sz="1400">
+                <a:solidFill>
+                  <a:schemeClr val="tx1">
+                    <a:tint val="75000"/>
+                  </a:schemeClr>
+                </a:solidFill>
+              </a:defRPr>
             </a:lvl4pPr>
-            <a:lvl5pPr>
-              <a:defRPr sz="2000"/>
+            <a:lvl5pPr marL="1828800" indent="0">
+              <a:buNone/>
+              <a:defRPr sz="1400">
+                <a:solidFill>
+                  <a:schemeClr val="tx1">
+                    <a:tint val="75000"/>
+                  </a:schemeClr>
+                </a:solidFill>
+              </a:defRPr>
             </a:lvl5pPr>
-            <a:lvl6pPr>
-              <a:defRPr sz="2000"/>
+            <a:lvl6pPr marL="2286000" indent="0">
+              <a:buNone/>
+              <a:defRPr sz="1400">
+                <a:solidFill>
+                  <a:schemeClr val="tx1">
+                    <a:tint val="75000"/>
+                  </a:schemeClr>
+                </a:solidFill>
+              </a:defRPr>
             </a:lvl6pPr>
-            <a:lvl7pPr>
-              <a:defRPr sz="2000"/>
+            <a:lvl7pPr marL="2743200" indent="0">
+              <a:buNone/>
+              <a:defRPr sz="1400">
+                <a:solidFill>
+                  <a:schemeClr val="tx1">
+                    <a:tint val="75000"/>
+                  </a:schemeClr>
+                </a:solidFill>
+              </a:defRPr>
             </a:lvl7pPr>
-            <a:lvl8pPr>
-              <a:defRPr sz="2000"/>
+            <a:lvl8pPr marL="3200400" indent="0">
+              <a:buNone/>
+              <a:defRPr sz="1400">
+                <a:solidFill>
+                  <a:schemeClr val="tx1">
+                    <a:tint val="75000"/>
+                  </a:schemeClr>
+                </a:solidFill>
+              </a:defRPr>
             </a:lvl8pPr>
-            <a:lvl9pPr>
-              <a:defRPr sz="2000"/>
+            <a:lvl9pPr marL="3657600" indent="0">
+              <a:buNone/>
+              <a:defRPr sz="1400">
+                <a:solidFill>
+                  <a:schemeClr val="tx1">
+                    <a:tint val="75000"/>
+                  </a:schemeClr>
+                </a:solidFill>
+              </a:defRPr>
             </a:lvl9pPr>
           </a:lstStyle>
           <a:p>
             <a:pPr lvl="0"/>
             <a:r>
-              <a:rPr lang="en-US" smtClean="0"/>
-              <a:t>Click to edit Master text styles</a:t>
-            </a:r>
-          </a:p>
-          <a:p>
-            <a:pPr lvl="1"/>
-            <a:r>
-              <a:rPr lang="en-US" smtClean="0"/>
-              <a:t>Second level</a:t>
-            </a:r>
-          </a:p>
-          <a:p>
-            <a:pPr lvl="2"/>
-            <a:r>
-              <a:rPr lang="en-US" smtClean="0"/>
-              <a:t>Third level</a:t>
-            </a:r>
-          </a:p>
-          <a:p>
-            <a:pPr lvl="3"/>
-            <a:r>
-              <a:rPr lang="en-US" smtClean="0"/>
-              <a:t>Fourth level</a:t>
-            </a:r>
-          </a:p>
-          <a:p>
-            <a:pPr lvl="4"/>
-            <a:r>
-              <a:rPr lang="en-US" smtClean="0"/>
-              <a:t>Fifth level</a:t>
-            </a:r>
-            <a:endParaRPr lang="en-US"/>
-          </a:p>
-        </p:txBody>
-      </p:sp>
-      <p:sp>
-        <p:nvSpPr>
-          <p:cNvPr id="4" name="Text Placeholder 3"/>
-          <p:cNvSpPr>
-            <a:spLocks noGrp="1"/>
-          </p:cNvSpPr>
-          <p:nvPr>
-            <p:ph type="body" sz="half" idx="2"/>
-          </p:nvPr>
-        </p:nvSpPr>
-        <p:spPr>
-          <a:xfrm>
-            <a:off x="457200" y="1435100"/>
-            <a:ext cx="3008313" cy="4691063"/>
-          </a:xfrm>
-        </p:spPr>
-        <p:txBody>
-          <a:bodyPr/>
-          <a:lstStyle>
-            <a:lvl1pPr marL="0" indent="0">
-              <a:buNone/>
-              <a:defRPr sz="1400"/>
-            </a:lvl1pPr>
-            <a:lvl2pPr marL="457200" indent="0">
-              <a:buNone/>
-              <a:defRPr sz="1200"/>
-            </a:lvl2pPr>
-            <a:lvl3pPr marL="914400" indent="0">
-              <a:buNone/>
-              <a:defRPr sz="1000"/>
-            </a:lvl3pPr>
-            <a:lvl4pPr marL="1371600" indent="0">
-              <a:buNone/>
-              <a:defRPr sz="900"/>
-            </a:lvl4pPr>
-            <a:lvl5pPr marL="1828800" indent="0">
-              <a:buNone/>
-              <a:defRPr sz="900"/>
-            </a:lvl5pPr>
-            <a:lvl6pPr marL="2286000" indent="0">
-              <a:buNone/>
-              <a:defRPr sz="900"/>
-            </a:lvl6pPr>
-            <a:lvl7pPr marL="2743200" indent="0">
-              <a:buNone/>
-              <a:defRPr sz="900"/>
-            </a:lvl7pPr>
-            <a:lvl8pPr marL="3200400" indent="0">
-              <a:buNone/>
-              <a:defRPr sz="900"/>
-            </a:lvl8pPr>
-            <a:lvl9pPr marL="3657600" indent="0">
-              <a:buNone/>
-              <a:defRPr sz="900"/>
-            </a:lvl9pPr>
-          </a:lstStyle>
-          <a:p>
-            <a:pPr lvl="0"/>
-            <a:r>
-              <a:rPr lang="en-US" smtClean="0"/>
-              <a:t>Click to edit Master text styles</a:t>
-            </a:r>
-          </a:p>
-        </p:txBody>
-      </p:sp>
-      <p:sp>
-        <p:nvSpPr>
-          <p:cNvPr id="5" name="Date Placeholder 4"/>
+              <a:rPr lang="ru-RU"/>
+              <a:t>Образец текста</a:t>
+            </a:r>
+          </a:p>
+        </p:txBody>
+      </p:sp>
+      <p:sp>
+        <p:nvSpPr>
+          <p:cNvPr id="4" name="Date Placeholder 3"/>
           <p:cNvSpPr>
             <a:spLocks noGrp="1"/>
           </p:cNvSpPr>
@@ -2254,7 +3289,7 @@
           <a:p>
             <a:fld id="{5BCAD085-E8A6-8845-BD4E-CB4CCA059FC4}" type="datetimeFigureOut">
               <a:rPr lang="en-US" smtClean="0"/>
-              <a:t>1/27/13</a:t>
+              <a:t>1/7/2024</a:t>
             </a:fld>
             <a:endParaRPr lang="en-US"/>
           </a:p>
@@ -2262,7 +3297,7 @@
       </p:sp>
       <p:sp>
         <p:nvSpPr>
-          <p:cNvPr id="6" name="Footer Placeholder 5"/>
+          <p:cNvPr id="5" name="Footer Placeholder 4"/>
           <p:cNvSpPr>
             <a:spLocks noGrp="1"/>
           </p:cNvSpPr>
@@ -2281,7 +3316,7 @@
       </p:sp>
       <p:sp>
         <p:nvSpPr>
-          <p:cNvPr id="7" name="Slide Number Placeholder 6"/>
+          <p:cNvPr id="6" name="Slide Number Placeholder 5"/>
           <p:cNvSpPr>
             <a:spLocks noGrp="1"/>
           </p:cNvSpPr>
@@ -2305,7 +3340,7 @@
     </p:spTree>
     <p:extLst>
       <p:ext uri="{BB962C8B-B14F-4D97-AF65-F5344CB8AC3E}">
-        <p14:creationId xmlns:p14="http://schemas.microsoft.com/office/powerpoint/2010/main" val="1840726560"/>
+        <p14:creationId xmlns:p14="http://schemas.microsoft.com/office/powerpoint/2010/main" val="3066535209"/>
       </p:ext>
     </p:extLst>
   </p:cSld>
@@ -2315,9 +3350,9 @@
 </p:sldLayout>
 </file>
 
-<file path=ppt/slideLayouts/slideLayout9.xml><?xml version="1.0" encoding="utf-8"?>
-<p:sldLayout xmlns:a="http://schemas.openxmlformats.org/drawingml/2006/main" xmlns:r="http://schemas.openxmlformats.org/officeDocument/2006/relationships" xmlns:p="http://schemas.openxmlformats.org/presentationml/2006/main" type="picTx" preserve="1">
-  <p:cSld name="Picture with Caption">
+<file path=ppt/slideLayouts/slideLayout4.xml><?xml version="1.0" encoding="utf-8"?>
+<p:sldLayout xmlns:a="http://schemas.openxmlformats.org/drawingml/2006/main" xmlns:r="http://schemas.openxmlformats.org/officeDocument/2006/relationships" xmlns:p="http://schemas.openxmlformats.org/presentationml/2006/main" type="twoObj" preserve="1">
+  <p:cSld name="Два объекта">
     <p:spTree>
       <p:nvGrpSpPr>
         <p:cNvPr id="1" name=""/>
@@ -2344,149 +3379,193 @@
         </p:nvSpPr>
         <p:spPr>
           <a:xfrm>
-            <a:off x="1792288" y="4800600"/>
-            <a:ext cx="5486400" cy="566738"/>
+            <a:off x="609600" y="609600"/>
+            <a:ext cx="6347714" cy="1320800"/>
           </a:xfrm>
         </p:spPr>
         <p:txBody>
-          <a:bodyPr anchor="b"/>
-          <a:lstStyle>
-            <a:lvl1pPr algn="l">
-              <a:defRPr sz="2000" b="1"/>
-            </a:lvl1pPr>
-          </a:lstStyle>
-          <a:p>
-            <a:r>
-              <a:rPr lang="en-US" smtClean="0"/>
-              <a:t>Click to edit Master title style</a:t>
-            </a:r>
-            <a:endParaRPr lang="en-US"/>
-          </a:p>
-        </p:txBody>
-      </p:sp>
-      <p:sp>
-        <p:nvSpPr>
-          <p:cNvPr id="3" name="Picture Placeholder 2"/>
-          <p:cNvSpPr>
-            <a:spLocks noGrp="1"/>
-          </p:cNvSpPr>
-          <p:nvPr>
-            <p:ph type="pic" idx="1"/>
+          <a:bodyPr/>
+          <a:lstStyle/>
+          <a:p>
+            <a:r>
+              <a:rPr lang="ru-RU"/>
+              <a:t>Образец заголовка</a:t>
+            </a:r>
+            <a:endParaRPr lang="en-US" dirty="0"/>
+          </a:p>
+        </p:txBody>
+      </p:sp>
+      <p:sp>
+        <p:nvSpPr>
+          <p:cNvPr id="3" name="Content Placeholder 2"/>
+          <p:cNvSpPr>
+            <a:spLocks noGrp="1"/>
+          </p:cNvSpPr>
+          <p:nvPr>
+            <p:ph sz="half" idx="1"/>
           </p:nvPr>
         </p:nvSpPr>
         <p:spPr>
           <a:xfrm>
-            <a:off x="1792288" y="612775"/>
-            <a:ext cx="5486400" cy="4114800"/>
+            <a:off x="609600" y="2160589"/>
+            <a:ext cx="3088109" cy="3880772"/>
           </a:xfrm>
         </p:spPr>
         <p:txBody>
-          <a:bodyPr/>
+          <a:bodyPr>
+            <a:normAutofit/>
+          </a:bodyPr>
           <a:lstStyle>
-            <a:lvl1pPr marL="0" indent="0">
-              <a:buNone/>
-              <a:defRPr sz="3200"/>
+            <a:lvl1pPr>
+              <a:defRPr sz="1800"/>
             </a:lvl1pPr>
-            <a:lvl2pPr marL="457200" indent="0">
-              <a:buNone/>
-              <a:defRPr sz="2800"/>
+            <a:lvl2pPr>
+              <a:defRPr sz="1600"/>
             </a:lvl2pPr>
-            <a:lvl3pPr marL="914400" indent="0">
-              <a:buNone/>
-              <a:defRPr sz="2400"/>
+            <a:lvl3pPr>
+              <a:defRPr sz="1400"/>
             </a:lvl3pPr>
-            <a:lvl4pPr marL="1371600" indent="0">
-              <a:buNone/>
-              <a:defRPr sz="2000"/>
+            <a:lvl4pPr>
+              <a:defRPr sz="1200"/>
             </a:lvl4pPr>
-            <a:lvl5pPr marL="1828800" indent="0">
-              <a:buNone/>
-              <a:defRPr sz="2000"/>
+            <a:lvl5pPr>
+              <a:defRPr sz="1200"/>
             </a:lvl5pPr>
-            <a:lvl6pPr marL="2286000" indent="0">
-              <a:buNone/>
-              <a:defRPr sz="2000"/>
+            <a:lvl6pPr>
+              <a:defRPr sz="1200"/>
             </a:lvl6pPr>
-            <a:lvl7pPr marL="2743200" indent="0">
-              <a:buNone/>
-              <a:defRPr sz="2000"/>
+            <a:lvl7pPr>
+              <a:defRPr sz="1200"/>
             </a:lvl7pPr>
-            <a:lvl8pPr marL="3200400" indent="0">
-              <a:buNone/>
-              <a:defRPr sz="2000"/>
+            <a:lvl8pPr>
+              <a:defRPr sz="1200"/>
             </a:lvl8pPr>
-            <a:lvl9pPr marL="3657600" indent="0">
-              <a:buNone/>
-              <a:defRPr sz="2000"/>
+            <a:lvl9pPr>
+              <a:defRPr sz="1200"/>
             </a:lvl9pPr>
           </a:lstStyle>
           <a:p>
-            <a:endParaRPr lang="en-US"/>
-          </a:p>
-        </p:txBody>
-      </p:sp>
-      <p:sp>
-        <p:nvSpPr>
-          <p:cNvPr id="4" name="Text Placeholder 3"/>
-          <p:cNvSpPr>
-            <a:spLocks noGrp="1"/>
-          </p:cNvSpPr>
-          <p:nvPr>
-            <p:ph type="body" sz="half" idx="2"/>
+            <a:pPr lvl="0"/>
+            <a:r>
+              <a:rPr lang="ru-RU"/>
+              <a:t>Образец текста</a:t>
+            </a:r>
+          </a:p>
+          <a:p>
+            <a:pPr lvl="1"/>
+            <a:r>
+              <a:rPr lang="ru-RU"/>
+              <a:t>Второй уровень</a:t>
+            </a:r>
+          </a:p>
+          <a:p>
+            <a:pPr lvl="2"/>
+            <a:r>
+              <a:rPr lang="ru-RU"/>
+              <a:t>Третий уровень</a:t>
+            </a:r>
+          </a:p>
+          <a:p>
+            <a:pPr lvl="3"/>
+            <a:r>
+              <a:rPr lang="ru-RU"/>
+              <a:t>Четвертый уровень</a:t>
+            </a:r>
+          </a:p>
+          <a:p>
+            <a:pPr lvl="4"/>
+            <a:r>
+              <a:rPr lang="ru-RU"/>
+              <a:t>Пятый уровень</a:t>
+            </a:r>
+            <a:endParaRPr lang="en-US" dirty="0"/>
+          </a:p>
+        </p:txBody>
+      </p:sp>
+      <p:sp>
+        <p:nvSpPr>
+          <p:cNvPr id="4" name="Content Placeholder 3"/>
+          <p:cNvSpPr>
+            <a:spLocks noGrp="1"/>
+          </p:cNvSpPr>
+          <p:nvPr>
+            <p:ph sz="half" idx="2"/>
           </p:nvPr>
         </p:nvSpPr>
         <p:spPr>
           <a:xfrm>
-            <a:off x="1792288" y="5367338"/>
-            <a:ext cx="5486400" cy="804862"/>
+            <a:off x="3869204" y="2160590"/>
+            <a:ext cx="3088110" cy="3880773"/>
           </a:xfrm>
         </p:spPr>
         <p:txBody>
-          <a:bodyPr/>
+          <a:bodyPr>
+            <a:normAutofit/>
+          </a:bodyPr>
           <a:lstStyle>
-            <a:lvl1pPr marL="0" indent="0">
-              <a:buNone/>
+            <a:lvl1pPr>
+              <a:defRPr sz="1800"/>
+            </a:lvl1pPr>
+            <a:lvl2pPr>
+              <a:defRPr sz="1600"/>
+            </a:lvl2pPr>
+            <a:lvl3pPr>
               <a:defRPr sz="1400"/>
-            </a:lvl1pPr>
-            <a:lvl2pPr marL="457200" indent="0">
-              <a:buNone/>
+            </a:lvl3pPr>
+            <a:lvl4pPr>
               <a:defRPr sz="1200"/>
-            </a:lvl2pPr>
-            <a:lvl3pPr marL="914400" indent="0">
-              <a:buNone/>
-              <a:defRPr sz="1000"/>
-            </a:lvl3pPr>
-            <a:lvl4pPr marL="1371600" indent="0">
-              <a:buNone/>
-              <a:defRPr sz="900"/>
             </a:lvl4pPr>
-            <a:lvl5pPr marL="1828800" indent="0">
-              <a:buNone/>
-              <a:defRPr sz="900"/>
+            <a:lvl5pPr>
+              <a:defRPr sz="1200"/>
             </a:lvl5pPr>
-            <a:lvl6pPr marL="2286000" indent="0">
-              <a:buNone/>
-              <a:defRPr sz="900"/>
+            <a:lvl6pPr>
+              <a:defRPr sz="1200"/>
             </a:lvl6pPr>
-            <a:lvl7pPr marL="2743200" indent="0">
-              <a:buNone/>
-              <a:defRPr sz="900"/>
+            <a:lvl7pPr>
+              <a:defRPr sz="1200"/>
             </a:lvl7pPr>
-            <a:lvl8pPr marL="3200400" indent="0">
-              <a:buNone/>
-              <a:defRPr sz="900"/>
+            <a:lvl8pPr>
+              <a:defRPr sz="1200"/>
             </a:lvl8pPr>
-            <a:lvl9pPr marL="3657600" indent="0">
-              <a:buNone/>
-              <a:defRPr sz="900"/>
+            <a:lvl9pPr>
+              <a:defRPr sz="1200"/>
             </a:lvl9pPr>
           </a:lstStyle>
           <a:p>
             <a:pPr lvl="0"/>
             <a:r>
-              <a:rPr lang="en-US" smtClean="0"/>
-              <a:t>Click to edit Master text styles</a:t>
-            </a:r>
+              <a:rPr lang="ru-RU"/>
+              <a:t>Образец текста</a:t>
+            </a:r>
+          </a:p>
+          <a:p>
+            <a:pPr lvl="1"/>
+            <a:r>
+              <a:rPr lang="ru-RU"/>
+              <a:t>Второй уровень</a:t>
+            </a:r>
+          </a:p>
+          <a:p>
+            <a:pPr lvl="2"/>
+            <a:r>
+              <a:rPr lang="ru-RU"/>
+              <a:t>Третий уровень</a:t>
+            </a:r>
+          </a:p>
+          <a:p>
+            <a:pPr lvl="3"/>
+            <a:r>
+              <a:rPr lang="ru-RU"/>
+              <a:t>Четвертый уровень</a:t>
+            </a:r>
+          </a:p>
+          <a:p>
+            <a:pPr lvl="4"/>
+            <a:r>
+              <a:rPr lang="ru-RU"/>
+              <a:t>Пятый уровень</a:t>
+            </a:r>
+            <a:endParaRPr lang="en-US" dirty="0"/>
           </a:p>
         </p:txBody>
       </p:sp>
@@ -2507,7 +3586,7 @@
           <a:p>
             <a:fld id="{5BCAD085-E8A6-8845-BD4E-CB4CCA059FC4}" type="datetimeFigureOut">
               <a:rPr lang="en-US" smtClean="0"/>
-              <a:t>1/27/13</a:t>
+              <a:t>1/7/2024</a:t>
             </a:fld>
             <a:endParaRPr lang="en-US"/>
           </a:p>
@@ -2558,7 +3637,1122 @@
     </p:spTree>
     <p:extLst>
       <p:ext uri="{BB962C8B-B14F-4D97-AF65-F5344CB8AC3E}">
-        <p14:creationId xmlns:p14="http://schemas.microsoft.com/office/powerpoint/2010/main" val="3889236939"/>
+        <p14:creationId xmlns:p14="http://schemas.microsoft.com/office/powerpoint/2010/main" val="3200777340"/>
+      </p:ext>
+    </p:extLst>
+  </p:cSld>
+  <p:clrMapOvr>
+    <a:masterClrMapping/>
+  </p:clrMapOvr>
+</p:sldLayout>
+</file>
+
+<file path=ppt/slideLayouts/slideLayout5.xml><?xml version="1.0" encoding="utf-8"?>
+<p:sldLayout xmlns:a="http://schemas.openxmlformats.org/drawingml/2006/main" xmlns:r="http://schemas.openxmlformats.org/officeDocument/2006/relationships" xmlns:p="http://schemas.openxmlformats.org/presentationml/2006/main" type="twoTxTwoObj" preserve="1">
+  <p:cSld name="Сравнение">
+    <p:spTree>
+      <p:nvGrpSpPr>
+        <p:cNvPr id="1" name=""/>
+        <p:cNvGrpSpPr/>
+        <p:nvPr/>
+      </p:nvGrpSpPr>
+      <p:grpSpPr>
+        <a:xfrm>
+          <a:off x="0" y="0"/>
+          <a:ext cx="0" cy="0"/>
+          <a:chOff x="0" y="0"/>
+          <a:chExt cx="0" cy="0"/>
+        </a:xfrm>
+      </p:grpSpPr>
+      <p:sp>
+        <p:nvSpPr>
+          <p:cNvPr id="2" name="Title 1"/>
+          <p:cNvSpPr>
+            <a:spLocks noGrp="1"/>
+          </p:cNvSpPr>
+          <p:nvPr>
+            <p:ph type="title"/>
+          </p:nvPr>
+        </p:nvSpPr>
+        <p:spPr>
+          <a:xfrm>
+            <a:off x="609599" y="609600"/>
+            <a:ext cx="6347713" cy="1320800"/>
+          </a:xfrm>
+        </p:spPr>
+        <p:txBody>
+          <a:bodyPr/>
+          <a:lstStyle>
+            <a:lvl1pPr>
+              <a:defRPr/>
+            </a:lvl1pPr>
+          </a:lstStyle>
+          <a:p>
+            <a:r>
+              <a:rPr lang="ru-RU"/>
+              <a:t>Образец заголовка</a:t>
+            </a:r>
+            <a:endParaRPr lang="en-US" dirty="0"/>
+          </a:p>
+        </p:txBody>
+      </p:sp>
+      <p:sp>
+        <p:nvSpPr>
+          <p:cNvPr id="3" name="Text Placeholder 2"/>
+          <p:cNvSpPr>
+            <a:spLocks noGrp="1"/>
+          </p:cNvSpPr>
+          <p:nvPr>
+            <p:ph type="body" idx="1"/>
+          </p:nvPr>
+        </p:nvSpPr>
+        <p:spPr>
+          <a:xfrm>
+            <a:off x="609599" y="2160983"/>
+            <a:ext cx="3090672" cy="576262"/>
+          </a:xfrm>
+        </p:spPr>
+        <p:txBody>
+          <a:bodyPr anchor="b">
+            <a:noAutofit/>
+          </a:bodyPr>
+          <a:lstStyle>
+            <a:lvl1pPr marL="0" indent="0">
+              <a:buNone/>
+              <a:defRPr sz="2400" b="0"/>
+            </a:lvl1pPr>
+            <a:lvl2pPr marL="457200" indent="0">
+              <a:buNone/>
+              <a:defRPr sz="2000" b="1"/>
+            </a:lvl2pPr>
+            <a:lvl3pPr marL="914400" indent="0">
+              <a:buNone/>
+              <a:defRPr sz="1800" b="1"/>
+            </a:lvl3pPr>
+            <a:lvl4pPr marL="1371600" indent="0">
+              <a:buNone/>
+              <a:defRPr sz="1600" b="1"/>
+            </a:lvl4pPr>
+            <a:lvl5pPr marL="1828800" indent="0">
+              <a:buNone/>
+              <a:defRPr sz="1600" b="1"/>
+            </a:lvl5pPr>
+            <a:lvl6pPr marL="2286000" indent="0">
+              <a:buNone/>
+              <a:defRPr sz="1600" b="1"/>
+            </a:lvl6pPr>
+            <a:lvl7pPr marL="2743200" indent="0">
+              <a:buNone/>
+              <a:defRPr sz="1600" b="1"/>
+            </a:lvl7pPr>
+            <a:lvl8pPr marL="3200400" indent="0">
+              <a:buNone/>
+              <a:defRPr sz="1600" b="1"/>
+            </a:lvl8pPr>
+            <a:lvl9pPr marL="3657600" indent="0">
+              <a:buNone/>
+              <a:defRPr sz="1600" b="1"/>
+            </a:lvl9pPr>
+          </a:lstStyle>
+          <a:p>
+            <a:pPr lvl="0"/>
+            <a:r>
+              <a:rPr lang="ru-RU"/>
+              <a:t>Образец текста</a:t>
+            </a:r>
+          </a:p>
+        </p:txBody>
+      </p:sp>
+      <p:sp>
+        <p:nvSpPr>
+          <p:cNvPr id="4" name="Content Placeholder 3"/>
+          <p:cNvSpPr>
+            <a:spLocks noGrp="1"/>
+          </p:cNvSpPr>
+          <p:nvPr>
+            <p:ph sz="half" idx="2"/>
+          </p:nvPr>
+        </p:nvSpPr>
+        <p:spPr>
+          <a:xfrm>
+            <a:off x="609599" y="2737246"/>
+            <a:ext cx="3090672" cy="3304117"/>
+          </a:xfrm>
+        </p:spPr>
+        <p:txBody>
+          <a:bodyPr>
+            <a:normAutofit/>
+          </a:bodyPr>
+          <a:lstStyle/>
+          <a:p>
+            <a:pPr lvl="0"/>
+            <a:r>
+              <a:rPr lang="ru-RU"/>
+              <a:t>Образец текста</a:t>
+            </a:r>
+          </a:p>
+          <a:p>
+            <a:pPr lvl="1"/>
+            <a:r>
+              <a:rPr lang="ru-RU"/>
+              <a:t>Второй уровень</a:t>
+            </a:r>
+          </a:p>
+          <a:p>
+            <a:pPr lvl="2"/>
+            <a:r>
+              <a:rPr lang="ru-RU"/>
+              <a:t>Третий уровень</a:t>
+            </a:r>
+          </a:p>
+          <a:p>
+            <a:pPr lvl="3"/>
+            <a:r>
+              <a:rPr lang="ru-RU"/>
+              <a:t>Четвертый уровень</a:t>
+            </a:r>
+          </a:p>
+          <a:p>
+            <a:pPr lvl="4"/>
+            <a:r>
+              <a:rPr lang="ru-RU"/>
+              <a:t>Пятый уровень</a:t>
+            </a:r>
+            <a:endParaRPr lang="en-US" dirty="0"/>
+          </a:p>
+        </p:txBody>
+      </p:sp>
+      <p:sp>
+        <p:nvSpPr>
+          <p:cNvPr id="5" name="Text Placeholder 4"/>
+          <p:cNvSpPr>
+            <a:spLocks noGrp="1"/>
+          </p:cNvSpPr>
+          <p:nvPr>
+            <p:ph type="body" sz="quarter" idx="3"/>
+          </p:nvPr>
+        </p:nvSpPr>
+        <p:spPr>
+          <a:xfrm>
+            <a:off x="3866640" y="2160983"/>
+            <a:ext cx="3090672" cy="576262"/>
+          </a:xfrm>
+        </p:spPr>
+        <p:txBody>
+          <a:bodyPr anchor="b">
+            <a:noAutofit/>
+          </a:bodyPr>
+          <a:lstStyle>
+            <a:lvl1pPr marL="0" indent="0">
+              <a:buNone/>
+              <a:defRPr sz="2400" b="0"/>
+            </a:lvl1pPr>
+            <a:lvl2pPr marL="457200" indent="0">
+              <a:buNone/>
+              <a:defRPr sz="2000" b="1"/>
+            </a:lvl2pPr>
+            <a:lvl3pPr marL="914400" indent="0">
+              <a:buNone/>
+              <a:defRPr sz="1800" b="1"/>
+            </a:lvl3pPr>
+            <a:lvl4pPr marL="1371600" indent="0">
+              <a:buNone/>
+              <a:defRPr sz="1600" b="1"/>
+            </a:lvl4pPr>
+            <a:lvl5pPr marL="1828800" indent="0">
+              <a:buNone/>
+              <a:defRPr sz="1600" b="1"/>
+            </a:lvl5pPr>
+            <a:lvl6pPr marL="2286000" indent="0">
+              <a:buNone/>
+              <a:defRPr sz="1600" b="1"/>
+            </a:lvl6pPr>
+            <a:lvl7pPr marL="2743200" indent="0">
+              <a:buNone/>
+              <a:defRPr sz="1600" b="1"/>
+            </a:lvl7pPr>
+            <a:lvl8pPr marL="3200400" indent="0">
+              <a:buNone/>
+              <a:defRPr sz="1600" b="1"/>
+            </a:lvl8pPr>
+            <a:lvl9pPr marL="3657600" indent="0">
+              <a:buNone/>
+              <a:defRPr sz="1600" b="1"/>
+            </a:lvl9pPr>
+          </a:lstStyle>
+          <a:p>
+            <a:pPr lvl="0"/>
+            <a:r>
+              <a:rPr lang="ru-RU"/>
+              <a:t>Образец текста</a:t>
+            </a:r>
+          </a:p>
+        </p:txBody>
+      </p:sp>
+      <p:sp>
+        <p:nvSpPr>
+          <p:cNvPr id="6" name="Content Placeholder 5"/>
+          <p:cNvSpPr>
+            <a:spLocks noGrp="1"/>
+          </p:cNvSpPr>
+          <p:nvPr>
+            <p:ph sz="quarter" idx="4"/>
+          </p:nvPr>
+        </p:nvSpPr>
+        <p:spPr>
+          <a:xfrm>
+            <a:off x="3866640" y="2737246"/>
+            <a:ext cx="3090672" cy="3304117"/>
+          </a:xfrm>
+        </p:spPr>
+        <p:txBody>
+          <a:bodyPr>
+            <a:normAutofit/>
+          </a:bodyPr>
+          <a:lstStyle/>
+          <a:p>
+            <a:pPr lvl="0"/>
+            <a:r>
+              <a:rPr lang="ru-RU"/>
+              <a:t>Образец текста</a:t>
+            </a:r>
+          </a:p>
+          <a:p>
+            <a:pPr lvl="1"/>
+            <a:r>
+              <a:rPr lang="ru-RU"/>
+              <a:t>Второй уровень</a:t>
+            </a:r>
+          </a:p>
+          <a:p>
+            <a:pPr lvl="2"/>
+            <a:r>
+              <a:rPr lang="ru-RU"/>
+              <a:t>Третий уровень</a:t>
+            </a:r>
+          </a:p>
+          <a:p>
+            <a:pPr lvl="3"/>
+            <a:r>
+              <a:rPr lang="ru-RU"/>
+              <a:t>Четвертый уровень</a:t>
+            </a:r>
+          </a:p>
+          <a:p>
+            <a:pPr lvl="4"/>
+            <a:r>
+              <a:rPr lang="ru-RU"/>
+              <a:t>Пятый уровень</a:t>
+            </a:r>
+            <a:endParaRPr lang="en-US" dirty="0"/>
+          </a:p>
+        </p:txBody>
+      </p:sp>
+      <p:sp>
+        <p:nvSpPr>
+          <p:cNvPr id="7" name="Date Placeholder 6"/>
+          <p:cNvSpPr>
+            <a:spLocks noGrp="1"/>
+          </p:cNvSpPr>
+          <p:nvPr>
+            <p:ph type="dt" sz="half" idx="10"/>
+          </p:nvPr>
+        </p:nvSpPr>
+        <p:spPr/>
+        <p:txBody>
+          <a:bodyPr/>
+          <a:lstStyle/>
+          <a:p>
+            <a:fld id="{5BCAD085-E8A6-8845-BD4E-CB4CCA059FC4}" type="datetimeFigureOut">
+              <a:rPr lang="en-US" smtClean="0"/>
+              <a:t>1/7/2024</a:t>
+            </a:fld>
+            <a:endParaRPr lang="en-US"/>
+          </a:p>
+        </p:txBody>
+      </p:sp>
+      <p:sp>
+        <p:nvSpPr>
+          <p:cNvPr id="8" name="Footer Placeholder 7"/>
+          <p:cNvSpPr>
+            <a:spLocks noGrp="1"/>
+          </p:cNvSpPr>
+          <p:nvPr>
+            <p:ph type="ftr" sz="quarter" idx="11"/>
+          </p:nvPr>
+        </p:nvSpPr>
+        <p:spPr/>
+        <p:txBody>
+          <a:bodyPr/>
+          <a:lstStyle/>
+          <a:p>
+            <a:endParaRPr lang="en-US"/>
+          </a:p>
+        </p:txBody>
+      </p:sp>
+      <p:sp>
+        <p:nvSpPr>
+          <p:cNvPr id="9" name="Slide Number Placeholder 8"/>
+          <p:cNvSpPr>
+            <a:spLocks noGrp="1"/>
+          </p:cNvSpPr>
+          <p:nvPr>
+            <p:ph type="sldNum" sz="quarter" idx="12"/>
+          </p:nvPr>
+        </p:nvSpPr>
+        <p:spPr/>
+        <p:txBody>
+          <a:bodyPr/>
+          <a:lstStyle/>
+          <a:p>
+            <a:fld id="{C1FF6DA9-008F-8B48-92A6-B652298478BF}" type="slidenum">
+              <a:rPr lang="en-US" smtClean="0"/>
+              <a:t>‹#›</a:t>
+            </a:fld>
+            <a:endParaRPr lang="en-US"/>
+          </a:p>
+        </p:txBody>
+      </p:sp>
+    </p:spTree>
+    <p:extLst>
+      <p:ext uri="{BB962C8B-B14F-4D97-AF65-F5344CB8AC3E}">
+        <p14:creationId xmlns:p14="http://schemas.microsoft.com/office/powerpoint/2010/main" val="1878767160"/>
+      </p:ext>
+    </p:extLst>
+  </p:cSld>
+  <p:clrMapOvr>
+    <a:masterClrMapping/>
+  </p:clrMapOvr>
+</p:sldLayout>
+</file>
+
+<file path=ppt/slideLayouts/slideLayout6.xml><?xml version="1.0" encoding="utf-8"?>
+<p:sldLayout xmlns:a="http://schemas.openxmlformats.org/drawingml/2006/main" xmlns:r="http://schemas.openxmlformats.org/officeDocument/2006/relationships" xmlns:p="http://schemas.openxmlformats.org/presentationml/2006/main" type="titleOnly" preserve="1">
+  <p:cSld name="Только заголовок">
+    <p:spTree>
+      <p:nvGrpSpPr>
+        <p:cNvPr id="1" name=""/>
+        <p:cNvGrpSpPr/>
+        <p:nvPr/>
+      </p:nvGrpSpPr>
+      <p:grpSpPr>
+        <a:xfrm>
+          <a:off x="0" y="0"/>
+          <a:ext cx="0" cy="0"/>
+          <a:chOff x="0" y="0"/>
+          <a:chExt cx="0" cy="0"/>
+        </a:xfrm>
+      </p:grpSpPr>
+      <p:sp>
+        <p:nvSpPr>
+          <p:cNvPr id="2" name="Title 1"/>
+          <p:cNvSpPr>
+            <a:spLocks noGrp="1"/>
+          </p:cNvSpPr>
+          <p:nvPr>
+            <p:ph type="title"/>
+          </p:nvPr>
+        </p:nvSpPr>
+        <p:spPr>
+          <a:xfrm>
+            <a:off x="609599" y="609600"/>
+            <a:ext cx="6347714" cy="1320800"/>
+          </a:xfrm>
+        </p:spPr>
+        <p:txBody>
+          <a:bodyPr/>
+          <a:lstStyle/>
+          <a:p>
+            <a:r>
+              <a:rPr lang="ru-RU"/>
+              <a:t>Образец заголовка</a:t>
+            </a:r>
+            <a:endParaRPr lang="en-US" dirty="0"/>
+          </a:p>
+        </p:txBody>
+      </p:sp>
+      <p:sp>
+        <p:nvSpPr>
+          <p:cNvPr id="3" name="Date Placeholder 2"/>
+          <p:cNvSpPr>
+            <a:spLocks noGrp="1"/>
+          </p:cNvSpPr>
+          <p:nvPr>
+            <p:ph type="dt" sz="half" idx="10"/>
+          </p:nvPr>
+        </p:nvSpPr>
+        <p:spPr/>
+        <p:txBody>
+          <a:bodyPr/>
+          <a:lstStyle/>
+          <a:p>
+            <a:fld id="{5BCAD085-E8A6-8845-BD4E-CB4CCA059FC4}" type="datetimeFigureOut">
+              <a:rPr lang="en-US" smtClean="0"/>
+              <a:t>1/7/2024</a:t>
+            </a:fld>
+            <a:endParaRPr lang="en-US"/>
+          </a:p>
+        </p:txBody>
+      </p:sp>
+      <p:sp>
+        <p:nvSpPr>
+          <p:cNvPr id="4" name="Footer Placeholder 3"/>
+          <p:cNvSpPr>
+            <a:spLocks noGrp="1"/>
+          </p:cNvSpPr>
+          <p:nvPr>
+            <p:ph type="ftr" sz="quarter" idx="11"/>
+          </p:nvPr>
+        </p:nvSpPr>
+        <p:spPr/>
+        <p:txBody>
+          <a:bodyPr/>
+          <a:lstStyle/>
+          <a:p>
+            <a:endParaRPr lang="en-US"/>
+          </a:p>
+        </p:txBody>
+      </p:sp>
+      <p:sp>
+        <p:nvSpPr>
+          <p:cNvPr id="5" name="Slide Number Placeholder 4"/>
+          <p:cNvSpPr>
+            <a:spLocks noGrp="1"/>
+          </p:cNvSpPr>
+          <p:nvPr>
+            <p:ph type="sldNum" sz="quarter" idx="12"/>
+          </p:nvPr>
+        </p:nvSpPr>
+        <p:spPr/>
+        <p:txBody>
+          <a:bodyPr/>
+          <a:lstStyle/>
+          <a:p>
+            <a:fld id="{C1FF6DA9-008F-8B48-92A6-B652298478BF}" type="slidenum">
+              <a:rPr lang="en-US" smtClean="0"/>
+              <a:t>‹#›</a:t>
+            </a:fld>
+            <a:endParaRPr lang="en-US"/>
+          </a:p>
+        </p:txBody>
+      </p:sp>
+    </p:spTree>
+    <p:extLst>
+      <p:ext uri="{BB962C8B-B14F-4D97-AF65-F5344CB8AC3E}">
+        <p14:creationId xmlns:p14="http://schemas.microsoft.com/office/powerpoint/2010/main" val="4236538261"/>
+      </p:ext>
+    </p:extLst>
+  </p:cSld>
+  <p:clrMapOvr>
+    <a:masterClrMapping/>
+  </p:clrMapOvr>
+</p:sldLayout>
+</file>
+
+<file path=ppt/slideLayouts/slideLayout7.xml><?xml version="1.0" encoding="utf-8"?>
+<p:sldLayout xmlns:a="http://schemas.openxmlformats.org/drawingml/2006/main" xmlns:r="http://schemas.openxmlformats.org/officeDocument/2006/relationships" xmlns:p="http://schemas.openxmlformats.org/presentationml/2006/main" type="blank" preserve="1">
+  <p:cSld name="Пустой слайд">
+    <p:spTree>
+      <p:nvGrpSpPr>
+        <p:cNvPr id="1" name=""/>
+        <p:cNvGrpSpPr/>
+        <p:nvPr/>
+      </p:nvGrpSpPr>
+      <p:grpSpPr>
+        <a:xfrm>
+          <a:off x="0" y="0"/>
+          <a:ext cx="0" cy="0"/>
+          <a:chOff x="0" y="0"/>
+          <a:chExt cx="0" cy="0"/>
+        </a:xfrm>
+      </p:grpSpPr>
+      <p:sp>
+        <p:nvSpPr>
+          <p:cNvPr id="2" name="Date Placeholder 1"/>
+          <p:cNvSpPr>
+            <a:spLocks noGrp="1"/>
+          </p:cNvSpPr>
+          <p:nvPr>
+            <p:ph type="dt" sz="half" idx="10"/>
+          </p:nvPr>
+        </p:nvSpPr>
+        <p:spPr/>
+        <p:txBody>
+          <a:bodyPr/>
+          <a:lstStyle/>
+          <a:p>
+            <a:fld id="{5BCAD085-E8A6-8845-BD4E-CB4CCA059FC4}" type="datetimeFigureOut">
+              <a:rPr lang="en-US" smtClean="0"/>
+              <a:t>1/7/2024</a:t>
+            </a:fld>
+            <a:endParaRPr lang="en-US"/>
+          </a:p>
+        </p:txBody>
+      </p:sp>
+      <p:sp>
+        <p:nvSpPr>
+          <p:cNvPr id="3" name="Footer Placeholder 2"/>
+          <p:cNvSpPr>
+            <a:spLocks noGrp="1"/>
+          </p:cNvSpPr>
+          <p:nvPr>
+            <p:ph type="ftr" sz="quarter" idx="11"/>
+          </p:nvPr>
+        </p:nvSpPr>
+        <p:spPr/>
+        <p:txBody>
+          <a:bodyPr/>
+          <a:lstStyle/>
+          <a:p>
+            <a:endParaRPr lang="en-US"/>
+          </a:p>
+        </p:txBody>
+      </p:sp>
+      <p:sp>
+        <p:nvSpPr>
+          <p:cNvPr id="4" name="Slide Number Placeholder 3"/>
+          <p:cNvSpPr>
+            <a:spLocks noGrp="1"/>
+          </p:cNvSpPr>
+          <p:nvPr>
+            <p:ph type="sldNum" sz="quarter" idx="12"/>
+          </p:nvPr>
+        </p:nvSpPr>
+        <p:spPr/>
+        <p:txBody>
+          <a:bodyPr/>
+          <a:lstStyle/>
+          <a:p>
+            <a:fld id="{C1FF6DA9-008F-8B48-92A6-B652298478BF}" type="slidenum">
+              <a:rPr lang="en-US" smtClean="0"/>
+              <a:t>‹#›</a:t>
+            </a:fld>
+            <a:endParaRPr lang="en-US"/>
+          </a:p>
+        </p:txBody>
+      </p:sp>
+    </p:spTree>
+    <p:extLst>
+      <p:ext uri="{BB962C8B-B14F-4D97-AF65-F5344CB8AC3E}">
+        <p14:creationId xmlns:p14="http://schemas.microsoft.com/office/powerpoint/2010/main" val="659407246"/>
+      </p:ext>
+    </p:extLst>
+  </p:cSld>
+  <p:clrMapOvr>
+    <a:masterClrMapping/>
+  </p:clrMapOvr>
+</p:sldLayout>
+</file>
+
+<file path=ppt/slideLayouts/slideLayout8.xml><?xml version="1.0" encoding="utf-8"?>
+<p:sldLayout xmlns:a="http://schemas.openxmlformats.org/drawingml/2006/main" xmlns:r="http://schemas.openxmlformats.org/officeDocument/2006/relationships" xmlns:p="http://schemas.openxmlformats.org/presentationml/2006/main" type="objTx" preserve="1">
+  <p:cSld name="Объект с подписью">
+    <p:spTree>
+      <p:nvGrpSpPr>
+        <p:cNvPr id="1" name=""/>
+        <p:cNvGrpSpPr/>
+        <p:nvPr/>
+      </p:nvGrpSpPr>
+      <p:grpSpPr>
+        <a:xfrm>
+          <a:off x="0" y="0"/>
+          <a:ext cx="0" cy="0"/>
+          <a:chOff x="0" y="0"/>
+          <a:chExt cx="0" cy="0"/>
+        </a:xfrm>
+      </p:grpSpPr>
+      <p:sp>
+        <p:nvSpPr>
+          <p:cNvPr id="2" name="Title 1"/>
+          <p:cNvSpPr>
+            <a:spLocks noGrp="1"/>
+          </p:cNvSpPr>
+          <p:nvPr>
+            <p:ph type="title"/>
+          </p:nvPr>
+        </p:nvSpPr>
+        <p:spPr>
+          <a:xfrm>
+            <a:off x="609599" y="1498604"/>
+            <a:ext cx="2790182" cy="1278466"/>
+          </a:xfrm>
+        </p:spPr>
+        <p:txBody>
+          <a:bodyPr anchor="b">
+            <a:normAutofit/>
+          </a:bodyPr>
+          <a:lstStyle>
+            <a:lvl1pPr>
+              <a:defRPr sz="2000"/>
+            </a:lvl1pPr>
+          </a:lstStyle>
+          <a:p>
+            <a:r>
+              <a:rPr lang="ru-RU"/>
+              <a:t>Образец заголовка</a:t>
+            </a:r>
+            <a:endParaRPr lang="en-US" dirty="0"/>
+          </a:p>
+        </p:txBody>
+      </p:sp>
+      <p:sp>
+        <p:nvSpPr>
+          <p:cNvPr id="3" name="Content Placeholder 2"/>
+          <p:cNvSpPr>
+            <a:spLocks noGrp="1"/>
+          </p:cNvSpPr>
+          <p:nvPr>
+            <p:ph idx="1"/>
+          </p:nvPr>
+        </p:nvSpPr>
+        <p:spPr>
+          <a:xfrm>
+            <a:off x="3571275" y="514925"/>
+            <a:ext cx="3386037" cy="5526437"/>
+          </a:xfrm>
+        </p:spPr>
+        <p:txBody>
+          <a:bodyPr>
+            <a:normAutofit/>
+          </a:bodyPr>
+          <a:lstStyle/>
+          <a:p>
+            <a:pPr lvl="0"/>
+            <a:r>
+              <a:rPr lang="ru-RU"/>
+              <a:t>Образец текста</a:t>
+            </a:r>
+          </a:p>
+          <a:p>
+            <a:pPr lvl="1"/>
+            <a:r>
+              <a:rPr lang="ru-RU"/>
+              <a:t>Второй уровень</a:t>
+            </a:r>
+          </a:p>
+          <a:p>
+            <a:pPr lvl="2"/>
+            <a:r>
+              <a:rPr lang="ru-RU"/>
+              <a:t>Третий уровень</a:t>
+            </a:r>
+          </a:p>
+          <a:p>
+            <a:pPr lvl="3"/>
+            <a:r>
+              <a:rPr lang="ru-RU"/>
+              <a:t>Четвертый уровень</a:t>
+            </a:r>
+          </a:p>
+          <a:p>
+            <a:pPr lvl="4"/>
+            <a:r>
+              <a:rPr lang="ru-RU"/>
+              <a:t>Пятый уровень</a:t>
+            </a:r>
+            <a:endParaRPr lang="en-US" dirty="0"/>
+          </a:p>
+        </p:txBody>
+      </p:sp>
+      <p:sp>
+        <p:nvSpPr>
+          <p:cNvPr id="4" name="Text Placeholder 3"/>
+          <p:cNvSpPr>
+            <a:spLocks noGrp="1"/>
+          </p:cNvSpPr>
+          <p:nvPr>
+            <p:ph type="body" sz="half" idx="2"/>
+          </p:nvPr>
+        </p:nvSpPr>
+        <p:spPr>
+          <a:xfrm>
+            <a:off x="609599" y="2777069"/>
+            <a:ext cx="2790182" cy="2584449"/>
+          </a:xfrm>
+        </p:spPr>
+        <p:txBody>
+          <a:bodyPr>
+            <a:normAutofit/>
+          </a:bodyPr>
+          <a:lstStyle>
+            <a:lvl1pPr marL="0" indent="0">
+              <a:buNone/>
+              <a:defRPr sz="1400"/>
+            </a:lvl1pPr>
+            <a:lvl2pPr marL="342900" indent="0">
+              <a:buNone/>
+              <a:defRPr sz="1050"/>
+            </a:lvl2pPr>
+            <a:lvl3pPr marL="685800" indent="0">
+              <a:buNone/>
+              <a:defRPr sz="900"/>
+            </a:lvl3pPr>
+            <a:lvl4pPr marL="1028700" indent="0">
+              <a:buNone/>
+              <a:defRPr sz="750"/>
+            </a:lvl4pPr>
+            <a:lvl5pPr marL="1371600" indent="0">
+              <a:buNone/>
+              <a:defRPr sz="750"/>
+            </a:lvl5pPr>
+            <a:lvl6pPr marL="1714500" indent="0">
+              <a:buNone/>
+              <a:defRPr sz="750"/>
+            </a:lvl6pPr>
+            <a:lvl7pPr marL="2057400" indent="0">
+              <a:buNone/>
+              <a:defRPr sz="750"/>
+            </a:lvl7pPr>
+            <a:lvl8pPr marL="2400300" indent="0">
+              <a:buNone/>
+              <a:defRPr sz="750"/>
+            </a:lvl8pPr>
+            <a:lvl9pPr marL="2743200" indent="0">
+              <a:buNone/>
+              <a:defRPr sz="750"/>
+            </a:lvl9pPr>
+          </a:lstStyle>
+          <a:p>
+            <a:pPr lvl="0"/>
+            <a:r>
+              <a:rPr lang="ru-RU"/>
+              <a:t>Образец текста</a:t>
+            </a:r>
+          </a:p>
+        </p:txBody>
+      </p:sp>
+      <p:sp>
+        <p:nvSpPr>
+          <p:cNvPr id="5" name="Date Placeholder 4"/>
+          <p:cNvSpPr>
+            <a:spLocks noGrp="1"/>
+          </p:cNvSpPr>
+          <p:nvPr>
+            <p:ph type="dt" sz="half" idx="10"/>
+          </p:nvPr>
+        </p:nvSpPr>
+        <p:spPr/>
+        <p:txBody>
+          <a:bodyPr/>
+          <a:lstStyle/>
+          <a:p>
+            <a:fld id="{5BCAD085-E8A6-8845-BD4E-CB4CCA059FC4}" type="datetimeFigureOut">
+              <a:rPr lang="en-US" smtClean="0"/>
+              <a:t>1/7/2024</a:t>
+            </a:fld>
+            <a:endParaRPr lang="en-US"/>
+          </a:p>
+        </p:txBody>
+      </p:sp>
+      <p:sp>
+        <p:nvSpPr>
+          <p:cNvPr id="6" name="Footer Placeholder 5"/>
+          <p:cNvSpPr>
+            <a:spLocks noGrp="1"/>
+          </p:cNvSpPr>
+          <p:nvPr>
+            <p:ph type="ftr" sz="quarter" idx="11"/>
+          </p:nvPr>
+        </p:nvSpPr>
+        <p:spPr/>
+        <p:txBody>
+          <a:bodyPr/>
+          <a:lstStyle/>
+          <a:p>
+            <a:endParaRPr lang="en-US"/>
+          </a:p>
+        </p:txBody>
+      </p:sp>
+      <p:sp>
+        <p:nvSpPr>
+          <p:cNvPr id="7" name="Slide Number Placeholder 6"/>
+          <p:cNvSpPr>
+            <a:spLocks noGrp="1"/>
+          </p:cNvSpPr>
+          <p:nvPr>
+            <p:ph type="sldNum" sz="quarter" idx="12"/>
+          </p:nvPr>
+        </p:nvSpPr>
+        <p:spPr/>
+        <p:txBody>
+          <a:bodyPr/>
+          <a:lstStyle/>
+          <a:p>
+            <a:fld id="{C1FF6DA9-008F-8B48-92A6-B652298478BF}" type="slidenum">
+              <a:rPr lang="en-US" smtClean="0"/>
+              <a:t>‹#›</a:t>
+            </a:fld>
+            <a:endParaRPr lang="en-US"/>
+          </a:p>
+        </p:txBody>
+      </p:sp>
+    </p:spTree>
+    <p:extLst>
+      <p:ext uri="{BB962C8B-B14F-4D97-AF65-F5344CB8AC3E}">
+        <p14:creationId xmlns:p14="http://schemas.microsoft.com/office/powerpoint/2010/main" val="4129992876"/>
+      </p:ext>
+    </p:extLst>
+  </p:cSld>
+  <p:clrMapOvr>
+    <a:masterClrMapping/>
+  </p:clrMapOvr>
+</p:sldLayout>
+</file>
+
+<file path=ppt/slideLayouts/slideLayout9.xml><?xml version="1.0" encoding="utf-8"?>
+<p:sldLayout xmlns:a="http://schemas.openxmlformats.org/drawingml/2006/main" xmlns:r="http://schemas.openxmlformats.org/officeDocument/2006/relationships" xmlns:p="http://schemas.openxmlformats.org/presentationml/2006/main" type="picTx" preserve="1">
+  <p:cSld name="Рисунок с подписью">
+    <p:spTree>
+      <p:nvGrpSpPr>
+        <p:cNvPr id="1" name=""/>
+        <p:cNvGrpSpPr/>
+        <p:nvPr/>
+      </p:nvGrpSpPr>
+      <p:grpSpPr>
+        <a:xfrm>
+          <a:off x="0" y="0"/>
+          <a:ext cx="0" cy="0"/>
+          <a:chOff x="0" y="0"/>
+          <a:chExt cx="0" cy="0"/>
+        </a:xfrm>
+      </p:grpSpPr>
+      <p:sp>
+        <p:nvSpPr>
+          <p:cNvPr id="2" name="Title 1"/>
+          <p:cNvSpPr>
+            <a:spLocks noGrp="1"/>
+          </p:cNvSpPr>
+          <p:nvPr>
+            <p:ph type="title"/>
+          </p:nvPr>
+        </p:nvSpPr>
+        <p:spPr>
+          <a:xfrm>
+            <a:off x="609599" y="4800600"/>
+            <a:ext cx="6347714" cy="566738"/>
+          </a:xfrm>
+        </p:spPr>
+        <p:txBody>
+          <a:bodyPr anchor="b">
+            <a:normAutofit/>
+          </a:bodyPr>
+          <a:lstStyle>
+            <a:lvl1pPr algn="l">
+              <a:defRPr sz="2400" b="0"/>
+            </a:lvl1pPr>
+          </a:lstStyle>
+          <a:p>
+            <a:r>
+              <a:rPr lang="ru-RU"/>
+              <a:t>Образец заголовка</a:t>
+            </a:r>
+            <a:endParaRPr lang="en-US" dirty="0"/>
+          </a:p>
+        </p:txBody>
+      </p:sp>
+      <p:sp>
+        <p:nvSpPr>
+          <p:cNvPr id="3" name="Picture Placeholder 2"/>
+          <p:cNvSpPr>
+            <a:spLocks noGrp="1" noChangeAspect="1"/>
+          </p:cNvSpPr>
+          <p:nvPr>
+            <p:ph type="pic" idx="1"/>
+          </p:nvPr>
+        </p:nvSpPr>
+        <p:spPr>
+          <a:xfrm>
+            <a:off x="609599" y="609600"/>
+            <a:ext cx="6347714" cy="3845718"/>
+          </a:xfrm>
+        </p:spPr>
+        <p:txBody>
+          <a:bodyPr anchor="t">
+            <a:normAutofit/>
+          </a:bodyPr>
+          <a:lstStyle>
+            <a:lvl1pPr marL="0" indent="0" algn="ctr">
+              <a:buNone/>
+              <a:defRPr sz="1600"/>
+            </a:lvl1pPr>
+            <a:lvl2pPr marL="457200" indent="0">
+              <a:buNone/>
+              <a:defRPr sz="1600"/>
+            </a:lvl2pPr>
+            <a:lvl3pPr marL="914400" indent="0">
+              <a:buNone/>
+              <a:defRPr sz="1600"/>
+            </a:lvl3pPr>
+            <a:lvl4pPr marL="1371600" indent="0">
+              <a:buNone/>
+              <a:defRPr sz="1600"/>
+            </a:lvl4pPr>
+            <a:lvl5pPr marL="1828800" indent="0">
+              <a:buNone/>
+              <a:defRPr sz="1600"/>
+            </a:lvl5pPr>
+            <a:lvl6pPr marL="2286000" indent="0">
+              <a:buNone/>
+              <a:defRPr sz="1600"/>
+            </a:lvl6pPr>
+            <a:lvl7pPr marL="2743200" indent="0">
+              <a:buNone/>
+              <a:defRPr sz="1600"/>
+            </a:lvl7pPr>
+            <a:lvl8pPr marL="3200400" indent="0">
+              <a:buNone/>
+              <a:defRPr sz="1600"/>
+            </a:lvl8pPr>
+            <a:lvl9pPr marL="3657600" indent="0">
+              <a:buNone/>
+              <a:defRPr sz="1600"/>
+            </a:lvl9pPr>
+          </a:lstStyle>
+          <a:p>
+            <a:r>
+              <a:rPr lang="ru-RU"/>
+              <a:t>Вставка рисунка</a:t>
+            </a:r>
+            <a:endParaRPr lang="en-US" dirty="0"/>
+          </a:p>
+        </p:txBody>
+      </p:sp>
+      <p:sp>
+        <p:nvSpPr>
+          <p:cNvPr id="4" name="Text Placeholder 3"/>
+          <p:cNvSpPr>
+            <a:spLocks noGrp="1"/>
+          </p:cNvSpPr>
+          <p:nvPr>
+            <p:ph type="body" sz="half" idx="2"/>
+          </p:nvPr>
+        </p:nvSpPr>
+        <p:spPr>
+          <a:xfrm>
+            <a:off x="609599" y="5367338"/>
+            <a:ext cx="6347714" cy="674024"/>
+          </a:xfrm>
+        </p:spPr>
+        <p:txBody>
+          <a:bodyPr>
+            <a:normAutofit/>
+          </a:bodyPr>
+          <a:lstStyle>
+            <a:lvl1pPr marL="0" indent="0">
+              <a:buNone/>
+              <a:defRPr sz="1200"/>
+            </a:lvl1pPr>
+            <a:lvl2pPr marL="457200" indent="0">
+              <a:buNone/>
+              <a:defRPr sz="1200"/>
+            </a:lvl2pPr>
+            <a:lvl3pPr marL="914400" indent="0">
+              <a:buNone/>
+              <a:defRPr sz="1000"/>
+            </a:lvl3pPr>
+            <a:lvl4pPr marL="1371600" indent="0">
+              <a:buNone/>
+              <a:defRPr sz="900"/>
+            </a:lvl4pPr>
+            <a:lvl5pPr marL="1828800" indent="0">
+              <a:buNone/>
+              <a:defRPr sz="900"/>
+            </a:lvl5pPr>
+            <a:lvl6pPr marL="2286000" indent="0">
+              <a:buNone/>
+              <a:defRPr sz="900"/>
+            </a:lvl6pPr>
+            <a:lvl7pPr marL="2743200" indent="0">
+              <a:buNone/>
+              <a:defRPr sz="900"/>
+            </a:lvl7pPr>
+            <a:lvl8pPr marL="3200400" indent="0">
+              <a:buNone/>
+              <a:defRPr sz="900"/>
+            </a:lvl8pPr>
+            <a:lvl9pPr marL="3657600" indent="0">
+              <a:buNone/>
+              <a:defRPr sz="900"/>
+            </a:lvl9pPr>
+          </a:lstStyle>
+          <a:p>
+            <a:pPr lvl="0"/>
+            <a:r>
+              <a:rPr lang="ru-RU"/>
+              <a:t>Образец текста</a:t>
+            </a:r>
+          </a:p>
+        </p:txBody>
+      </p:sp>
+      <p:sp>
+        <p:nvSpPr>
+          <p:cNvPr id="5" name="Date Placeholder 4"/>
+          <p:cNvSpPr>
+            <a:spLocks noGrp="1"/>
+          </p:cNvSpPr>
+          <p:nvPr>
+            <p:ph type="dt" sz="half" idx="10"/>
+          </p:nvPr>
+        </p:nvSpPr>
+        <p:spPr/>
+        <p:txBody>
+          <a:bodyPr/>
+          <a:lstStyle/>
+          <a:p>
+            <a:fld id="{5BCAD085-E8A6-8845-BD4E-CB4CCA059FC4}" type="datetimeFigureOut">
+              <a:rPr lang="en-US" smtClean="0"/>
+              <a:t>1/7/2024</a:t>
+            </a:fld>
+            <a:endParaRPr lang="en-US"/>
+          </a:p>
+        </p:txBody>
+      </p:sp>
+      <p:sp>
+        <p:nvSpPr>
+          <p:cNvPr id="6" name="Footer Placeholder 5"/>
+          <p:cNvSpPr>
+            <a:spLocks noGrp="1"/>
+          </p:cNvSpPr>
+          <p:nvPr>
+            <p:ph type="ftr" sz="quarter" idx="11"/>
+          </p:nvPr>
+        </p:nvSpPr>
+        <p:spPr/>
+        <p:txBody>
+          <a:bodyPr/>
+          <a:lstStyle/>
+          <a:p>
+            <a:endParaRPr lang="en-US"/>
+          </a:p>
+        </p:txBody>
+      </p:sp>
+      <p:sp>
+        <p:nvSpPr>
+          <p:cNvPr id="7" name="Slide Number Placeholder 6"/>
+          <p:cNvSpPr>
+            <a:spLocks noGrp="1"/>
+          </p:cNvSpPr>
+          <p:nvPr>
+            <p:ph type="sldNum" sz="quarter" idx="12"/>
+          </p:nvPr>
+        </p:nvSpPr>
+        <p:spPr/>
+        <p:txBody>
+          <a:bodyPr/>
+          <a:lstStyle/>
+          <a:p>
+            <a:fld id="{C1FF6DA9-008F-8B48-92A6-B652298478BF}" type="slidenum">
+              <a:rPr lang="en-US" smtClean="0"/>
+              <a:t>‹#›</a:t>
+            </a:fld>
+            <a:endParaRPr lang="en-US"/>
+          </a:p>
+        </p:txBody>
+      </p:sp>
+    </p:spTree>
+    <p:extLst>
+      <p:ext uri="{BB962C8B-B14F-4D97-AF65-F5344CB8AC3E}">
+        <p14:creationId xmlns:p14="http://schemas.microsoft.com/office/powerpoint/2010/main" val="1241823577"/>
       </p:ext>
     </p:extLst>
   </p:cSld>
@@ -2590,6 +4784,607 @@
           <a:chExt cx="0" cy="0"/>
         </a:xfrm>
       </p:grpSpPr>
+      <p:grpSp>
+        <p:nvGrpSpPr>
+          <p:cNvPr id="17" name="Group 16"/>
+          <p:cNvGrpSpPr/>
+          <p:nvPr/>
+        </p:nvGrpSpPr>
+        <p:grpSpPr>
+          <a:xfrm>
+            <a:off x="-8467" y="-8468"/>
+            <a:ext cx="9169805" cy="6874935"/>
+            <a:chOff x="-8467" y="-8468"/>
+            <a:chExt cx="9169805" cy="6874935"/>
+          </a:xfrm>
+        </p:grpSpPr>
+        <p:sp>
+          <p:nvSpPr>
+            <p:cNvPr id="7" name="Freeform 6"/>
+            <p:cNvSpPr/>
+            <p:nvPr/>
+          </p:nvSpPr>
+          <p:spPr>
+            <a:xfrm>
+              <a:off x="-8467" y="4013200"/>
+              <a:ext cx="457200" cy="2853267"/>
+            </a:xfrm>
+            <a:custGeom>
+              <a:avLst/>
+              <a:gdLst/>
+              <a:ahLst/>
+              <a:cxnLst/>
+              <a:rect l="l" t="t" r="r" b="b"/>
+              <a:pathLst>
+                <a:path w="457200" h="2853267">
+                  <a:moveTo>
+                    <a:pt x="0" y="0"/>
+                  </a:moveTo>
+                  <a:lnTo>
+                    <a:pt x="457200" y="2853267"/>
+                  </a:lnTo>
+                  <a:lnTo>
+                    <a:pt x="0" y="2844800"/>
+                  </a:lnTo>
+                  <a:cubicBezTo>
+                    <a:pt x="2822" y="1905000"/>
+                    <a:pt x="5645" y="965200"/>
+                    <a:pt x="0" y="0"/>
+                  </a:cubicBezTo>
+                  <a:close/>
+                </a:path>
+              </a:pathLst>
+            </a:custGeom>
+            <a:solidFill>
+              <a:schemeClr val="accent1">
+                <a:alpha val="85000"/>
+              </a:schemeClr>
+            </a:solidFill>
+            <a:ln>
+              <a:noFill/>
+            </a:ln>
+            <a:effectLst/>
+          </p:spPr>
+          <p:style>
+            <a:lnRef idx="1">
+              <a:schemeClr val="accent1"/>
+            </a:lnRef>
+            <a:fillRef idx="3">
+              <a:schemeClr val="accent1"/>
+            </a:fillRef>
+            <a:effectRef idx="2">
+              <a:schemeClr val="accent1"/>
+            </a:effectRef>
+            <a:fontRef idx="minor">
+              <a:schemeClr val="lt1"/>
+            </a:fontRef>
+          </p:style>
+        </p:sp>
+        <p:cxnSp>
+          <p:nvCxnSpPr>
+            <p:cNvPr id="8" name="Straight Connector 7"/>
+            <p:cNvCxnSpPr/>
+            <p:nvPr/>
+          </p:nvCxnSpPr>
+          <p:spPr>
+            <a:xfrm flipV="1">
+              <a:off x="5130830" y="4175605"/>
+              <a:ext cx="4022475" cy="2682396"/>
+            </a:xfrm>
+            <a:prstGeom prst="line">
+              <a:avLst/>
+            </a:prstGeom>
+            <a:ln w="9525">
+              <a:solidFill>
+                <a:schemeClr val="bg1">
+                  <a:lumMod val="85000"/>
+                </a:schemeClr>
+              </a:solidFill>
+            </a:ln>
+          </p:spPr>
+          <p:style>
+            <a:lnRef idx="2">
+              <a:schemeClr val="accent1"/>
+            </a:lnRef>
+            <a:fillRef idx="0">
+              <a:schemeClr val="accent1"/>
+            </a:fillRef>
+            <a:effectRef idx="1">
+              <a:schemeClr val="accent1"/>
+            </a:effectRef>
+            <a:fontRef idx="minor">
+              <a:schemeClr val="tx1"/>
+            </a:fontRef>
+          </p:style>
+        </p:cxnSp>
+        <p:cxnSp>
+          <p:nvCxnSpPr>
+            <p:cNvPr id="9" name="Straight Connector 8"/>
+            <p:cNvCxnSpPr/>
+            <p:nvPr/>
+          </p:nvCxnSpPr>
+          <p:spPr>
+            <a:xfrm>
+              <a:off x="7042707" y="0"/>
+              <a:ext cx="1219200" cy="6858000"/>
+            </a:xfrm>
+            <a:prstGeom prst="line">
+              <a:avLst/>
+            </a:prstGeom>
+            <a:ln w="9525">
+              <a:solidFill>
+                <a:schemeClr val="bg1">
+                  <a:lumMod val="75000"/>
+                </a:schemeClr>
+              </a:solidFill>
+            </a:ln>
+          </p:spPr>
+          <p:style>
+            <a:lnRef idx="2">
+              <a:schemeClr val="accent1"/>
+            </a:lnRef>
+            <a:fillRef idx="0">
+              <a:schemeClr val="accent1"/>
+            </a:fillRef>
+            <a:effectRef idx="1">
+              <a:schemeClr val="accent1"/>
+            </a:effectRef>
+            <a:fontRef idx="minor">
+              <a:schemeClr val="tx1"/>
+            </a:fontRef>
+          </p:style>
+        </p:cxnSp>
+        <p:sp>
+          <p:nvSpPr>
+            <p:cNvPr id="10" name="Freeform 9"/>
+            <p:cNvSpPr/>
+            <p:nvPr/>
+          </p:nvSpPr>
+          <p:spPr>
+            <a:xfrm>
+              <a:off x="6891896" y="1"/>
+              <a:ext cx="2269442" cy="6866466"/>
+            </a:xfrm>
+            <a:custGeom>
+              <a:avLst/>
+              <a:gdLst/>
+              <a:ahLst/>
+              <a:cxnLst/>
+              <a:rect l="l" t="t" r="r" b="b"/>
+              <a:pathLst>
+                <a:path w="2269442" h="6866466">
+                  <a:moveTo>
+                    <a:pt x="2023534" y="0"/>
+                  </a:moveTo>
+                  <a:lnTo>
+                    <a:pt x="0" y="6858000"/>
+                  </a:lnTo>
+                  <a:lnTo>
+                    <a:pt x="2269067" y="6866466"/>
+                  </a:lnTo>
+                  <a:cubicBezTo>
+                    <a:pt x="2271889" y="4580466"/>
+                    <a:pt x="2257778" y="2294466"/>
+                    <a:pt x="2260600" y="8466"/>
+                  </a:cubicBezTo>
+                  <a:lnTo>
+                    <a:pt x="2023534" y="0"/>
+                  </a:lnTo>
+                  <a:close/>
+                </a:path>
+              </a:pathLst>
+            </a:custGeom>
+            <a:solidFill>
+              <a:schemeClr val="accent1">
+                <a:alpha val="30000"/>
+              </a:schemeClr>
+            </a:solidFill>
+            <a:ln>
+              <a:noFill/>
+            </a:ln>
+            <a:effectLst/>
+          </p:spPr>
+          <p:style>
+            <a:lnRef idx="1">
+              <a:schemeClr val="accent1"/>
+            </a:lnRef>
+            <a:fillRef idx="3">
+              <a:schemeClr val="accent1"/>
+            </a:fillRef>
+            <a:effectRef idx="2">
+              <a:schemeClr val="accent1"/>
+            </a:effectRef>
+            <a:fontRef idx="minor">
+              <a:schemeClr val="lt1"/>
+            </a:fontRef>
+          </p:style>
+        </p:sp>
+        <p:sp>
+          <p:nvSpPr>
+            <p:cNvPr id="11" name="Freeform 10"/>
+            <p:cNvSpPr/>
+            <p:nvPr/>
+          </p:nvSpPr>
+          <p:spPr>
+            <a:xfrm>
+              <a:off x="7205158" y="-8467"/>
+              <a:ext cx="1948147" cy="6866467"/>
+            </a:xfrm>
+            <a:custGeom>
+              <a:avLst/>
+              <a:gdLst/>
+              <a:ahLst/>
+              <a:cxnLst/>
+              <a:rect l="l" t="t" r="r" b="b"/>
+              <a:pathLst>
+                <a:path w="1948147" h="6866467">
+                  <a:moveTo>
+                    <a:pt x="0" y="0"/>
+                  </a:moveTo>
+                  <a:lnTo>
+                    <a:pt x="1202267" y="6866467"/>
+                  </a:lnTo>
+                  <a:lnTo>
+                    <a:pt x="1947333" y="6866467"/>
+                  </a:lnTo>
+                  <a:cubicBezTo>
+                    <a:pt x="1944511" y="4577645"/>
+                    <a:pt x="1950155" y="2288822"/>
+                    <a:pt x="1947333" y="0"/>
+                  </a:cubicBezTo>
+                  <a:lnTo>
+                    <a:pt x="0" y="0"/>
+                  </a:lnTo>
+                  <a:close/>
+                </a:path>
+              </a:pathLst>
+            </a:custGeom>
+            <a:solidFill>
+              <a:schemeClr val="accent1">
+                <a:alpha val="20000"/>
+              </a:schemeClr>
+            </a:solidFill>
+            <a:ln>
+              <a:noFill/>
+            </a:ln>
+            <a:effectLst/>
+          </p:spPr>
+          <p:style>
+            <a:lnRef idx="1">
+              <a:schemeClr val="accent1"/>
+            </a:lnRef>
+            <a:fillRef idx="3">
+              <a:schemeClr val="accent1"/>
+            </a:fillRef>
+            <a:effectRef idx="2">
+              <a:schemeClr val="accent1"/>
+            </a:effectRef>
+            <a:fontRef idx="minor">
+              <a:schemeClr val="lt1"/>
+            </a:fontRef>
+          </p:style>
+        </p:sp>
+        <p:sp>
+          <p:nvSpPr>
+            <p:cNvPr id="12" name="Freeform 11"/>
+            <p:cNvSpPr/>
+            <p:nvPr/>
+          </p:nvSpPr>
+          <p:spPr>
+            <a:xfrm>
+              <a:off x="6637896" y="3920066"/>
+              <a:ext cx="2513565" cy="2937933"/>
+            </a:xfrm>
+            <a:custGeom>
+              <a:avLst/>
+              <a:gdLst/>
+              <a:ahLst/>
+              <a:cxnLst/>
+              <a:rect l="l" t="t" r="r" b="b"/>
+              <a:pathLst>
+                <a:path w="3259667" h="3810000">
+                  <a:moveTo>
+                    <a:pt x="0" y="3810000"/>
+                  </a:moveTo>
+                  <a:lnTo>
+                    <a:pt x="3251200" y="0"/>
+                  </a:lnTo>
+                  <a:cubicBezTo>
+                    <a:pt x="3254022" y="1270000"/>
+                    <a:pt x="3256845" y="2540000"/>
+                    <a:pt x="3259667" y="3810000"/>
+                  </a:cubicBezTo>
+                  <a:lnTo>
+                    <a:pt x="0" y="3810000"/>
+                  </a:lnTo>
+                  <a:close/>
+                </a:path>
+              </a:pathLst>
+            </a:custGeom>
+            <a:solidFill>
+              <a:schemeClr val="accent2">
+                <a:alpha val="72000"/>
+              </a:schemeClr>
+            </a:solidFill>
+            <a:ln>
+              <a:noFill/>
+            </a:ln>
+            <a:effectLst/>
+          </p:spPr>
+          <p:style>
+            <a:lnRef idx="1">
+              <a:schemeClr val="accent1"/>
+            </a:lnRef>
+            <a:fillRef idx="3">
+              <a:schemeClr val="accent1"/>
+            </a:fillRef>
+            <a:effectRef idx="2">
+              <a:schemeClr val="accent1"/>
+            </a:effectRef>
+            <a:fontRef idx="minor">
+              <a:schemeClr val="lt1"/>
+            </a:fontRef>
+          </p:style>
+        </p:sp>
+        <p:sp>
+          <p:nvSpPr>
+            <p:cNvPr id="13" name="Freeform 12"/>
+            <p:cNvSpPr/>
+            <p:nvPr/>
+          </p:nvSpPr>
+          <p:spPr>
+            <a:xfrm>
+              <a:off x="7010429" y="-8467"/>
+              <a:ext cx="2142876" cy="6866467"/>
+            </a:xfrm>
+            <a:custGeom>
+              <a:avLst/>
+              <a:gdLst/>
+              <a:ahLst/>
+              <a:cxnLst/>
+              <a:rect l="l" t="t" r="r" b="b"/>
+              <a:pathLst>
+                <a:path w="2853267" h="6866467">
+                  <a:moveTo>
+                    <a:pt x="0" y="0"/>
+                  </a:moveTo>
+                  <a:lnTo>
+                    <a:pt x="2472267" y="6866467"/>
+                  </a:lnTo>
+                  <a:lnTo>
+                    <a:pt x="2853267" y="6858000"/>
+                  </a:lnTo>
+                  <a:lnTo>
+                    <a:pt x="2853267" y="0"/>
+                  </a:lnTo>
+                  <a:lnTo>
+                    <a:pt x="0" y="0"/>
+                  </a:lnTo>
+                  <a:close/>
+                </a:path>
+              </a:pathLst>
+            </a:custGeom>
+            <a:solidFill>
+              <a:schemeClr val="accent2">
+                <a:lumMod val="75000"/>
+                <a:alpha val="70000"/>
+              </a:schemeClr>
+            </a:solidFill>
+            <a:ln>
+              <a:noFill/>
+            </a:ln>
+            <a:effectLst/>
+          </p:spPr>
+          <p:style>
+            <a:lnRef idx="1">
+              <a:schemeClr val="accent1"/>
+            </a:lnRef>
+            <a:fillRef idx="3">
+              <a:schemeClr val="accent1"/>
+            </a:fillRef>
+            <a:effectRef idx="2">
+              <a:schemeClr val="accent1"/>
+            </a:effectRef>
+            <a:fontRef idx="minor">
+              <a:schemeClr val="lt1"/>
+            </a:fontRef>
+          </p:style>
+        </p:sp>
+        <p:sp>
+          <p:nvSpPr>
+            <p:cNvPr id="14" name="Freeform 13"/>
+            <p:cNvSpPr/>
+            <p:nvPr/>
+          </p:nvSpPr>
+          <p:spPr>
+            <a:xfrm>
+              <a:off x="8295776" y="-8467"/>
+              <a:ext cx="857530" cy="6866467"/>
+            </a:xfrm>
+            <a:custGeom>
+              <a:avLst/>
+              <a:gdLst/>
+              <a:ahLst/>
+              <a:cxnLst/>
+              <a:rect l="l" t="t" r="r" b="b"/>
+              <a:pathLst>
+                <a:path w="1286933" h="6866467">
+                  <a:moveTo>
+                    <a:pt x="1016000" y="0"/>
+                  </a:moveTo>
+                  <a:lnTo>
+                    <a:pt x="0" y="6866467"/>
+                  </a:lnTo>
+                  <a:lnTo>
+                    <a:pt x="1286933" y="6866467"/>
+                  </a:lnTo>
+                  <a:cubicBezTo>
+                    <a:pt x="1284111" y="4577645"/>
+                    <a:pt x="1281288" y="2288822"/>
+                    <a:pt x="1278466" y="0"/>
+                  </a:cubicBezTo>
+                  <a:lnTo>
+                    <a:pt x="1016000" y="0"/>
+                  </a:lnTo>
+                  <a:close/>
+                </a:path>
+              </a:pathLst>
+            </a:custGeom>
+            <a:solidFill>
+              <a:schemeClr val="accent1">
+                <a:lumMod val="60000"/>
+                <a:lumOff val="40000"/>
+                <a:alpha val="70000"/>
+              </a:schemeClr>
+            </a:solidFill>
+            <a:ln>
+              <a:noFill/>
+            </a:ln>
+            <a:effectLst/>
+          </p:spPr>
+          <p:style>
+            <a:lnRef idx="1">
+              <a:schemeClr val="accent1"/>
+            </a:lnRef>
+            <a:fillRef idx="3">
+              <a:schemeClr val="accent1"/>
+            </a:fillRef>
+            <a:effectRef idx="2">
+              <a:schemeClr val="accent1"/>
+            </a:effectRef>
+            <a:fontRef idx="minor">
+              <a:schemeClr val="lt1"/>
+            </a:fontRef>
+          </p:style>
+        </p:sp>
+        <p:sp>
+          <p:nvSpPr>
+            <p:cNvPr id="15" name="Freeform 14"/>
+            <p:cNvSpPr/>
+            <p:nvPr/>
+          </p:nvSpPr>
+          <p:spPr>
+            <a:xfrm>
+              <a:off x="8077231" y="-8468"/>
+              <a:ext cx="1066770" cy="6866467"/>
+            </a:xfrm>
+            <a:custGeom>
+              <a:avLst/>
+              <a:gdLst/>
+              <a:ahLst/>
+              <a:cxnLst/>
+              <a:rect l="l" t="t" r="r" b="b"/>
+              <a:pathLst>
+                <a:path w="1270244" h="6866467">
+                  <a:moveTo>
+                    <a:pt x="0" y="0"/>
+                  </a:moveTo>
+                  <a:lnTo>
+                    <a:pt x="1117600" y="6866467"/>
+                  </a:lnTo>
+                  <a:lnTo>
+                    <a:pt x="1270000" y="6866467"/>
+                  </a:lnTo>
+                  <a:cubicBezTo>
+                    <a:pt x="1272822" y="4574822"/>
+                    <a:pt x="1250245" y="2291645"/>
+                    <a:pt x="1253067" y="0"/>
+                  </a:cubicBezTo>
+                  <a:lnTo>
+                    <a:pt x="0" y="0"/>
+                  </a:lnTo>
+                  <a:close/>
+                </a:path>
+              </a:pathLst>
+            </a:custGeom>
+            <a:solidFill>
+              <a:schemeClr val="accent1">
+                <a:alpha val="65000"/>
+              </a:schemeClr>
+            </a:solidFill>
+            <a:ln>
+              <a:noFill/>
+            </a:ln>
+            <a:effectLst/>
+          </p:spPr>
+          <p:style>
+            <a:lnRef idx="1">
+              <a:schemeClr val="accent1"/>
+            </a:lnRef>
+            <a:fillRef idx="3">
+              <a:schemeClr val="accent1"/>
+            </a:fillRef>
+            <a:effectRef idx="2">
+              <a:schemeClr val="accent1"/>
+            </a:effectRef>
+            <a:fontRef idx="minor">
+              <a:schemeClr val="lt1"/>
+            </a:fontRef>
+          </p:style>
+        </p:sp>
+        <p:sp>
+          <p:nvSpPr>
+            <p:cNvPr id="16" name="Freeform 15"/>
+            <p:cNvSpPr/>
+            <p:nvPr/>
+          </p:nvSpPr>
+          <p:spPr>
+            <a:xfrm>
+              <a:off x="8060297" y="4893733"/>
+              <a:ext cx="1094086" cy="1964267"/>
+            </a:xfrm>
+            <a:custGeom>
+              <a:avLst/>
+              <a:gdLst/>
+              <a:ahLst/>
+              <a:cxnLst/>
+              <a:rect l="l" t="t" r="r" b="b"/>
+              <a:pathLst>
+                <a:path w="1820333" h="3268133">
+                  <a:moveTo>
+                    <a:pt x="0" y="3268133"/>
+                  </a:moveTo>
+                  <a:lnTo>
+                    <a:pt x="1811866" y="0"/>
+                  </a:lnTo>
+                  <a:cubicBezTo>
+                    <a:pt x="1814688" y="1086555"/>
+                    <a:pt x="1817511" y="2173111"/>
+                    <a:pt x="1820333" y="3259666"/>
+                  </a:cubicBezTo>
+                  <a:lnTo>
+                    <a:pt x="0" y="3268133"/>
+                  </a:lnTo>
+                  <a:close/>
+                </a:path>
+              </a:pathLst>
+            </a:custGeom>
+            <a:solidFill>
+              <a:schemeClr val="accent1">
+                <a:alpha val="80000"/>
+              </a:schemeClr>
+            </a:solidFill>
+            <a:ln>
+              <a:noFill/>
+            </a:ln>
+            <a:effectLst/>
+          </p:spPr>
+          <p:style>
+            <a:lnRef idx="1">
+              <a:schemeClr val="accent1"/>
+            </a:lnRef>
+            <a:fillRef idx="3">
+              <a:schemeClr val="accent1"/>
+            </a:fillRef>
+            <a:effectRef idx="2">
+              <a:schemeClr val="accent1"/>
+            </a:effectRef>
+            <a:fontRef idx="minor">
+              <a:schemeClr val="lt1"/>
+            </a:fontRef>
+          </p:style>
+        </p:sp>
+      </p:grpSp>
       <p:sp>
         <p:nvSpPr>
           <p:cNvPr id="2" name="Title Placeholder 1"/>
@@ -2602,24 +5397,24 @@
         </p:nvSpPr>
         <p:spPr>
           <a:xfrm>
-            <a:off x="457200" y="274638"/>
-            <a:ext cx="8229600" cy="1143000"/>
+            <a:off x="609599" y="609600"/>
+            <a:ext cx="6347713" cy="1320800"/>
           </a:xfrm>
           <a:prstGeom prst="rect">
             <a:avLst/>
           </a:prstGeom>
         </p:spPr>
         <p:txBody>
-          <a:bodyPr vert="horz" lIns="91440" tIns="45720" rIns="91440" bIns="45720" rtlCol="0" anchor="ctr">
+          <a:bodyPr vert="horz" lIns="91440" tIns="45720" rIns="91440" bIns="45720" rtlCol="0" anchor="t">
             <a:normAutofit/>
           </a:bodyPr>
           <a:lstStyle/>
           <a:p>
             <a:r>
-              <a:rPr lang="en-US" smtClean="0"/>
-              <a:t>Click to edit Master title style</a:t>
-            </a:r>
-            <a:endParaRPr lang="en-US"/>
+              <a:rPr lang="ru-RU"/>
+              <a:t>Образец заголовка</a:t>
+            </a:r>
+            <a:endParaRPr lang="en-US" dirty="0"/>
           </a:p>
         </p:txBody>
       </p:sp>
@@ -2635,8 +5430,8 @@
         </p:nvSpPr>
         <p:spPr>
           <a:xfrm>
-            <a:off x="457200" y="1600200"/>
-            <a:ext cx="8229600" cy="4525963"/>
+            <a:off x="609599" y="2160590"/>
+            <a:ext cx="6347714" cy="3880773"/>
           </a:xfrm>
           <a:prstGeom prst="rect">
             <a:avLst/>
@@ -2650,38 +5445,38 @@
           <a:p>
             <a:pPr lvl="0"/>
             <a:r>
-              <a:rPr lang="en-US" smtClean="0"/>
-              <a:t>Click to edit Master text styles</a:t>
+              <a:rPr lang="ru-RU"/>
+              <a:t>Образец текста</a:t>
             </a:r>
           </a:p>
           <a:p>
             <a:pPr lvl="1"/>
             <a:r>
-              <a:rPr lang="en-US" smtClean="0"/>
-              <a:t>Second level</a:t>
+              <a:rPr lang="ru-RU"/>
+              <a:t>Второй уровень</a:t>
             </a:r>
           </a:p>
           <a:p>
             <a:pPr lvl="2"/>
             <a:r>
-              <a:rPr lang="en-US" smtClean="0"/>
-              <a:t>Third level</a:t>
+              <a:rPr lang="ru-RU"/>
+              <a:t>Третий уровень</a:t>
             </a:r>
           </a:p>
           <a:p>
             <a:pPr lvl="3"/>
             <a:r>
-              <a:rPr lang="en-US" smtClean="0"/>
-              <a:t>Fourth level</a:t>
+              <a:rPr lang="ru-RU"/>
+              <a:t>Четвертый уровень</a:t>
             </a:r>
           </a:p>
           <a:p>
             <a:pPr lvl="4"/>
             <a:r>
-              <a:rPr lang="en-US" smtClean="0"/>
-              <a:t>Fifth level</a:t>
-            </a:r>
-            <a:endParaRPr lang="en-US"/>
+              <a:rPr lang="ru-RU"/>
+              <a:t>Пятый уровень</a:t>
+            </a:r>
+            <a:endParaRPr lang="en-US" dirty="0"/>
           </a:p>
         </p:txBody>
       </p:sp>
@@ -2697,8 +5492,8 @@
         </p:nvSpPr>
         <p:spPr>
           <a:xfrm>
-            <a:off x="457200" y="6356350"/>
-            <a:ext cx="2133600" cy="365125"/>
+            <a:off x="5405258" y="6041363"/>
+            <a:ext cx="684132" cy="365125"/>
           </a:xfrm>
           <a:prstGeom prst="rect">
             <a:avLst/>
@@ -2707,8 +5502,8 @@
         <p:txBody>
           <a:bodyPr vert="horz" lIns="91440" tIns="45720" rIns="91440" bIns="45720" rtlCol="0" anchor="ctr"/>
           <a:lstStyle>
-            <a:lvl1pPr algn="l">
-              <a:defRPr sz="1200">
+            <a:lvl1pPr algn="r">
+              <a:defRPr sz="900">
                 <a:solidFill>
                   <a:schemeClr val="tx1">
                     <a:tint val="75000"/>
@@ -2720,7 +5515,7 @@
           <a:p>
             <a:fld id="{5BCAD085-E8A6-8845-BD4E-CB4CCA059FC4}" type="datetimeFigureOut">
               <a:rPr lang="en-US" smtClean="0"/>
-              <a:t>1/27/13</a:t>
+              <a:t>1/7/2024</a:t>
             </a:fld>
             <a:endParaRPr lang="en-US"/>
           </a:p>
@@ -2738,8 +5533,8 @@
         </p:nvSpPr>
         <p:spPr>
           <a:xfrm>
-            <a:off x="3124200" y="6356350"/>
-            <a:ext cx="2895600" cy="365125"/>
+            <a:off x="609599" y="6041363"/>
+            <a:ext cx="4622973" cy="365125"/>
           </a:xfrm>
           <a:prstGeom prst="rect">
             <a:avLst/>
@@ -2748,8 +5543,8 @@
         <p:txBody>
           <a:bodyPr vert="horz" lIns="91440" tIns="45720" rIns="91440" bIns="45720" rtlCol="0" anchor="ctr"/>
           <a:lstStyle>
-            <a:lvl1pPr algn="ctr">
-              <a:defRPr sz="1200">
+            <a:lvl1pPr algn="l">
+              <a:defRPr sz="900">
                 <a:solidFill>
                   <a:schemeClr val="tx1">
                     <a:tint val="75000"/>
@@ -2775,8 +5570,8 @@
         </p:nvSpPr>
         <p:spPr>
           <a:xfrm>
-            <a:off x="6553200" y="6356350"/>
-            <a:ext cx="2133600" cy="365125"/>
+            <a:off x="6444676" y="6041363"/>
+            <a:ext cx="512638" cy="365125"/>
           </a:xfrm>
           <a:prstGeom prst="rect">
             <a:avLst/>
@@ -2786,11 +5581,9 @@
           <a:bodyPr vert="horz" lIns="91440" tIns="45720" rIns="91440" bIns="45720" rtlCol="0" anchor="ctr"/>
           <a:lstStyle>
             <a:lvl1pPr algn="r">
-              <a:defRPr sz="1200">
-                <a:solidFill>
-                  <a:schemeClr val="tx1">
-                    <a:tint val="75000"/>
-                  </a:schemeClr>
+              <a:defRPr sz="900">
+                <a:solidFill>
+                  <a:schemeClr val="accent1"/>
                 </a:solidFill>
               </a:defRPr>
             </a:lvl1pPr>
@@ -2807,51 +5600,122 @@
     </p:spTree>
     <p:extLst>
       <p:ext uri="{BB962C8B-B14F-4D97-AF65-F5344CB8AC3E}">
-        <p14:creationId xmlns:p14="http://schemas.microsoft.com/office/powerpoint/2010/main" val="2209977519"/>
+        <p14:creationId xmlns:p14="http://schemas.microsoft.com/office/powerpoint/2010/main" val="869739236"/>
       </p:ext>
     </p:extLst>
   </p:cSld>
   <p:clrMap bg1="lt1" tx1="dk1" bg2="lt2" tx2="dk2" accent1="accent1" accent2="accent2" accent3="accent3" accent4="accent4" accent5="accent5" accent6="accent6" hlink="hlink" folHlink="folHlink"/>
   <p:sldLayoutIdLst>
-    <p:sldLayoutId id="2147483649" r:id="rId1"/>
-    <p:sldLayoutId id="2147483650" r:id="rId2"/>
-    <p:sldLayoutId id="2147483651" r:id="rId3"/>
-    <p:sldLayoutId id="2147483652" r:id="rId4"/>
-    <p:sldLayoutId id="2147483653" r:id="rId5"/>
-    <p:sldLayoutId id="2147483654" r:id="rId6"/>
-    <p:sldLayoutId id="2147483655" r:id="rId7"/>
-    <p:sldLayoutId id="2147483656" r:id="rId8"/>
-    <p:sldLayoutId id="2147483657" r:id="rId9"/>
-    <p:sldLayoutId id="2147483658" r:id="rId10"/>
-    <p:sldLayoutId id="2147483659" r:id="rId11"/>
+    <p:sldLayoutId id="2147483661" r:id="rId1"/>
+    <p:sldLayoutId id="2147483662" r:id="rId2"/>
+    <p:sldLayoutId id="2147483663" r:id="rId3"/>
+    <p:sldLayoutId id="2147483664" r:id="rId4"/>
+    <p:sldLayoutId id="2147483665" r:id="rId5"/>
+    <p:sldLayoutId id="2147483666" r:id="rId6"/>
+    <p:sldLayoutId id="2147483667" r:id="rId7"/>
+    <p:sldLayoutId id="2147483668" r:id="rId8"/>
+    <p:sldLayoutId id="2147483669" r:id="rId9"/>
+    <p:sldLayoutId id="2147483670" r:id="rId10"/>
+    <p:sldLayoutId id="2147483671" r:id="rId11"/>
+    <p:sldLayoutId id="2147483672" r:id="rId12"/>
+    <p:sldLayoutId id="2147483673" r:id="rId13"/>
+    <p:sldLayoutId id="2147483674" r:id="rId14"/>
+    <p:sldLayoutId id="2147483675" r:id="rId15"/>
+    <p:sldLayoutId id="2147483676" r:id="rId16"/>
   </p:sldLayoutIdLst>
   <p:txStyles>
     <p:titleStyle>
-      <a:lvl1pPr algn="ctr" defTabSz="457200" rtl="0" eaLnBrk="1" latinLnBrk="0" hangingPunct="1">
+      <a:lvl1pPr algn="l" defTabSz="457200" rtl="0" eaLnBrk="1" latinLnBrk="0" hangingPunct="1">
         <a:spcBef>
           <a:spcPct val="0"/>
         </a:spcBef>
         <a:buNone/>
-        <a:defRPr sz="4400" kern="1200">
+        <a:defRPr sz="3600" kern="1200">
           <a:solidFill>
-            <a:schemeClr val="tx1"/>
+            <a:schemeClr val="accent1"/>
           </a:solidFill>
           <a:latin typeface="+mj-lt"/>
           <a:ea typeface="+mj-ea"/>
           <a:cs typeface="+mj-cs"/>
         </a:defRPr>
       </a:lvl1pPr>
+      <a:lvl2pPr eaLnBrk="1" hangingPunct="1">
+        <a:defRPr>
+          <a:solidFill>
+            <a:schemeClr val="tx2"/>
+          </a:solidFill>
+        </a:defRPr>
+      </a:lvl2pPr>
+      <a:lvl3pPr eaLnBrk="1" hangingPunct="1">
+        <a:defRPr>
+          <a:solidFill>
+            <a:schemeClr val="tx2"/>
+          </a:solidFill>
+        </a:defRPr>
+      </a:lvl3pPr>
+      <a:lvl4pPr eaLnBrk="1" hangingPunct="1">
+        <a:defRPr>
+          <a:solidFill>
+            <a:schemeClr val="tx2"/>
+          </a:solidFill>
+        </a:defRPr>
+      </a:lvl4pPr>
+      <a:lvl5pPr eaLnBrk="1" hangingPunct="1">
+        <a:defRPr>
+          <a:solidFill>
+            <a:schemeClr val="tx2"/>
+          </a:solidFill>
+        </a:defRPr>
+      </a:lvl5pPr>
+      <a:lvl6pPr eaLnBrk="1" hangingPunct="1">
+        <a:defRPr>
+          <a:solidFill>
+            <a:schemeClr val="tx2"/>
+          </a:solidFill>
+        </a:defRPr>
+      </a:lvl6pPr>
+      <a:lvl7pPr eaLnBrk="1" hangingPunct="1">
+        <a:defRPr>
+          <a:solidFill>
+            <a:schemeClr val="tx2"/>
+          </a:solidFill>
+        </a:defRPr>
+      </a:lvl7pPr>
+      <a:lvl8pPr eaLnBrk="1" hangingPunct="1">
+        <a:defRPr>
+          <a:solidFill>
+            <a:schemeClr val="tx2"/>
+          </a:solidFill>
+        </a:defRPr>
+      </a:lvl8pPr>
+      <a:lvl9pPr eaLnBrk="1" hangingPunct="1">
+        <a:defRPr>
+          <a:solidFill>
+            <a:schemeClr val="tx2"/>
+          </a:solidFill>
+        </a:defRPr>
+      </a:lvl9pPr>
     </p:titleStyle>
     <p:bodyStyle>
       <a:lvl1pPr marL="342900" indent="-342900" algn="l" defTabSz="457200" rtl="0" eaLnBrk="1" latinLnBrk="0" hangingPunct="1">
         <a:spcBef>
-          <a:spcPct val="20000"/>
+          <a:spcPts val="1000"/>
         </a:spcBef>
-        <a:buFont typeface="Arial"/>
-        <a:buChar char="•"/>
-        <a:defRPr sz="3200" kern="1200">
+        <a:spcAft>
+          <a:spcPts val="0"/>
+        </a:spcAft>
+        <a:buClr>
+          <a:schemeClr val="accent1"/>
+        </a:buClr>
+        <a:buSzPct val="80000"/>
+        <a:buFont typeface="Wingdings 3" charset="2"/>
+        <a:buChar char=""/>
+        <a:defRPr sz="1800" kern="1200">
           <a:solidFill>
-            <a:schemeClr val="tx1"/>
+            <a:schemeClr val="tx1">
+              <a:lumMod val="75000"/>
+              <a:lumOff val="25000"/>
+            </a:schemeClr>
           </a:solidFill>
           <a:latin typeface="+mn-lt"/>
           <a:ea typeface="+mn-ea"/>
@@ -2860,13 +5724,23 @@
       </a:lvl1pPr>
       <a:lvl2pPr marL="742950" indent="-285750" algn="l" defTabSz="457200" rtl="0" eaLnBrk="1" latinLnBrk="0" hangingPunct="1">
         <a:spcBef>
-          <a:spcPct val="20000"/>
+          <a:spcPts val="1000"/>
         </a:spcBef>
-        <a:buFont typeface="Arial"/>
-        <a:buChar char="–"/>
-        <a:defRPr sz="2800" kern="1200">
+        <a:spcAft>
+          <a:spcPts val="0"/>
+        </a:spcAft>
+        <a:buClr>
+          <a:schemeClr val="accent1"/>
+        </a:buClr>
+        <a:buSzPct val="80000"/>
+        <a:buFont typeface="Wingdings 3" charset="2"/>
+        <a:buChar char=""/>
+        <a:defRPr sz="1600" kern="1200">
           <a:solidFill>
-            <a:schemeClr val="tx1"/>
+            <a:schemeClr val="tx1">
+              <a:lumMod val="75000"/>
+              <a:lumOff val="25000"/>
+            </a:schemeClr>
           </a:solidFill>
           <a:latin typeface="+mn-lt"/>
           <a:ea typeface="+mn-ea"/>
@@ -2875,13 +5749,23 @@
       </a:lvl2pPr>
       <a:lvl3pPr marL="1143000" indent="-228600" algn="l" defTabSz="457200" rtl="0" eaLnBrk="1" latinLnBrk="0" hangingPunct="1">
         <a:spcBef>
-          <a:spcPct val="20000"/>
+          <a:spcPts val="1000"/>
         </a:spcBef>
-        <a:buFont typeface="Arial"/>
-        <a:buChar char="•"/>
-        <a:defRPr sz="2400" kern="1200">
+        <a:spcAft>
+          <a:spcPts val="0"/>
+        </a:spcAft>
+        <a:buClr>
+          <a:schemeClr val="accent1"/>
+        </a:buClr>
+        <a:buSzPct val="80000"/>
+        <a:buFont typeface="Wingdings 3" charset="2"/>
+        <a:buChar char=""/>
+        <a:defRPr sz="1400" kern="1200">
           <a:solidFill>
-            <a:schemeClr val="tx1"/>
+            <a:schemeClr val="tx1">
+              <a:lumMod val="75000"/>
+              <a:lumOff val="25000"/>
+            </a:schemeClr>
           </a:solidFill>
           <a:latin typeface="+mn-lt"/>
           <a:ea typeface="+mn-ea"/>
@@ -2890,13 +5774,23 @@
       </a:lvl3pPr>
       <a:lvl4pPr marL="1600200" indent="-228600" algn="l" defTabSz="457200" rtl="0" eaLnBrk="1" latinLnBrk="0" hangingPunct="1">
         <a:spcBef>
-          <a:spcPct val="20000"/>
+          <a:spcPts val="1000"/>
         </a:spcBef>
-        <a:buFont typeface="Arial"/>
-        <a:buChar char="–"/>
-        <a:defRPr sz="2000" kern="1200">
+        <a:spcAft>
+          <a:spcPts val="0"/>
+        </a:spcAft>
+        <a:buClr>
+          <a:schemeClr val="accent1"/>
+        </a:buClr>
+        <a:buSzPct val="80000"/>
+        <a:buFont typeface="Wingdings 3" charset="2"/>
+        <a:buChar char=""/>
+        <a:defRPr sz="1200" kern="1200">
           <a:solidFill>
-            <a:schemeClr val="tx1"/>
+            <a:schemeClr val="tx1">
+              <a:lumMod val="75000"/>
+              <a:lumOff val="25000"/>
+            </a:schemeClr>
           </a:solidFill>
           <a:latin typeface="+mn-lt"/>
           <a:ea typeface="+mn-ea"/>
@@ -2905,13 +5799,23 @@
       </a:lvl4pPr>
       <a:lvl5pPr marL="2057400" indent="-228600" algn="l" defTabSz="457200" rtl="0" eaLnBrk="1" latinLnBrk="0" hangingPunct="1">
         <a:spcBef>
-          <a:spcPct val="20000"/>
+          <a:spcPts val="1000"/>
         </a:spcBef>
-        <a:buFont typeface="Arial"/>
-        <a:buChar char="»"/>
-        <a:defRPr sz="2000" kern="1200">
+        <a:spcAft>
+          <a:spcPts val="0"/>
+        </a:spcAft>
+        <a:buClr>
+          <a:schemeClr val="accent1"/>
+        </a:buClr>
+        <a:buSzPct val="80000"/>
+        <a:buFont typeface="Wingdings 3" charset="2"/>
+        <a:buChar char=""/>
+        <a:defRPr sz="1200" kern="1200">
           <a:solidFill>
-            <a:schemeClr val="tx1"/>
+            <a:schemeClr val="tx1">
+              <a:lumMod val="75000"/>
+              <a:lumOff val="25000"/>
+            </a:schemeClr>
           </a:solidFill>
           <a:latin typeface="+mn-lt"/>
           <a:ea typeface="+mn-ea"/>
@@ -2920,13 +5824,23 @@
       </a:lvl5pPr>
       <a:lvl6pPr marL="2514600" indent="-228600" algn="l" defTabSz="457200" rtl="0" eaLnBrk="1" latinLnBrk="0" hangingPunct="1">
         <a:spcBef>
-          <a:spcPct val="20000"/>
+          <a:spcPts val="1000"/>
         </a:spcBef>
-        <a:buFont typeface="Arial"/>
-        <a:buChar char="•"/>
-        <a:defRPr sz="2000" kern="1200">
+        <a:spcAft>
+          <a:spcPts val="0"/>
+        </a:spcAft>
+        <a:buClr>
+          <a:schemeClr val="accent1"/>
+        </a:buClr>
+        <a:buSzPct val="80000"/>
+        <a:buFont typeface="Wingdings 3" charset="2"/>
+        <a:buChar char=""/>
+        <a:defRPr sz="1200" kern="1200">
           <a:solidFill>
-            <a:schemeClr val="tx1"/>
+            <a:schemeClr val="tx1">
+              <a:lumMod val="75000"/>
+              <a:lumOff val="25000"/>
+            </a:schemeClr>
           </a:solidFill>
           <a:latin typeface="+mn-lt"/>
           <a:ea typeface="+mn-ea"/>
@@ -2935,13 +5849,23 @@
       </a:lvl6pPr>
       <a:lvl7pPr marL="2971800" indent="-228600" algn="l" defTabSz="457200" rtl="0" eaLnBrk="1" latinLnBrk="0" hangingPunct="1">
         <a:spcBef>
-          <a:spcPct val="20000"/>
+          <a:spcPts val="1000"/>
         </a:spcBef>
-        <a:buFont typeface="Arial"/>
-        <a:buChar char="•"/>
-        <a:defRPr sz="2000" kern="1200">
+        <a:spcAft>
+          <a:spcPts val="0"/>
+        </a:spcAft>
+        <a:buClr>
+          <a:schemeClr val="accent1"/>
+        </a:buClr>
+        <a:buSzPct val="80000"/>
+        <a:buFont typeface="Wingdings 3" charset="2"/>
+        <a:buChar char=""/>
+        <a:defRPr sz="1200" kern="1200">
           <a:solidFill>
-            <a:schemeClr val="tx1"/>
+            <a:schemeClr val="tx1">
+              <a:lumMod val="75000"/>
+              <a:lumOff val="25000"/>
+            </a:schemeClr>
           </a:solidFill>
           <a:latin typeface="+mn-lt"/>
           <a:ea typeface="+mn-ea"/>
@@ -2950,13 +5874,23 @@
       </a:lvl7pPr>
       <a:lvl8pPr marL="3429000" indent="-228600" algn="l" defTabSz="457200" rtl="0" eaLnBrk="1" latinLnBrk="0" hangingPunct="1">
         <a:spcBef>
-          <a:spcPct val="20000"/>
+          <a:spcPts val="1000"/>
         </a:spcBef>
-        <a:buFont typeface="Arial"/>
-        <a:buChar char="•"/>
-        <a:defRPr sz="2000" kern="1200">
+        <a:spcAft>
+          <a:spcPts val="0"/>
+        </a:spcAft>
+        <a:buClr>
+          <a:schemeClr val="accent1"/>
+        </a:buClr>
+        <a:buSzPct val="80000"/>
+        <a:buFont typeface="Wingdings 3" charset="2"/>
+        <a:buChar char=""/>
+        <a:defRPr sz="1200" kern="1200">
           <a:solidFill>
-            <a:schemeClr val="tx1"/>
+            <a:schemeClr val="tx1">
+              <a:lumMod val="75000"/>
+              <a:lumOff val="25000"/>
+            </a:schemeClr>
           </a:solidFill>
           <a:latin typeface="+mn-lt"/>
           <a:ea typeface="+mn-ea"/>
@@ -2965,13 +5899,23 @@
       </a:lvl8pPr>
       <a:lvl9pPr marL="3886200" indent="-228600" algn="l" defTabSz="457200" rtl="0" eaLnBrk="1" latinLnBrk="0" hangingPunct="1">
         <a:spcBef>
-          <a:spcPct val="20000"/>
+          <a:spcPts val="1000"/>
         </a:spcBef>
-        <a:buFont typeface="Arial"/>
-        <a:buChar char="•"/>
-        <a:defRPr sz="2000" kern="1200">
+        <a:spcAft>
+          <a:spcPts val="0"/>
+        </a:spcAft>
+        <a:buClr>
+          <a:schemeClr val="accent1"/>
+        </a:buClr>
+        <a:buSzPct val="80000"/>
+        <a:buFont typeface="Wingdings 3" charset="2"/>
+        <a:buChar char=""/>
+        <a:defRPr sz="1200" kern="1200">
           <a:solidFill>
-            <a:schemeClr val="tx1"/>
+            <a:schemeClr val="tx1">
+              <a:lumMod val="75000"/>
+              <a:lumOff val="25000"/>
+            </a:schemeClr>
           </a:solidFill>
           <a:latin typeface="+mn-lt"/>
           <a:ea typeface="+mn-ea"/>
@@ -3079,7 +6023,7 @@
 </file>
 
 <file path=ppt/slides/slide1.xml><?xml version="1.0" encoding="utf-8"?>
-<p:sld xmlns:a="http://schemas.openxmlformats.org/drawingml/2006/main" xmlns:p="http://schemas.openxmlformats.org/presentationml/2006/main" xmlns:r="http://schemas.openxmlformats.org/officeDocument/2006/relationships">
+<p:sld xmlns:a="http://schemas.openxmlformats.org/drawingml/2006/main" xmlns:r="http://schemas.openxmlformats.org/officeDocument/2006/relationships" xmlns:p="http://schemas.openxmlformats.org/presentationml/2006/main">
   <p:cSld>
     <p:spTree>
       <p:nvGrpSpPr>
@@ -3087,10 +6031,23 @@
         <p:cNvGrpSpPr/>
         <p:nvPr/>
       </p:nvGrpSpPr>
-      <p:grpSpPr/>
-      <p:sp>
-        <p:nvSpPr>
-          <p:cNvPr id="2" name="Title 1"/>
+      <p:grpSpPr>
+        <a:xfrm>
+          <a:off x="0" y="0"/>
+          <a:ext cx="0" cy="0"/>
+          <a:chOff x="0" y="0"/>
+          <a:chExt cx="0" cy="0"/>
+        </a:xfrm>
+      </p:grpSpPr>
+      <p:sp>
+        <p:nvSpPr>
+          <p:cNvPr id="2" name="Заголовок 1">
+            <a:extLst>
+              <a:ext uri="{FF2B5EF4-FFF2-40B4-BE49-F238E27FC236}">
+                <a16:creationId xmlns:a16="http://schemas.microsoft.com/office/drawing/2014/main" id="{4D919228-CBDA-4D74-A21B-888716BA7FFA}"/>
+              </a:ext>
+            </a:extLst>
+          </p:cNvPr>
           <p:cNvSpPr>
             <a:spLocks noGrp="1"/>
           </p:cNvSpPr>
@@ -3102,12 +6059,23 @@
         <p:txBody>
           <a:bodyPr/>
           <a:lstStyle/>
-          <a:p/>
-        </p:txBody>
-      </p:sp>
-      <p:sp>
-        <p:nvSpPr>
-          <p:cNvPr id="3" name="Subtitle 2"/>
+          <a:p>
+            <a:r>
+              <a:rPr lang="en-US" dirty="0"/>
+              <a:t>Title</a:t>
+            </a:r>
+          </a:p>
+        </p:txBody>
+      </p:sp>
+      <p:sp>
+        <p:nvSpPr>
+          <p:cNvPr id="3" name="Подзаголовок 2">
+            <a:extLst>
+              <a:ext uri="{FF2B5EF4-FFF2-40B4-BE49-F238E27FC236}">
+                <a16:creationId xmlns:a16="http://schemas.microsoft.com/office/drawing/2014/main" id="{4D5F9E3A-2712-4327-9499-3CB7D19A6B2D}"/>
+              </a:ext>
+            </a:extLst>
+          </p:cNvPr>
           <p:cNvSpPr>
             <a:spLocks noGrp="1"/>
           </p:cNvSpPr>
@@ -3119,10 +6087,17 @@
         <p:txBody>
           <a:bodyPr/>
           <a:lstStyle/>
-          <a:p/>
+          <a:p>
+            <a:endParaRPr lang="en-US"/>
+          </a:p>
         </p:txBody>
       </p:sp>
     </p:spTree>
+    <p:extLst>
+      <p:ext uri="{BB962C8B-B14F-4D97-AF65-F5344CB8AC3E}">
+        <p14:creationId xmlns:p14="http://schemas.microsoft.com/office/powerpoint/2010/main" val="3419593543"/>
+      </p:ext>
+    </p:extLst>
   </p:cSld>
   <p:clrMapOvr>
     <a:masterClrMapping/>
@@ -3131,9 +6106,9 @@
 </file>
 
 <file path=ppt/theme/theme1.xml><?xml version="1.0" encoding="utf-8"?>
-<a:theme xmlns:a="http://schemas.openxmlformats.org/drawingml/2006/main" name="Office Theme">
+<a:theme xmlns:a="http://schemas.openxmlformats.org/drawingml/2006/main" name="Аспект">
   <a:themeElements>
-    <a:clrScheme name="Office">
+    <a:clrScheme name="Аспект">
       <a:dk1>
         <a:sysClr val="windowText" lastClr="000000"/>
       </a:dk1>
@@ -3141,52 +6116,52 @@
         <a:sysClr val="window" lastClr="FFFFFF"/>
       </a:lt1>
       <a:dk2>
-        <a:srgbClr val="1F497D"/>
+        <a:srgbClr val="2C3C43"/>
       </a:dk2>
       <a:lt2>
-        <a:srgbClr val="EEECE1"/>
+        <a:srgbClr val="EBEBEB"/>
       </a:lt2>
       <a:accent1>
-        <a:srgbClr val="4F81BD"/>
+        <a:srgbClr val="90C226"/>
       </a:accent1>
       <a:accent2>
-        <a:srgbClr val="C0504D"/>
+        <a:srgbClr val="54A021"/>
       </a:accent2>
       <a:accent3>
-        <a:srgbClr val="9BBB59"/>
+        <a:srgbClr val="E6B91E"/>
       </a:accent3>
       <a:accent4>
-        <a:srgbClr val="8064A2"/>
+        <a:srgbClr val="E76618"/>
       </a:accent4>
       <a:accent5>
-        <a:srgbClr val="4BACC6"/>
+        <a:srgbClr val="C42F1A"/>
       </a:accent5>
       <a:accent6>
-        <a:srgbClr val="F79646"/>
+        <a:srgbClr val="918655"/>
       </a:accent6>
       <a:hlink>
-        <a:srgbClr val="0000FF"/>
+        <a:srgbClr val="99CA3C"/>
       </a:hlink>
       <a:folHlink>
-        <a:srgbClr val="800080"/>
+        <a:srgbClr val="B9D181"/>
       </a:folHlink>
     </a:clrScheme>
-    <a:fontScheme name="Office">
+    <a:fontScheme name="Аспект">
       <a:majorFont>
-        <a:latin typeface="Calibri"/>
+        <a:latin typeface="Trebuchet MS" panose="020B0603020202020204"/>
         <a:ea typeface=""/>
         <a:cs typeface=""/>
-        <a:font script="Jpan" typeface="ＭＳ Ｐゴシック"/>
+        <a:font script="Jpan" typeface="メイリオ"/>
         <a:font script="Hang" typeface="맑은 고딕"/>
-        <a:font script="Hans" typeface="宋体"/>
-        <a:font script="Hant" typeface="新細明體"/>
-        <a:font script="Arab" typeface="Times New Roman"/>
-        <a:font script="Hebr" typeface="Times New Roman"/>
-        <a:font script="Thai" typeface="Angsana New"/>
+        <a:font script="Hans" typeface="方正姚体"/>
+        <a:font script="Hant" typeface="微軟正黑體"/>
+        <a:font script="Arab" typeface="Tahoma"/>
+        <a:font script="Hebr" typeface="Arial"/>
+        <a:font script="Thai" typeface="Cordia New"/>
         <a:font script="Ethi" typeface="Nyala"/>
         <a:font script="Beng" typeface="Vrinda"/>
         <a:font script="Gujr" typeface="Shruti"/>
-        <a:font script="Khmr" typeface="MoolBoran"/>
+        <a:font script="Khmr" typeface="DaunPenh"/>
         <a:font script="Knda" typeface="Tunga"/>
         <a:font script="Guru" typeface="Raavi"/>
         <a:font script="Cans" typeface="Euphemia"/>
@@ -3203,21 +6178,21 @@
         <a:font script="Laoo" typeface="DokChampa"/>
         <a:font script="Sinh" typeface="Iskoola Pota"/>
         <a:font script="Mong" typeface="Mongolian Baiti"/>
-        <a:font script="Viet" typeface="Times New Roman"/>
+        <a:font script="Viet" typeface="Tahoma"/>
         <a:font script="Uigh" typeface="Microsoft Uighur"/>
         <a:font script="Geor" typeface="Sylfaen"/>
       </a:majorFont>
       <a:minorFont>
-        <a:latin typeface="Calibri"/>
+        <a:latin typeface="Trebuchet MS" panose="020B0603020202020204"/>
         <a:ea typeface=""/>
         <a:cs typeface=""/>
-        <a:font script="Jpan" typeface="ＭＳ Ｐゴシック"/>
-        <a:font script="Hang" typeface="맑은 고딕"/>
-        <a:font script="Hans" typeface="宋体"/>
-        <a:font script="Hant" typeface="新細明體"/>
-        <a:font script="Arab" typeface="Arial"/>
-        <a:font script="Hebr" typeface="Arial"/>
-        <a:font script="Thai" typeface="Cordia New"/>
+        <a:font script="Jpan" typeface="メイリオ"/>
+        <a:font script="Hang" typeface="HY그래픽M"/>
+        <a:font script="Hans" typeface="华文新魏"/>
+        <a:font script="Hant" typeface="微軟正黑體"/>
+        <a:font script="Arab" typeface="Tahoma"/>
+        <a:font script="Hebr" typeface="Gisha"/>
+        <a:font script="Thai" typeface="IrisUPC"/>
         <a:font script="Ethi" typeface="Nyala"/>
         <a:font script="Beng" typeface="Vrinda"/>
         <a:font script="Gujr" typeface="Shruti"/>
@@ -3243,7 +6218,7 @@
         <a:font script="Geor" typeface="Sylfaen"/>
       </a:minorFont>
     </a:fontScheme>
-    <a:fmtScheme name="Office">
+    <a:fmtScheme name="Аспект">
       <a:fillStyleLst>
         <a:solidFill>
           <a:schemeClr val="phClr"/>
@@ -3252,62 +6227,50 @@
           <a:gsLst>
             <a:gs pos="0">
               <a:schemeClr val="phClr">
-                <a:tint val="50000"/>
-                <a:satMod val="300000"/>
+                <a:tint val="65000"/>
+                <a:lumMod val="110000"/>
               </a:schemeClr>
             </a:gs>
-            <a:gs pos="35000">
+            <a:gs pos="88000">
               <a:schemeClr val="phClr">
-                <a:tint val="37000"/>
-                <a:satMod val="300000"/>
-              </a:schemeClr>
-            </a:gs>
-            <a:gs pos="100000">
-              <a:schemeClr val="phClr">
-                <a:tint val="15000"/>
-                <a:satMod val="350000"/>
+                <a:tint val="90000"/>
               </a:schemeClr>
             </a:gs>
           </a:gsLst>
-          <a:lin ang="16200000" scaled="1"/>
+          <a:lin ang="5400000" scaled="0"/>
         </a:gradFill>
         <a:gradFill rotWithShape="1">
           <a:gsLst>
             <a:gs pos="0">
               <a:schemeClr val="phClr">
-                <a:tint val="100000"/>
-                <a:shade val="100000"/>
-                <a:satMod val="130000"/>
+                <a:tint val="96000"/>
+                <a:lumMod val="100000"/>
               </a:schemeClr>
             </a:gs>
-            <a:gs pos="100000">
+            <a:gs pos="78000">
               <a:schemeClr val="phClr">
-                <a:tint val="50000"/>
-                <a:shade val="100000"/>
-                <a:satMod val="350000"/>
+                <a:shade val="94000"/>
+                <a:lumMod val="94000"/>
               </a:schemeClr>
             </a:gs>
           </a:gsLst>
-          <a:lin ang="16200000" scaled="0"/>
+          <a:lin ang="5400000" scaled="0"/>
         </a:gradFill>
       </a:fillStyleLst>
       <a:lnStyleLst>
-        <a:ln w="9525" cap="flat" cmpd="sng" algn="ctr">
-          <a:solidFill>
-            <a:schemeClr val="phClr">
-              <a:shade val="95000"/>
-              <a:satMod val="105000"/>
-            </a:schemeClr>
-          </a:solidFill>
-          <a:prstDash val="solid"/>
-        </a:ln>
-        <a:ln w="25400" cap="flat" cmpd="sng" algn="ctr">
+        <a:ln w="12700" cap="rnd" cmpd="sng" algn="ctr">
           <a:solidFill>
             <a:schemeClr val="phClr"/>
           </a:solidFill>
           <a:prstDash val="solid"/>
         </a:ln>
-        <a:ln w="38100" cap="flat" cmpd="sng" algn="ctr">
+        <a:ln w="19050" cap="rnd" cmpd="sng" algn="ctr">
+          <a:solidFill>
+            <a:schemeClr val="phClr"/>
+          </a:solidFill>
+          <a:prstDash val="solid"/>
+        </a:ln>
+        <a:ln w="25400" cap="rnd" cmpd="sng" algn="ctr">
           <a:solidFill>
             <a:schemeClr val="phClr"/>
           </a:solidFill>
@@ -3316,17 +6279,11 @@
       </a:lnStyleLst>
       <a:effectStyleLst>
         <a:effectStyle>
-          <a:effectLst>
-            <a:outerShdw blurRad="40000" dist="20000" dir="5400000" rotWithShape="0">
-              <a:srgbClr val="000000">
-                <a:alpha val="38000"/>
-              </a:srgbClr>
-            </a:outerShdw>
-          </a:effectLst>
+          <a:effectLst/>
         </a:effectStyle>
         <a:effectStyle>
           <a:effectLst>
-            <a:outerShdw blurRad="40000" dist="23000" dir="5400000" rotWithShape="0">
+            <a:outerShdw blurRad="38100" dist="25400" dir="5400000" rotWithShape="0">
               <a:srgbClr val="000000">
                 <a:alpha val="35000"/>
               </a:srgbClr>
@@ -3335,7 +6292,7 @@
         </a:effectStyle>
         <a:effectStyle>
           <a:effectLst>
-            <a:outerShdw blurRad="40000" dist="23000" dir="5400000" rotWithShape="0">
+            <a:outerShdw blurRad="50800" dist="38100" dir="5400000" rotWithShape="0">
               <a:srgbClr val="000000">
                 <a:alpha val="35000"/>
               </a:srgbClr>
@@ -3345,12 +6302,10 @@
             <a:camera prst="orthographicFront">
               <a:rot lat="0" lon="0" rev="0"/>
             </a:camera>
-            <a:lightRig rig="threePt" dir="t">
-              <a:rot lat="0" lon="0" rev="1200000"/>
-            </a:lightRig>
+            <a:lightRig rig="threePt" dir="tl"/>
           </a:scene3d>
-          <a:sp3d>
-            <a:bevelT w="63500" h="25400"/>
+          <a:sp3d prstMaterial="plastic">
+            <a:bevelT w="0" h="0"/>
           </a:sp3d>
         </a:effectStyle>
       </a:effectStyleLst>
@@ -3362,90 +6317,47 @@
           <a:gsLst>
             <a:gs pos="0">
               <a:schemeClr val="phClr">
-                <a:tint val="40000"/>
-                <a:satMod val="350000"/>
+                <a:tint val="90000"/>
+                <a:lumMod val="104000"/>
               </a:schemeClr>
             </a:gs>
-            <a:gs pos="40000">
+            <a:gs pos="94000">
               <a:schemeClr val="phClr">
-                <a:tint val="45000"/>
-                <a:shade val="99000"/>
-                <a:satMod val="350000"/>
-              </a:schemeClr>
-            </a:gs>
-            <a:gs pos="100000">
-              <a:schemeClr val="phClr">
-                <a:shade val="20000"/>
-                <a:satMod val="255000"/>
+                <a:shade val="96000"/>
+                <a:lumMod val="82000"/>
               </a:schemeClr>
             </a:gs>
           </a:gsLst>
-          <a:path path="circle">
-            <a:fillToRect l="50000" t="-80000" r="50000" b="180000"/>
-          </a:path>
+          <a:lin ang="5400000" scaled="0"/>
         </a:gradFill>
         <a:gradFill rotWithShape="1">
           <a:gsLst>
             <a:gs pos="0">
               <a:schemeClr val="phClr">
-                <a:tint val="80000"/>
-                <a:satMod val="300000"/>
+                <a:tint val="90000"/>
+                <a:lumMod val="110000"/>
               </a:schemeClr>
             </a:gs>
             <a:gs pos="100000">
               <a:schemeClr val="phClr">
-                <a:shade val="30000"/>
-                <a:satMod val="200000"/>
+                <a:shade val="94000"/>
+                <a:lumMod val="96000"/>
               </a:schemeClr>
             </a:gs>
           </a:gsLst>
           <a:path path="circle">
-            <a:fillToRect l="50000" t="50000" r="50000" b="50000"/>
+            <a:fillToRect l="50000" t="50000" r="100000" b="100000"/>
           </a:path>
         </a:gradFill>
       </a:bgFillStyleLst>
     </a:fmtScheme>
   </a:themeElements>
-  <a:objectDefaults>
-    <a:spDef>
-      <a:spPr/>
-      <a:bodyPr/>
-      <a:lstStyle/>
-      <a:style>
-        <a:lnRef idx="1">
-          <a:schemeClr val="accent1"/>
-        </a:lnRef>
-        <a:fillRef idx="3">
-          <a:schemeClr val="accent1"/>
-        </a:fillRef>
-        <a:effectRef idx="2">
-          <a:schemeClr val="accent1"/>
-        </a:effectRef>
-        <a:fontRef idx="minor">
-          <a:schemeClr val="lt1"/>
-        </a:fontRef>
-      </a:style>
-    </a:spDef>
-    <a:lnDef>
-      <a:spPr/>
-      <a:bodyPr/>
-      <a:lstStyle/>
-      <a:style>
-        <a:lnRef idx="2">
-          <a:schemeClr val="accent1"/>
-        </a:lnRef>
-        <a:fillRef idx="0">
-          <a:schemeClr val="accent1"/>
-        </a:fillRef>
-        <a:effectRef idx="1">
-          <a:schemeClr val="accent1"/>
-        </a:effectRef>
-        <a:fontRef idx="minor">
-          <a:schemeClr val="tx1"/>
-        </a:fontRef>
-      </a:style>
-    </a:lnDef>
-  </a:objectDefaults>
+  <a:objectDefaults/>
   <a:extraClrSchemeLst/>
+  <a:extLst>
+    <a:ext uri="{05A4C25C-085E-4340-85A3-A5531E510DB2}">
+      <thm15:themeFamily xmlns:thm15="http://schemas.microsoft.com/office/thememl/2012/main" name="Facet" id="{C0C680CD-088A-49FC-A102-D699147F32B2}" vid="{CFBC31BA-B70F-4F30-BCAA-4F3011E16C4D}"/>
+    </a:ext>
+  </a:extLst>
 </a:theme>
 </file>